--- a/MyOwnProjectsCompletedDocuments/Training with Live Project/05. SQL Queries with PhpMyAdmin.pptx
+++ b/MyOwnProjectsCompletedDocuments/Training with Live Project/05. SQL Queries with PhpMyAdmin.pptx
@@ -9,6 +9,52 @@
     <p:sldId id="257" r:id="rId3"/>
     <p:sldId id="258" r:id="rId4"/>
     <p:sldId id="259" r:id="rId5"/>
+    <p:sldId id="277" r:id="rId6"/>
+    <p:sldId id="260" r:id="rId7"/>
+    <p:sldId id="261" r:id="rId8"/>
+    <p:sldId id="262" r:id="rId9"/>
+    <p:sldId id="263" r:id="rId10"/>
+    <p:sldId id="264" r:id="rId11"/>
+    <p:sldId id="265" r:id="rId12"/>
+    <p:sldId id="266" r:id="rId13"/>
+    <p:sldId id="267" r:id="rId14"/>
+    <p:sldId id="268" r:id="rId15"/>
+    <p:sldId id="269" r:id="rId16"/>
+    <p:sldId id="270" r:id="rId17"/>
+    <p:sldId id="271" r:id="rId18"/>
+    <p:sldId id="272" r:id="rId19"/>
+    <p:sldId id="273" r:id="rId20"/>
+    <p:sldId id="274" r:id="rId21"/>
+    <p:sldId id="275" r:id="rId22"/>
+    <p:sldId id="276" r:id="rId23"/>
+    <p:sldId id="278" r:id="rId24"/>
+    <p:sldId id="286" r:id="rId25"/>
+    <p:sldId id="287" r:id="rId26"/>
+    <p:sldId id="288" r:id="rId27"/>
+    <p:sldId id="289" r:id="rId28"/>
+    <p:sldId id="290" r:id="rId29"/>
+    <p:sldId id="291" r:id="rId30"/>
+    <p:sldId id="292" r:id="rId31"/>
+    <p:sldId id="293" r:id="rId32"/>
+    <p:sldId id="294" r:id="rId33"/>
+    <p:sldId id="295" r:id="rId34"/>
+    <p:sldId id="296" r:id="rId35"/>
+    <p:sldId id="279" r:id="rId36"/>
+    <p:sldId id="280" r:id="rId37"/>
+    <p:sldId id="281" r:id="rId38"/>
+    <p:sldId id="282" r:id="rId39"/>
+    <p:sldId id="283" r:id="rId40"/>
+    <p:sldId id="284" r:id="rId41"/>
+    <p:sldId id="285" r:id="rId42"/>
+    <p:sldId id="297" r:id="rId43"/>
+    <p:sldId id="298" r:id="rId44"/>
+    <p:sldId id="299" r:id="rId45"/>
+    <p:sldId id="300" r:id="rId46"/>
+    <p:sldId id="301" r:id="rId47"/>
+    <p:sldId id="302" r:id="rId48"/>
+    <p:sldId id="303" r:id="rId49"/>
+    <p:sldId id="304" r:id="rId50"/>
+    <p:sldId id="305" r:id="rId51"/>
   </p:sldIdLst>
   <p:sldSz cx="9144000" cy="6858000" type="screen4x3"/>
   <p:notesSz cx="6858000" cy="9144000"/>
@@ -292,7 +338,7 @@
             <a:fld id="{1D8BD707-D9CF-40AE-B4C6-C98DA3205C09}" type="datetimeFigureOut">
               <a:rPr lang="en-US" smtClean="0"/>
               <a:pPr/>
-              <a:t>1/10/2018</a:t>
+              <a:t>1/21/2018</a:t>
             </a:fld>
             <a:endParaRPr lang="en-US"/>
           </a:p>
@@ -459,7 +505,7 @@
             <a:fld id="{1D8BD707-D9CF-40AE-B4C6-C98DA3205C09}" type="datetimeFigureOut">
               <a:rPr lang="en-US" smtClean="0"/>
               <a:pPr/>
-              <a:t>1/10/2018</a:t>
+              <a:t>1/21/2018</a:t>
             </a:fld>
             <a:endParaRPr lang="en-US"/>
           </a:p>
@@ -636,7 +682,7 @@
             <a:fld id="{1D8BD707-D9CF-40AE-B4C6-C98DA3205C09}" type="datetimeFigureOut">
               <a:rPr lang="en-US" smtClean="0"/>
               <a:pPr/>
-              <a:t>1/10/2018</a:t>
+              <a:t>1/21/2018</a:t>
             </a:fld>
             <a:endParaRPr lang="en-US"/>
           </a:p>
@@ -803,7 +849,7 @@
             <a:fld id="{1D8BD707-D9CF-40AE-B4C6-C98DA3205C09}" type="datetimeFigureOut">
               <a:rPr lang="en-US" smtClean="0"/>
               <a:pPr/>
-              <a:t>1/10/2018</a:t>
+              <a:t>1/21/2018</a:t>
             </a:fld>
             <a:endParaRPr lang="en-US"/>
           </a:p>
@@ -1046,7 +1092,7 @@
             <a:fld id="{1D8BD707-D9CF-40AE-B4C6-C98DA3205C09}" type="datetimeFigureOut">
               <a:rPr lang="en-US" smtClean="0"/>
               <a:pPr/>
-              <a:t>1/10/2018</a:t>
+              <a:t>1/21/2018</a:t>
             </a:fld>
             <a:endParaRPr lang="en-US"/>
           </a:p>
@@ -1331,7 +1377,7 @@
             <a:fld id="{1D8BD707-D9CF-40AE-B4C6-C98DA3205C09}" type="datetimeFigureOut">
               <a:rPr lang="en-US" smtClean="0"/>
               <a:pPr/>
-              <a:t>1/10/2018</a:t>
+              <a:t>1/21/2018</a:t>
             </a:fld>
             <a:endParaRPr lang="en-US"/>
           </a:p>
@@ -1750,7 +1796,7 @@
             <a:fld id="{1D8BD707-D9CF-40AE-B4C6-C98DA3205C09}" type="datetimeFigureOut">
               <a:rPr lang="en-US" smtClean="0"/>
               <a:pPr/>
-              <a:t>1/10/2018</a:t>
+              <a:t>1/21/2018</a:t>
             </a:fld>
             <a:endParaRPr lang="en-US"/>
           </a:p>
@@ -1865,7 +1911,7 @@
             <a:fld id="{1D8BD707-D9CF-40AE-B4C6-C98DA3205C09}" type="datetimeFigureOut">
               <a:rPr lang="en-US" smtClean="0"/>
               <a:pPr/>
-              <a:t>1/10/2018</a:t>
+              <a:t>1/21/2018</a:t>
             </a:fld>
             <a:endParaRPr lang="en-US"/>
           </a:p>
@@ -1957,7 +2003,7 @@
             <a:fld id="{1D8BD707-D9CF-40AE-B4C6-C98DA3205C09}" type="datetimeFigureOut">
               <a:rPr lang="en-US" smtClean="0"/>
               <a:pPr/>
-              <a:t>1/10/2018</a:t>
+              <a:t>1/21/2018</a:t>
             </a:fld>
             <a:endParaRPr lang="en-US"/>
           </a:p>
@@ -2231,7 +2277,7 @@
             <a:fld id="{1D8BD707-D9CF-40AE-B4C6-C98DA3205C09}" type="datetimeFigureOut">
               <a:rPr lang="en-US" smtClean="0"/>
               <a:pPr/>
-              <a:t>1/10/2018</a:t>
+              <a:t>1/21/2018</a:t>
             </a:fld>
             <a:endParaRPr lang="en-US"/>
           </a:p>
@@ -2481,7 +2527,7 @@
             <a:fld id="{1D8BD707-D9CF-40AE-B4C6-C98DA3205C09}" type="datetimeFigureOut">
               <a:rPr lang="en-US" smtClean="0"/>
               <a:pPr/>
-              <a:t>1/10/2018</a:t>
+              <a:t>1/21/2018</a:t>
             </a:fld>
             <a:endParaRPr lang="en-US"/>
           </a:p>
@@ -2691,7 +2737,7 @@
             <a:fld id="{1D8BD707-D9CF-40AE-B4C6-C98DA3205C09}" type="datetimeFigureOut">
               <a:rPr lang="en-US" smtClean="0"/>
               <a:pPr/>
-              <a:t>1/10/2018</a:t>
+              <a:t>1/21/2018</a:t>
             </a:fld>
             <a:endParaRPr lang="en-US"/>
           </a:p>
@@ -3086,15 +3132,7 @@
           <a:p>
             <a:r>
               <a:rPr lang="en-US" dirty="0"/>
-              <a:t>SQL Queries With </a:t>
-            </a:r>
-            <a:r>
-              <a:rPr lang="en-US" dirty="0" err="1"/>
-              <a:t>PhpMyAdmin</a:t>
-            </a:r>
-            <a:r>
-              <a:rPr lang="en-US" dirty="0"/>
-              <a:t> (Create &amp; Drop Database)-Part:02</a:t>
+              <a:t>SQL Queries With PhpMyAdmin (Create &amp; Drop Database)-Part:02</a:t>
             </a:r>
           </a:p>
         </p:txBody>
@@ -3214,6 +3252,1557 @@
 </p:sld>
 </file>
 
+<file path=ppt/slides/slide10.xml><?xml version="1.0" encoding="utf-8"?>
+<p:sld xmlns:a="http://schemas.openxmlformats.org/drawingml/2006/main" xmlns:r="http://schemas.openxmlformats.org/officeDocument/2006/relationships" xmlns:p="http://schemas.openxmlformats.org/presentationml/2006/main">
+  <p:cSld>
+    <p:spTree>
+      <p:nvGrpSpPr>
+        <p:cNvPr id="1" name=""/>
+        <p:cNvGrpSpPr/>
+        <p:nvPr/>
+      </p:nvGrpSpPr>
+      <p:grpSpPr>
+        <a:xfrm>
+          <a:off x="0" y="0"/>
+          <a:ext cx="0" cy="0"/>
+          <a:chOff x="0" y="0"/>
+          <a:chExt cx="0" cy="0"/>
+        </a:xfrm>
+      </p:grpSpPr>
+      <p:sp>
+        <p:nvSpPr>
+          <p:cNvPr id="2" name="Title 1"/>
+          <p:cNvSpPr>
+            <a:spLocks noGrp="1"/>
+          </p:cNvSpPr>
+          <p:nvPr>
+            <p:ph type="title"/>
+          </p:nvPr>
+        </p:nvSpPr>
+        <p:spPr/>
+        <p:txBody>
+          <a:bodyPr>
+            <a:normAutofit fontScale="90000"/>
+          </a:bodyPr>
+          <a:lstStyle/>
+          <a:p>
+            <a:pPr fontAlgn="ctr"/>
+            <a:r>
+              <a:rPr lang="en-US" dirty="0"/>
+              <a:t/>
+            </a:r>
+            <a:br>
+              <a:rPr lang="en-US" dirty="0"/>
+            </a:br>
+            <a:r>
+              <a:rPr lang="en-US" dirty="0"/>
+              <a:t>11/45</a:t>
+            </a:r>
+            <a:br>
+              <a:rPr lang="en-US" dirty="0"/>
+            </a:br>
+            <a:r>
+              <a:rPr lang="en-US" dirty="0">
+                <a:hlinkClick r:id="rId2"/>
+              </a:rPr>
+              <a:t>SQL Queries With PhpMyAdmin (Like Operator)-Part:11</a:t>
+            </a:r>
+            <a:r>
+              <a:rPr lang="en-US" dirty="0"/>
+              <a:t/>
+            </a:r>
+            <a:br>
+              <a:rPr lang="en-US" dirty="0"/>
+            </a:br>
+            <a:endParaRPr lang="en-US" dirty="0"/>
+          </a:p>
+        </p:txBody>
+      </p:sp>
+      <p:sp>
+        <p:nvSpPr>
+          <p:cNvPr id="3" name="Content Placeholder 2"/>
+          <p:cNvSpPr>
+            <a:spLocks noGrp="1"/>
+          </p:cNvSpPr>
+          <p:nvPr>
+            <p:ph idx="1"/>
+          </p:nvPr>
+        </p:nvSpPr>
+        <p:spPr/>
+        <p:txBody>
+          <a:bodyPr>
+            <a:normAutofit fontScale="92500"/>
+          </a:bodyPr>
+          <a:lstStyle/>
+          <a:p>
+            <a:r>
+              <a:rPr lang="en-US" dirty="0"/>
+              <a:t>SELECT * FROM </a:t>
+            </a:r>
+            <a:r>
+              <a:rPr lang="en-US" dirty="0" smtClean="0"/>
+              <a:t>customer WHERE </a:t>
+            </a:r>
+            <a:r>
+              <a:rPr lang="en-US" dirty="0"/>
+              <a:t>city LIKE '%r</a:t>
+            </a:r>
+            <a:r>
+              <a:rPr lang="en-US" dirty="0" smtClean="0"/>
+              <a:t>';</a:t>
+            </a:r>
+          </a:p>
+          <a:p>
+            <a:r>
+              <a:rPr lang="en-US" dirty="0"/>
+              <a:t>SELECT * FROM </a:t>
+            </a:r>
+            <a:r>
+              <a:rPr lang="en-US" dirty="0" smtClean="0"/>
+              <a:t>customer WHERE </a:t>
+            </a:r>
+            <a:r>
+              <a:rPr lang="en-US" dirty="0"/>
+              <a:t>city LIKE 'd</a:t>
+            </a:r>
+            <a:r>
+              <a:rPr lang="en-US" dirty="0" smtClean="0"/>
+              <a:t>%';</a:t>
+            </a:r>
+          </a:p>
+          <a:p>
+            <a:r>
+              <a:rPr lang="en-US" dirty="0"/>
+              <a:t>SELECT * FROM </a:t>
+            </a:r>
+            <a:r>
+              <a:rPr lang="en-US" dirty="0" smtClean="0"/>
+              <a:t>customer WHERE </a:t>
+            </a:r>
+            <a:r>
+              <a:rPr lang="en-US" dirty="0"/>
+              <a:t>city LIKE '%</a:t>
+            </a:r>
+            <a:r>
+              <a:rPr lang="en-US" dirty="0" err="1"/>
+              <a:t>monir</a:t>
+            </a:r>
+            <a:r>
+              <a:rPr lang="en-US" dirty="0" smtClean="0"/>
+              <a:t>%';</a:t>
+            </a:r>
+          </a:p>
+          <a:p>
+            <a:r>
+              <a:rPr lang="en-US" dirty="0"/>
+              <a:t>SELECT * FROM </a:t>
+            </a:r>
+            <a:r>
+              <a:rPr lang="en-US" dirty="0" smtClean="0"/>
+              <a:t>customer WHERE </a:t>
+            </a:r>
+            <a:r>
+              <a:rPr lang="en-US" dirty="0" err="1"/>
+              <a:t>firstName</a:t>
+            </a:r>
+            <a:r>
+              <a:rPr lang="en-US" dirty="0"/>
+              <a:t> LIKE '%</a:t>
+            </a:r>
+            <a:r>
+              <a:rPr lang="en-US" dirty="0" err="1"/>
+              <a:t>Jahan</a:t>
+            </a:r>
+            <a:r>
+              <a:rPr lang="en-US" dirty="0" smtClean="0"/>
+              <a:t>%';</a:t>
+            </a:r>
+          </a:p>
+          <a:p>
+            <a:r>
+              <a:rPr lang="en-US" dirty="0"/>
+              <a:t>SELECT * FROM customer WHERE </a:t>
+            </a:r>
+            <a:r>
+              <a:rPr lang="en-US" dirty="0" err="1"/>
+              <a:t>firstName</a:t>
+            </a:r>
+            <a:r>
+              <a:rPr lang="en-US" dirty="0"/>
+              <a:t> NOT LIKE '%</a:t>
+            </a:r>
+            <a:r>
+              <a:rPr lang="en-US" dirty="0" err="1"/>
+              <a:t>Jahan</a:t>
+            </a:r>
+            <a:r>
+              <a:rPr lang="en-US" dirty="0"/>
+              <a:t>%';</a:t>
+            </a:r>
+          </a:p>
+        </p:txBody>
+      </p:sp>
+    </p:spTree>
+    <p:extLst>
+      <p:ext uri="{BB962C8B-B14F-4D97-AF65-F5344CB8AC3E}">
+        <p14:creationId xmlns:p14="http://schemas.microsoft.com/office/powerpoint/2010/main" val="912825835"/>
+      </p:ext>
+    </p:extLst>
+  </p:cSld>
+  <p:clrMapOvr>
+    <a:masterClrMapping/>
+  </p:clrMapOvr>
+  <p:timing>
+    <p:tnLst>
+      <p:par>
+        <p:cTn id="1" dur="indefinite" restart="never" nodeType="tmRoot"/>
+      </p:par>
+    </p:tnLst>
+  </p:timing>
+</p:sld>
+</file>
+
+<file path=ppt/slides/slide11.xml><?xml version="1.0" encoding="utf-8"?>
+<p:sld xmlns:a="http://schemas.openxmlformats.org/drawingml/2006/main" xmlns:r="http://schemas.openxmlformats.org/officeDocument/2006/relationships" xmlns:p="http://schemas.openxmlformats.org/presentationml/2006/main">
+  <p:cSld>
+    <p:spTree>
+      <p:nvGrpSpPr>
+        <p:cNvPr id="1" name=""/>
+        <p:cNvGrpSpPr/>
+        <p:nvPr/>
+      </p:nvGrpSpPr>
+      <p:grpSpPr>
+        <a:xfrm>
+          <a:off x="0" y="0"/>
+          <a:ext cx="0" cy="0"/>
+          <a:chOff x="0" y="0"/>
+          <a:chExt cx="0" cy="0"/>
+        </a:xfrm>
+      </p:grpSpPr>
+      <p:sp>
+        <p:nvSpPr>
+          <p:cNvPr id="2" name="Title 1"/>
+          <p:cNvSpPr>
+            <a:spLocks noGrp="1"/>
+          </p:cNvSpPr>
+          <p:nvPr>
+            <p:ph type="title"/>
+          </p:nvPr>
+        </p:nvSpPr>
+        <p:spPr/>
+        <p:txBody>
+          <a:bodyPr>
+            <a:normAutofit fontScale="90000"/>
+          </a:bodyPr>
+          <a:lstStyle/>
+          <a:p>
+            <a:pPr fontAlgn="ctr"/>
+            <a:r>
+              <a:rPr lang="en-US" dirty="0"/>
+              <a:t/>
+            </a:r>
+            <a:br>
+              <a:rPr lang="en-US" dirty="0"/>
+            </a:br>
+            <a:r>
+              <a:rPr lang="en-US" dirty="0"/>
+              <a:t>12/45</a:t>
+            </a:r>
+            <a:br>
+              <a:rPr lang="en-US" dirty="0"/>
+            </a:br>
+            <a:r>
+              <a:rPr lang="en-US" dirty="0">
+                <a:hlinkClick r:id="rId2"/>
+              </a:rPr>
+              <a:t>SQL Queries With PhpMyAdmin (IN Operator)-Part:12</a:t>
+            </a:r>
+            <a:r>
+              <a:rPr lang="en-US" dirty="0"/>
+              <a:t/>
+            </a:r>
+            <a:br>
+              <a:rPr lang="en-US" dirty="0"/>
+            </a:br>
+            <a:endParaRPr lang="en-US" dirty="0"/>
+          </a:p>
+        </p:txBody>
+      </p:sp>
+      <p:sp>
+        <p:nvSpPr>
+          <p:cNvPr id="3" name="Content Placeholder 2"/>
+          <p:cNvSpPr>
+            <a:spLocks noGrp="1"/>
+          </p:cNvSpPr>
+          <p:nvPr>
+            <p:ph idx="1"/>
+          </p:nvPr>
+        </p:nvSpPr>
+        <p:spPr/>
+        <p:txBody>
+          <a:bodyPr/>
+          <a:lstStyle/>
+          <a:p>
+            <a:r>
+              <a:rPr lang="en-US" dirty="0"/>
+              <a:t>SELECT * FROM customer WHERE division IN('Dhaka', '</a:t>
+            </a:r>
+            <a:r>
+              <a:rPr lang="en-US" dirty="0" err="1"/>
+              <a:t>Rajshahi</a:t>
+            </a:r>
+            <a:r>
+              <a:rPr lang="en-US" dirty="0" smtClean="0"/>
+              <a:t>');</a:t>
+            </a:r>
+          </a:p>
+          <a:p>
+            <a:r>
+              <a:rPr lang="en-US" dirty="0"/>
+              <a:t>SELECT * FROM customer WHERE division IN('Dhaka', '</a:t>
+            </a:r>
+            <a:r>
+              <a:rPr lang="en-US" dirty="0" err="1"/>
+              <a:t>Rajshahi</a:t>
+            </a:r>
+            <a:r>
+              <a:rPr lang="en-US" dirty="0"/>
+              <a:t>', '</a:t>
+            </a:r>
+            <a:r>
+              <a:rPr lang="en-US" dirty="0" err="1"/>
+              <a:t>Sylhet</a:t>
+            </a:r>
+            <a:r>
+              <a:rPr lang="en-US" dirty="0"/>
+              <a:t>');</a:t>
+            </a:r>
+          </a:p>
+        </p:txBody>
+      </p:sp>
+    </p:spTree>
+    <p:extLst>
+      <p:ext uri="{BB962C8B-B14F-4D97-AF65-F5344CB8AC3E}">
+        <p14:creationId xmlns:p14="http://schemas.microsoft.com/office/powerpoint/2010/main" val="3576135622"/>
+      </p:ext>
+    </p:extLst>
+  </p:cSld>
+  <p:clrMapOvr>
+    <a:masterClrMapping/>
+  </p:clrMapOvr>
+  <p:timing>
+    <p:tnLst>
+      <p:par>
+        <p:cTn id="1" dur="indefinite" restart="never" nodeType="tmRoot"/>
+      </p:par>
+    </p:tnLst>
+  </p:timing>
+</p:sld>
+</file>
+
+<file path=ppt/slides/slide12.xml><?xml version="1.0" encoding="utf-8"?>
+<p:sld xmlns:a="http://schemas.openxmlformats.org/drawingml/2006/main" xmlns:r="http://schemas.openxmlformats.org/officeDocument/2006/relationships" xmlns:p="http://schemas.openxmlformats.org/presentationml/2006/main">
+  <p:cSld>
+    <p:spTree>
+      <p:nvGrpSpPr>
+        <p:cNvPr id="1" name=""/>
+        <p:cNvGrpSpPr/>
+        <p:nvPr/>
+      </p:nvGrpSpPr>
+      <p:grpSpPr>
+        <a:xfrm>
+          <a:off x="0" y="0"/>
+          <a:ext cx="0" cy="0"/>
+          <a:chOff x="0" y="0"/>
+          <a:chExt cx="0" cy="0"/>
+        </a:xfrm>
+      </p:grpSpPr>
+      <p:sp>
+        <p:nvSpPr>
+          <p:cNvPr id="2" name="Title 1"/>
+          <p:cNvSpPr>
+            <a:spLocks noGrp="1"/>
+          </p:cNvSpPr>
+          <p:nvPr>
+            <p:ph type="title"/>
+          </p:nvPr>
+        </p:nvSpPr>
+        <p:spPr/>
+        <p:txBody>
+          <a:bodyPr>
+            <a:normAutofit fontScale="90000"/>
+          </a:bodyPr>
+          <a:lstStyle/>
+          <a:p>
+            <a:pPr fontAlgn="ctr"/>
+            <a:r>
+              <a:rPr lang="en-US" dirty="0"/>
+              <a:t/>
+            </a:r>
+            <a:br>
+              <a:rPr lang="en-US" dirty="0"/>
+            </a:br>
+            <a:r>
+              <a:rPr lang="en-US" dirty="0"/>
+              <a:t>13/45</a:t>
+            </a:r>
+            <a:br>
+              <a:rPr lang="en-US" dirty="0"/>
+            </a:br>
+            <a:r>
+              <a:rPr lang="en-US" dirty="0">
+                <a:hlinkClick r:id="rId2"/>
+              </a:rPr>
+              <a:t>SQL Queries With PhpMyAdmin (Indexes)-Part:13</a:t>
+            </a:r>
+            <a:r>
+              <a:rPr lang="en-US" dirty="0"/>
+              <a:t/>
+            </a:r>
+            <a:br>
+              <a:rPr lang="en-US" dirty="0"/>
+            </a:br>
+            <a:endParaRPr lang="en-US" dirty="0"/>
+          </a:p>
+        </p:txBody>
+      </p:sp>
+      <p:sp>
+        <p:nvSpPr>
+          <p:cNvPr id="3" name="Content Placeholder 2"/>
+          <p:cNvSpPr>
+            <a:spLocks noGrp="1"/>
+          </p:cNvSpPr>
+          <p:nvPr>
+            <p:ph idx="1"/>
+          </p:nvPr>
+        </p:nvSpPr>
+        <p:spPr/>
+        <p:txBody>
+          <a:bodyPr>
+            <a:normAutofit/>
+          </a:bodyPr>
+          <a:lstStyle/>
+          <a:p>
+            <a:r>
+              <a:rPr lang="en-US" dirty="0"/>
+              <a:t>CREATE INDEX </a:t>
+            </a:r>
+            <a:r>
+              <a:rPr lang="en-US" dirty="0" err="1" smtClean="0"/>
+              <a:t>Cindex</a:t>
+            </a:r>
+            <a:r>
+              <a:rPr lang="en-US" dirty="0" smtClean="0"/>
+              <a:t> ON </a:t>
+            </a:r>
+            <a:r>
+              <a:rPr lang="en-US" dirty="0"/>
+              <a:t>customer(city</a:t>
+            </a:r>
+            <a:r>
+              <a:rPr lang="en-US" dirty="0" smtClean="0"/>
+              <a:t>);</a:t>
+            </a:r>
+          </a:p>
+          <a:p>
+            <a:r>
+              <a:rPr lang="en-US" dirty="0"/>
+              <a:t>SELECT city FROM customer</a:t>
+            </a:r>
+            <a:r>
+              <a:rPr lang="en-US" dirty="0" smtClean="0"/>
+              <a:t>;</a:t>
+            </a:r>
+          </a:p>
+          <a:p>
+            <a:r>
+              <a:rPr lang="en-US" dirty="0"/>
+              <a:t>DROP INDEX </a:t>
+            </a:r>
+            <a:r>
+              <a:rPr lang="en-US" dirty="0" err="1"/>
+              <a:t>CIndex</a:t>
+            </a:r>
+            <a:r>
+              <a:rPr lang="en-US" dirty="0"/>
+              <a:t> ON customer</a:t>
+            </a:r>
+            <a:r>
+              <a:rPr lang="en-US" dirty="0" smtClean="0"/>
+              <a:t>;</a:t>
+            </a:r>
+          </a:p>
+        </p:txBody>
+      </p:sp>
+    </p:spTree>
+    <p:extLst>
+      <p:ext uri="{BB962C8B-B14F-4D97-AF65-F5344CB8AC3E}">
+        <p14:creationId xmlns:p14="http://schemas.microsoft.com/office/powerpoint/2010/main" val="3206075376"/>
+      </p:ext>
+    </p:extLst>
+  </p:cSld>
+  <p:clrMapOvr>
+    <a:masterClrMapping/>
+  </p:clrMapOvr>
+</p:sld>
+</file>
+
+<file path=ppt/slides/slide13.xml><?xml version="1.0" encoding="utf-8"?>
+<p:sld xmlns:a="http://schemas.openxmlformats.org/drawingml/2006/main" xmlns:r="http://schemas.openxmlformats.org/officeDocument/2006/relationships" xmlns:p="http://schemas.openxmlformats.org/presentationml/2006/main">
+  <p:cSld>
+    <p:spTree>
+      <p:nvGrpSpPr>
+        <p:cNvPr id="1" name=""/>
+        <p:cNvGrpSpPr/>
+        <p:nvPr/>
+      </p:nvGrpSpPr>
+      <p:grpSpPr>
+        <a:xfrm>
+          <a:off x="0" y="0"/>
+          <a:ext cx="0" cy="0"/>
+          <a:chOff x="0" y="0"/>
+          <a:chExt cx="0" cy="0"/>
+        </a:xfrm>
+      </p:grpSpPr>
+      <p:sp>
+        <p:nvSpPr>
+          <p:cNvPr id="2" name="Title 1"/>
+          <p:cNvSpPr>
+            <a:spLocks noGrp="1"/>
+          </p:cNvSpPr>
+          <p:nvPr>
+            <p:ph type="title"/>
+          </p:nvPr>
+        </p:nvSpPr>
+        <p:spPr/>
+        <p:txBody>
+          <a:bodyPr>
+            <a:normAutofit fontScale="90000"/>
+          </a:bodyPr>
+          <a:lstStyle/>
+          <a:p>
+            <a:pPr fontAlgn="ctr"/>
+            <a:r>
+              <a:rPr lang="en-US" dirty="0"/>
+              <a:t/>
+            </a:r>
+            <a:br>
+              <a:rPr lang="en-US" dirty="0"/>
+            </a:br>
+            <a:r>
+              <a:rPr lang="en-US" dirty="0"/>
+              <a:t>14/45</a:t>
+            </a:r>
+            <a:br>
+              <a:rPr lang="en-US" dirty="0"/>
+            </a:br>
+            <a:r>
+              <a:rPr lang="en-US" dirty="0">
+                <a:hlinkClick r:id="rId2"/>
+              </a:rPr>
+              <a:t>SQL Queries With PhpMyAdmin (Relationships &amp; Foreign Keys)-Part:14</a:t>
+            </a:r>
+            <a:endParaRPr lang="en-US" dirty="0"/>
+          </a:p>
+        </p:txBody>
+      </p:sp>
+      <p:sp>
+        <p:nvSpPr>
+          <p:cNvPr id="3" name="Content Placeholder 2"/>
+          <p:cNvSpPr>
+            <a:spLocks noGrp="1"/>
+          </p:cNvSpPr>
+          <p:nvPr>
+            <p:ph idx="1"/>
+          </p:nvPr>
+        </p:nvSpPr>
+        <p:spPr>
+          <a:xfrm>
+            <a:off x="457200" y="2103437"/>
+            <a:ext cx="8229600" cy="4525963"/>
+          </a:xfrm>
+        </p:spPr>
+        <p:txBody>
+          <a:bodyPr>
+            <a:normAutofit/>
+          </a:bodyPr>
+          <a:lstStyle/>
+          <a:p>
+            <a:r>
+              <a:rPr lang="en-US" dirty="0"/>
+              <a:t>CREATE TABLE products(</a:t>
+            </a:r>
+          </a:p>
+          <a:p>
+            <a:r>
+              <a:rPr lang="en-US" dirty="0"/>
+              <a:t>    id INT NOT NULL AUTO_INCREMENT,</a:t>
+            </a:r>
+          </a:p>
+          <a:p>
+            <a:r>
+              <a:rPr lang="en-US" dirty="0"/>
+              <a:t>    name VARCHAR(255),</a:t>
+            </a:r>
+          </a:p>
+          <a:p>
+            <a:r>
+              <a:rPr lang="en-US" dirty="0"/>
+              <a:t>    price INT,</a:t>
+            </a:r>
+          </a:p>
+          <a:p>
+            <a:r>
+              <a:rPr lang="en-US" dirty="0"/>
+              <a:t>    PRIMARY KEY(id)</a:t>
+            </a:r>
+          </a:p>
+          <a:p>
+            <a:r>
+              <a:rPr lang="en-US" dirty="0"/>
+              <a:t>);</a:t>
+            </a:r>
+          </a:p>
+          <a:p>
+            <a:endParaRPr lang="en-US" dirty="0"/>
+          </a:p>
+        </p:txBody>
+      </p:sp>
+    </p:spTree>
+    <p:extLst>
+      <p:ext uri="{BB962C8B-B14F-4D97-AF65-F5344CB8AC3E}">
+        <p14:creationId xmlns:p14="http://schemas.microsoft.com/office/powerpoint/2010/main" val="2441909648"/>
+      </p:ext>
+    </p:extLst>
+  </p:cSld>
+  <p:clrMapOvr>
+    <a:masterClrMapping/>
+  </p:clrMapOvr>
+</p:sld>
+</file>
+
+<file path=ppt/slides/slide14.xml><?xml version="1.0" encoding="utf-8"?>
+<p:sld xmlns:a="http://schemas.openxmlformats.org/drawingml/2006/main" xmlns:r="http://schemas.openxmlformats.org/officeDocument/2006/relationships" xmlns:p="http://schemas.openxmlformats.org/presentationml/2006/main">
+  <p:cSld>
+    <p:spTree>
+      <p:nvGrpSpPr>
+        <p:cNvPr id="1" name=""/>
+        <p:cNvGrpSpPr/>
+        <p:nvPr/>
+      </p:nvGrpSpPr>
+      <p:grpSpPr>
+        <a:xfrm>
+          <a:off x="0" y="0"/>
+          <a:ext cx="0" cy="0"/>
+          <a:chOff x="0" y="0"/>
+          <a:chExt cx="0" cy="0"/>
+        </a:xfrm>
+      </p:grpSpPr>
+      <p:sp>
+        <p:nvSpPr>
+          <p:cNvPr id="2" name="Title 1"/>
+          <p:cNvSpPr>
+            <a:spLocks noGrp="1"/>
+          </p:cNvSpPr>
+          <p:nvPr>
+            <p:ph type="title"/>
+          </p:nvPr>
+        </p:nvSpPr>
+        <p:spPr/>
+        <p:txBody>
+          <a:bodyPr>
+            <a:normAutofit fontScale="90000"/>
+          </a:bodyPr>
+          <a:lstStyle/>
+          <a:p>
+            <a:r>
+              <a:rPr lang="en-US" dirty="0">
+                <a:hlinkClick r:id="rId2"/>
+              </a:rPr>
+              <a:t>(Relationships &amp; Foreign Keys)-Part:14</a:t>
+            </a:r>
+            <a:endParaRPr lang="en-US" dirty="0"/>
+          </a:p>
+        </p:txBody>
+      </p:sp>
+      <p:sp>
+        <p:nvSpPr>
+          <p:cNvPr id="3" name="Content Placeholder 2"/>
+          <p:cNvSpPr>
+            <a:spLocks noGrp="1"/>
+          </p:cNvSpPr>
+          <p:nvPr>
+            <p:ph idx="1"/>
+          </p:nvPr>
+        </p:nvSpPr>
+        <p:spPr/>
+        <p:txBody>
+          <a:bodyPr>
+            <a:normAutofit fontScale="85000" lnSpcReduction="20000"/>
+          </a:bodyPr>
+          <a:lstStyle/>
+          <a:p>
+            <a:r>
+              <a:rPr lang="en-US" dirty="0"/>
+              <a:t>CREATE TABLE orders(</a:t>
+            </a:r>
+          </a:p>
+          <a:p>
+            <a:r>
+              <a:rPr lang="en-US" dirty="0"/>
+              <a:t>    id INT NOT NULL AUTO_INCREMENT,</a:t>
+            </a:r>
+          </a:p>
+          <a:p>
+            <a:r>
+              <a:rPr lang="en-US" dirty="0"/>
+              <a:t>    </a:t>
+            </a:r>
+            <a:r>
+              <a:rPr lang="en-US" dirty="0" err="1"/>
+              <a:t>orderNumber</a:t>
+            </a:r>
+            <a:r>
+              <a:rPr lang="en-US" dirty="0"/>
+              <a:t> VARCHAR(255),</a:t>
+            </a:r>
+          </a:p>
+          <a:p>
+            <a:r>
+              <a:rPr lang="en-US" dirty="0"/>
+              <a:t>    </a:t>
+            </a:r>
+            <a:r>
+              <a:rPr lang="en-US" dirty="0" err="1"/>
+              <a:t>productId</a:t>
+            </a:r>
+            <a:r>
+              <a:rPr lang="en-US" dirty="0"/>
+              <a:t> INT,</a:t>
+            </a:r>
+          </a:p>
+          <a:p>
+            <a:r>
+              <a:rPr lang="en-US" dirty="0"/>
+              <a:t>    </a:t>
+            </a:r>
+            <a:r>
+              <a:rPr lang="en-US" dirty="0" err="1"/>
+              <a:t>customerID</a:t>
+            </a:r>
+            <a:r>
+              <a:rPr lang="en-US" dirty="0"/>
+              <a:t> INT,</a:t>
+            </a:r>
+          </a:p>
+          <a:p>
+            <a:r>
+              <a:rPr lang="en-US" dirty="0"/>
+              <a:t>    </a:t>
+            </a:r>
+            <a:r>
+              <a:rPr lang="en-US" dirty="0" err="1"/>
+              <a:t>orderDate</a:t>
+            </a:r>
+            <a:r>
+              <a:rPr lang="en-US" dirty="0"/>
+              <a:t> DATETIME DEFAULT CURRENT_TIMESTAMP,</a:t>
+            </a:r>
+          </a:p>
+          <a:p>
+            <a:r>
+              <a:rPr lang="en-US" dirty="0"/>
+              <a:t>    PRIMARY KEY(id),</a:t>
+            </a:r>
+          </a:p>
+          <a:p>
+            <a:r>
+              <a:rPr lang="en-US" dirty="0"/>
+              <a:t>    FOREIGN KEY(</a:t>
+            </a:r>
+            <a:r>
+              <a:rPr lang="en-US" dirty="0" err="1"/>
+              <a:t>productId</a:t>
+            </a:r>
+            <a:r>
+              <a:rPr lang="en-US" dirty="0"/>
+              <a:t>) REFERENCES products(id),</a:t>
+            </a:r>
+          </a:p>
+          <a:p>
+            <a:r>
+              <a:rPr lang="en-US" dirty="0"/>
+              <a:t>    FOREIGN KEY(</a:t>
+            </a:r>
+            <a:r>
+              <a:rPr lang="en-US" dirty="0" err="1"/>
+              <a:t>customerId</a:t>
+            </a:r>
+            <a:r>
+              <a:rPr lang="en-US" dirty="0"/>
+              <a:t>) REFERENCES products(id)</a:t>
+            </a:r>
+          </a:p>
+          <a:p>
+            <a:r>
+              <a:rPr lang="en-US" dirty="0"/>
+              <a:t>);</a:t>
+            </a:r>
+          </a:p>
+          <a:p>
+            <a:endParaRPr lang="en-US" dirty="0"/>
+          </a:p>
+        </p:txBody>
+      </p:sp>
+    </p:spTree>
+    <p:extLst>
+      <p:ext uri="{BB962C8B-B14F-4D97-AF65-F5344CB8AC3E}">
+        <p14:creationId xmlns:p14="http://schemas.microsoft.com/office/powerpoint/2010/main" val="1482164819"/>
+      </p:ext>
+    </p:extLst>
+  </p:cSld>
+  <p:clrMapOvr>
+    <a:masterClrMapping/>
+  </p:clrMapOvr>
+</p:sld>
+</file>
+
+<file path=ppt/slides/slide15.xml><?xml version="1.0" encoding="utf-8"?>
+<p:sld xmlns:a="http://schemas.openxmlformats.org/drawingml/2006/main" xmlns:r="http://schemas.openxmlformats.org/officeDocument/2006/relationships" xmlns:p="http://schemas.openxmlformats.org/presentationml/2006/main">
+  <p:cSld>
+    <p:spTree>
+      <p:nvGrpSpPr>
+        <p:cNvPr id="1" name=""/>
+        <p:cNvGrpSpPr/>
+        <p:nvPr/>
+      </p:nvGrpSpPr>
+      <p:grpSpPr>
+        <a:xfrm>
+          <a:off x="0" y="0"/>
+          <a:ext cx="0" cy="0"/>
+          <a:chOff x="0" y="0"/>
+          <a:chExt cx="0" cy="0"/>
+        </a:xfrm>
+      </p:grpSpPr>
+      <p:sp>
+        <p:nvSpPr>
+          <p:cNvPr id="2" name="Title 1"/>
+          <p:cNvSpPr>
+            <a:spLocks noGrp="1"/>
+          </p:cNvSpPr>
+          <p:nvPr>
+            <p:ph type="title"/>
+          </p:nvPr>
+        </p:nvSpPr>
+        <p:spPr/>
+        <p:txBody>
+          <a:bodyPr>
+            <a:normAutofit fontScale="90000"/>
+          </a:bodyPr>
+          <a:lstStyle/>
+          <a:p>
+            <a:pPr fontAlgn="ctr"/>
+            <a:r>
+              <a:rPr lang="en-US" dirty="0"/>
+              <a:t/>
+            </a:r>
+            <a:br>
+              <a:rPr lang="en-US" dirty="0"/>
+            </a:br>
+            <a:r>
+              <a:rPr lang="en-US" dirty="0"/>
+              <a:t>15/45</a:t>
+            </a:r>
+            <a:br>
+              <a:rPr lang="en-US" dirty="0"/>
+            </a:br>
+            <a:r>
+              <a:rPr lang="en-US" dirty="0">
+                <a:hlinkClick r:id="rId2"/>
+              </a:rPr>
+              <a:t>SQL Queries With PhpMyAdmin (Joins)-Part:15</a:t>
+            </a:r>
+            <a:r>
+              <a:rPr lang="en-US" dirty="0"/>
+              <a:t/>
+            </a:r>
+            <a:br>
+              <a:rPr lang="en-US" dirty="0"/>
+            </a:br>
+            <a:endParaRPr lang="en-US" b="1" dirty="0"/>
+          </a:p>
+        </p:txBody>
+      </p:sp>
+      <p:sp>
+        <p:nvSpPr>
+          <p:cNvPr id="3" name="Content Placeholder 2"/>
+          <p:cNvSpPr>
+            <a:spLocks noGrp="1"/>
+          </p:cNvSpPr>
+          <p:nvPr>
+            <p:ph idx="1"/>
+          </p:nvPr>
+        </p:nvSpPr>
+        <p:spPr/>
+        <p:txBody>
+          <a:bodyPr/>
+          <a:lstStyle/>
+          <a:p>
+            <a:r>
+              <a:rPr lang="en-US" dirty="0"/>
+              <a:t>INSERT INTO products(name, price) VALUES</a:t>
+            </a:r>
+          </a:p>
+          <a:p>
+            <a:r>
+              <a:rPr lang="en-US" dirty="0"/>
+              <a:t>('Product one', 20),</a:t>
+            </a:r>
+          </a:p>
+          <a:p>
+            <a:r>
+              <a:rPr lang="en-US" dirty="0"/>
+              <a:t>('Product two', 30),</a:t>
+            </a:r>
+          </a:p>
+          <a:p>
+            <a:r>
+              <a:rPr lang="en-US" dirty="0"/>
+              <a:t>('Product three', 45),</a:t>
+            </a:r>
+          </a:p>
+          <a:p>
+            <a:r>
+              <a:rPr lang="en-US" dirty="0"/>
+              <a:t>('Product four', 50),</a:t>
+            </a:r>
+          </a:p>
+          <a:p>
+            <a:r>
+              <a:rPr lang="en-US" dirty="0"/>
+              <a:t>('Product five', 80),</a:t>
+            </a:r>
+          </a:p>
+          <a:p>
+            <a:r>
+              <a:rPr lang="en-US" dirty="0"/>
+              <a:t>('Product six', 200);</a:t>
+            </a:r>
+          </a:p>
+        </p:txBody>
+      </p:sp>
+    </p:spTree>
+    <p:extLst>
+      <p:ext uri="{BB962C8B-B14F-4D97-AF65-F5344CB8AC3E}">
+        <p14:creationId xmlns:p14="http://schemas.microsoft.com/office/powerpoint/2010/main" val="1879854033"/>
+      </p:ext>
+    </p:extLst>
+  </p:cSld>
+  <p:clrMapOvr>
+    <a:masterClrMapping/>
+  </p:clrMapOvr>
+</p:sld>
+</file>
+
+<file path=ppt/slides/slide16.xml><?xml version="1.0" encoding="utf-8"?>
+<p:sld xmlns:a="http://schemas.openxmlformats.org/drawingml/2006/main" xmlns:r="http://schemas.openxmlformats.org/officeDocument/2006/relationships" xmlns:p="http://schemas.openxmlformats.org/presentationml/2006/main">
+  <p:cSld>
+    <p:spTree>
+      <p:nvGrpSpPr>
+        <p:cNvPr id="1" name=""/>
+        <p:cNvGrpSpPr/>
+        <p:nvPr/>
+      </p:nvGrpSpPr>
+      <p:grpSpPr>
+        <a:xfrm>
+          <a:off x="0" y="0"/>
+          <a:ext cx="0" cy="0"/>
+          <a:chOff x="0" y="0"/>
+          <a:chExt cx="0" cy="0"/>
+        </a:xfrm>
+      </p:grpSpPr>
+      <p:sp>
+        <p:nvSpPr>
+          <p:cNvPr id="2" name="Title 1"/>
+          <p:cNvSpPr>
+            <a:spLocks noGrp="1"/>
+          </p:cNvSpPr>
+          <p:nvPr>
+            <p:ph type="title"/>
+          </p:nvPr>
+        </p:nvSpPr>
+        <p:spPr/>
+        <p:txBody>
+          <a:bodyPr>
+            <a:normAutofit fontScale="90000"/>
+          </a:bodyPr>
+          <a:lstStyle/>
+          <a:p>
+            <a:r>
+              <a:rPr lang="en-US" dirty="0" smtClean="0"/>
+              <a:t>15/45</a:t>
+            </a:r>
+            <a:r>
+              <a:rPr lang="en-US" dirty="0"/>
+              <a:t/>
+            </a:r>
+            <a:br>
+              <a:rPr lang="en-US" dirty="0"/>
+            </a:br>
+            <a:r>
+              <a:rPr lang="en-US" dirty="0">
+                <a:hlinkClick r:id="rId2"/>
+              </a:rPr>
+              <a:t>SQL Queries With PhpMyAdmin (Joins)-Part:15</a:t>
+            </a:r>
+            <a:r>
+              <a:rPr lang="en-US" dirty="0"/>
+              <a:t/>
+            </a:r>
+            <a:br>
+              <a:rPr lang="en-US" dirty="0"/>
+            </a:br>
+            <a:endParaRPr lang="en-US" dirty="0"/>
+          </a:p>
+        </p:txBody>
+      </p:sp>
+      <p:sp>
+        <p:nvSpPr>
+          <p:cNvPr id="3" name="Content Placeholder 2"/>
+          <p:cNvSpPr>
+            <a:spLocks noGrp="1"/>
+          </p:cNvSpPr>
+          <p:nvPr>
+            <p:ph idx="1"/>
+          </p:nvPr>
+        </p:nvSpPr>
+        <p:spPr/>
+        <p:txBody>
+          <a:bodyPr>
+            <a:normAutofit fontScale="85000" lnSpcReduction="20000"/>
+          </a:bodyPr>
+          <a:lstStyle/>
+          <a:p>
+            <a:r>
+              <a:rPr lang="en-US" dirty="0"/>
+              <a:t>INSERT INTO orders(</a:t>
+            </a:r>
+            <a:r>
+              <a:rPr lang="en-US" dirty="0" err="1"/>
+              <a:t>orderNumber</a:t>
+            </a:r>
+            <a:r>
+              <a:rPr lang="en-US" dirty="0"/>
+              <a:t>, </a:t>
+            </a:r>
+            <a:r>
+              <a:rPr lang="en-US" dirty="0" err="1"/>
+              <a:t>productId</a:t>
+            </a:r>
+            <a:r>
+              <a:rPr lang="en-US" dirty="0"/>
+              <a:t>, </a:t>
+            </a:r>
+            <a:r>
+              <a:rPr lang="en-US" dirty="0" err="1"/>
+              <a:t>customerID</a:t>
+            </a:r>
+            <a:r>
+              <a:rPr lang="en-US" dirty="0"/>
+              <a:t>) VALUES</a:t>
+            </a:r>
+          </a:p>
+          <a:p>
+            <a:r>
+              <a:rPr lang="en-US" dirty="0"/>
+              <a:t>(01, 1, 4),</a:t>
+            </a:r>
+          </a:p>
+          <a:p>
+            <a:r>
+              <a:rPr lang="en-US" dirty="0"/>
+              <a:t>(02, 3, 1),</a:t>
+            </a:r>
+          </a:p>
+          <a:p>
+            <a:r>
+              <a:rPr lang="en-US" dirty="0"/>
+              <a:t>(03, 1, 1),</a:t>
+            </a:r>
+          </a:p>
+          <a:p>
+            <a:r>
+              <a:rPr lang="en-US" dirty="0"/>
+              <a:t>(04, 1, 2),</a:t>
+            </a:r>
+          </a:p>
+          <a:p>
+            <a:r>
+              <a:rPr lang="en-US" dirty="0"/>
+              <a:t>(05, 1, 1),</a:t>
+            </a:r>
+          </a:p>
+          <a:p>
+            <a:r>
+              <a:rPr lang="en-US" dirty="0"/>
+              <a:t>(06, 1, 4),</a:t>
+            </a:r>
+          </a:p>
+          <a:p>
+            <a:r>
+              <a:rPr lang="en-US" dirty="0"/>
+              <a:t>(07, 4, 6),</a:t>
+            </a:r>
+          </a:p>
+          <a:p>
+            <a:r>
+              <a:rPr lang="en-US" dirty="0"/>
+              <a:t>(08, 4, 4),</a:t>
+            </a:r>
+          </a:p>
+          <a:p>
+            <a:r>
+              <a:rPr lang="en-US"/>
+              <a:t>(09, 2, 5);</a:t>
+            </a:r>
+          </a:p>
+        </p:txBody>
+      </p:sp>
+    </p:spTree>
+    <p:extLst>
+      <p:ext uri="{BB962C8B-B14F-4D97-AF65-F5344CB8AC3E}">
+        <p14:creationId xmlns:p14="http://schemas.microsoft.com/office/powerpoint/2010/main" val="1682576480"/>
+      </p:ext>
+    </p:extLst>
+  </p:cSld>
+  <p:clrMapOvr>
+    <a:masterClrMapping/>
+  </p:clrMapOvr>
+</p:sld>
+</file>
+
+<file path=ppt/slides/slide17.xml><?xml version="1.0" encoding="utf-8"?>
+<p:sld xmlns:a="http://schemas.openxmlformats.org/drawingml/2006/main" xmlns:r="http://schemas.openxmlformats.org/officeDocument/2006/relationships" xmlns:p="http://schemas.openxmlformats.org/presentationml/2006/main">
+  <p:cSld>
+    <p:spTree>
+      <p:nvGrpSpPr>
+        <p:cNvPr id="1" name=""/>
+        <p:cNvGrpSpPr/>
+        <p:nvPr/>
+      </p:nvGrpSpPr>
+      <p:grpSpPr>
+        <a:xfrm>
+          <a:off x="0" y="0"/>
+          <a:ext cx="0" cy="0"/>
+          <a:chOff x="0" y="0"/>
+          <a:chExt cx="0" cy="0"/>
+        </a:xfrm>
+      </p:grpSpPr>
+      <p:sp>
+        <p:nvSpPr>
+          <p:cNvPr id="2" name="Title 1"/>
+          <p:cNvSpPr>
+            <a:spLocks noGrp="1"/>
+          </p:cNvSpPr>
+          <p:nvPr>
+            <p:ph type="title"/>
+          </p:nvPr>
+        </p:nvSpPr>
+        <p:spPr/>
+        <p:txBody>
+          <a:bodyPr>
+            <a:normAutofit fontScale="90000"/>
+          </a:bodyPr>
+          <a:lstStyle/>
+          <a:p>
+            <a:r>
+              <a:rPr lang="en-US" b="1" dirty="0">
+                <a:hlinkClick r:id="rId2"/>
+              </a:rPr>
+              <a:t>SQL Queries With PhpMyAdmin (Inner Join)-Part:16</a:t>
+            </a:r>
+            <a:endParaRPr lang="en-US" dirty="0"/>
+          </a:p>
+        </p:txBody>
+      </p:sp>
+      <p:sp>
+        <p:nvSpPr>
+          <p:cNvPr id="3" name="Content Placeholder 2"/>
+          <p:cNvSpPr>
+            <a:spLocks noGrp="1"/>
+          </p:cNvSpPr>
+          <p:nvPr>
+            <p:ph idx="1"/>
+          </p:nvPr>
+        </p:nvSpPr>
+        <p:spPr/>
+        <p:txBody>
+          <a:bodyPr/>
+          <a:lstStyle/>
+          <a:p>
+            <a:r>
+              <a:rPr lang="en-US" dirty="0"/>
+              <a:t>SELECT </a:t>
+            </a:r>
+            <a:r>
+              <a:rPr lang="en-US" dirty="0" err="1"/>
+              <a:t>customer.fristName</a:t>
+            </a:r>
+            <a:r>
+              <a:rPr lang="en-US" dirty="0"/>
+              <a:t>, </a:t>
+            </a:r>
+            <a:r>
+              <a:rPr lang="en-US" dirty="0" err="1"/>
+              <a:t>customer.lastName</a:t>
+            </a:r>
+            <a:r>
+              <a:rPr lang="en-US" dirty="0"/>
+              <a:t>, </a:t>
+            </a:r>
+            <a:r>
+              <a:rPr lang="en-US" dirty="0" err="1"/>
+              <a:t>orders.orderNumber</a:t>
+            </a:r>
+            <a:endParaRPr lang="en-US" dirty="0"/>
+          </a:p>
+          <a:p>
+            <a:r>
+              <a:rPr lang="en-US" dirty="0"/>
+              <a:t>FROM customer</a:t>
+            </a:r>
+          </a:p>
+          <a:p>
+            <a:r>
+              <a:rPr lang="en-US" dirty="0"/>
+              <a:t>INNER JOIN orders</a:t>
+            </a:r>
+          </a:p>
+          <a:p>
+            <a:r>
+              <a:rPr lang="en-US" dirty="0"/>
+              <a:t>ON customer.id = </a:t>
+            </a:r>
+            <a:r>
+              <a:rPr lang="en-US" dirty="0" err="1"/>
+              <a:t>orders.customerID</a:t>
+            </a:r>
+            <a:endParaRPr lang="en-US" dirty="0"/>
+          </a:p>
+          <a:p>
+            <a:r>
+              <a:rPr lang="en-US" dirty="0"/>
+              <a:t>ORDER BY </a:t>
+            </a:r>
+            <a:r>
+              <a:rPr lang="en-US" dirty="0" err="1"/>
+              <a:t>customer.lastName</a:t>
+            </a:r>
+            <a:r>
+              <a:rPr lang="en-US"/>
+              <a:t>;</a:t>
+            </a:r>
+          </a:p>
+        </p:txBody>
+      </p:sp>
+    </p:spTree>
+    <p:extLst>
+      <p:ext uri="{BB962C8B-B14F-4D97-AF65-F5344CB8AC3E}">
+        <p14:creationId xmlns:p14="http://schemas.microsoft.com/office/powerpoint/2010/main" val="2480600942"/>
+      </p:ext>
+    </p:extLst>
+  </p:cSld>
+  <p:clrMapOvr>
+    <a:masterClrMapping/>
+  </p:clrMapOvr>
+</p:sld>
+</file>
+
+<file path=ppt/slides/slide18.xml><?xml version="1.0" encoding="utf-8"?>
+<p:sld xmlns:a="http://schemas.openxmlformats.org/drawingml/2006/main" xmlns:r="http://schemas.openxmlformats.org/officeDocument/2006/relationships" xmlns:p="http://schemas.openxmlformats.org/presentationml/2006/main">
+  <p:cSld>
+    <p:spTree>
+      <p:nvGrpSpPr>
+        <p:cNvPr id="1" name=""/>
+        <p:cNvGrpSpPr/>
+        <p:nvPr/>
+      </p:nvGrpSpPr>
+      <p:grpSpPr>
+        <a:xfrm>
+          <a:off x="0" y="0"/>
+          <a:ext cx="0" cy="0"/>
+          <a:chOff x="0" y="0"/>
+          <a:chExt cx="0" cy="0"/>
+        </a:xfrm>
+      </p:grpSpPr>
+      <p:sp>
+        <p:nvSpPr>
+          <p:cNvPr id="2" name="Title 1"/>
+          <p:cNvSpPr>
+            <a:spLocks noGrp="1"/>
+          </p:cNvSpPr>
+          <p:nvPr>
+            <p:ph type="title"/>
+          </p:nvPr>
+        </p:nvSpPr>
+        <p:spPr/>
+        <p:txBody>
+          <a:bodyPr>
+            <a:normAutofit fontScale="90000"/>
+          </a:bodyPr>
+          <a:lstStyle/>
+          <a:p>
+            <a:r>
+              <a:rPr lang="en-US" b="1" dirty="0">
+                <a:hlinkClick r:id="rId2"/>
+              </a:rPr>
+              <a:t>SQL Queries With PhpMyAdmin (Left Join)-Part:17</a:t>
+            </a:r>
+            <a:endParaRPr lang="en-US" dirty="0"/>
+          </a:p>
+        </p:txBody>
+      </p:sp>
+      <p:sp>
+        <p:nvSpPr>
+          <p:cNvPr id="3" name="Content Placeholder 2"/>
+          <p:cNvSpPr>
+            <a:spLocks noGrp="1"/>
+          </p:cNvSpPr>
+          <p:nvPr>
+            <p:ph idx="1"/>
+          </p:nvPr>
+        </p:nvSpPr>
+        <p:spPr/>
+        <p:txBody>
+          <a:bodyPr/>
+          <a:lstStyle/>
+          <a:p>
+            <a:r>
+              <a:rPr lang="en-US" dirty="0"/>
+              <a:t>SELECT </a:t>
+            </a:r>
+            <a:r>
+              <a:rPr lang="en-US" dirty="0" err="1" smtClean="0"/>
+              <a:t>customer.firstName</a:t>
+            </a:r>
+            <a:r>
+              <a:rPr lang="en-US" dirty="0"/>
+              <a:t>, </a:t>
+            </a:r>
+            <a:r>
+              <a:rPr lang="en-US" dirty="0" err="1"/>
+              <a:t>customer.lastName</a:t>
+            </a:r>
+            <a:r>
+              <a:rPr lang="en-US" dirty="0"/>
+              <a:t>, </a:t>
+            </a:r>
+            <a:r>
+              <a:rPr lang="en-US" dirty="0" err="1"/>
+              <a:t>orders.orderNumber</a:t>
+            </a:r>
+            <a:r>
+              <a:rPr lang="en-US" dirty="0"/>
+              <a:t>, </a:t>
+            </a:r>
+            <a:r>
+              <a:rPr lang="en-US" dirty="0" err="1"/>
+              <a:t>orders.orderDate</a:t>
+            </a:r>
+            <a:endParaRPr lang="en-US" dirty="0"/>
+          </a:p>
+          <a:p>
+            <a:r>
+              <a:rPr lang="en-US" dirty="0"/>
+              <a:t>FROM customer</a:t>
+            </a:r>
+          </a:p>
+          <a:p>
+            <a:r>
+              <a:rPr lang="en-US" dirty="0"/>
+              <a:t>LEFT JOIN orders</a:t>
+            </a:r>
+          </a:p>
+          <a:p>
+            <a:r>
+              <a:rPr lang="en-US" dirty="0"/>
+              <a:t>ON customer.id = </a:t>
+            </a:r>
+            <a:r>
+              <a:rPr lang="en-US" dirty="0" err="1"/>
+              <a:t>orders.customerID</a:t>
+            </a:r>
+            <a:endParaRPr lang="en-US" dirty="0"/>
+          </a:p>
+          <a:p>
+            <a:r>
+              <a:rPr lang="en-US" dirty="0"/>
+              <a:t>ORDER BY </a:t>
+            </a:r>
+            <a:r>
+              <a:rPr lang="en-US" dirty="0" err="1"/>
+              <a:t>customer.lastName</a:t>
+            </a:r>
+            <a:r>
+              <a:rPr lang="en-US" dirty="0"/>
+              <a:t>;</a:t>
+            </a:r>
+          </a:p>
+        </p:txBody>
+      </p:sp>
+    </p:spTree>
+    <p:extLst>
+      <p:ext uri="{BB962C8B-B14F-4D97-AF65-F5344CB8AC3E}">
+        <p14:creationId xmlns:p14="http://schemas.microsoft.com/office/powerpoint/2010/main" val="1138665695"/>
+      </p:ext>
+    </p:extLst>
+  </p:cSld>
+  <p:clrMapOvr>
+    <a:masterClrMapping/>
+  </p:clrMapOvr>
+</p:sld>
+</file>
+
+<file path=ppt/slides/slide19.xml><?xml version="1.0" encoding="utf-8"?>
+<p:sld xmlns:a="http://schemas.openxmlformats.org/drawingml/2006/main" xmlns:r="http://schemas.openxmlformats.org/officeDocument/2006/relationships" xmlns:p="http://schemas.openxmlformats.org/presentationml/2006/main">
+  <p:cSld>
+    <p:spTree>
+      <p:nvGrpSpPr>
+        <p:cNvPr id="1" name=""/>
+        <p:cNvGrpSpPr/>
+        <p:nvPr/>
+      </p:nvGrpSpPr>
+      <p:grpSpPr>
+        <a:xfrm>
+          <a:off x="0" y="0"/>
+          <a:ext cx="0" cy="0"/>
+          <a:chOff x="0" y="0"/>
+          <a:chExt cx="0" cy="0"/>
+        </a:xfrm>
+      </p:grpSpPr>
+      <p:sp>
+        <p:nvSpPr>
+          <p:cNvPr id="2" name="Title 1"/>
+          <p:cNvSpPr>
+            <a:spLocks noGrp="1"/>
+          </p:cNvSpPr>
+          <p:nvPr>
+            <p:ph type="title"/>
+          </p:nvPr>
+        </p:nvSpPr>
+        <p:spPr/>
+        <p:txBody>
+          <a:bodyPr>
+            <a:normAutofit fontScale="90000"/>
+          </a:bodyPr>
+          <a:lstStyle/>
+          <a:p>
+            <a:r>
+              <a:rPr lang="en-US" b="1" dirty="0">
+                <a:hlinkClick r:id="rId2"/>
+              </a:rPr>
+              <a:t>SQL Queries With PhpMyAdmin (Right Join)-Part:18</a:t>
+            </a:r>
+            <a:endParaRPr lang="en-US" dirty="0"/>
+          </a:p>
+        </p:txBody>
+      </p:sp>
+      <p:sp>
+        <p:nvSpPr>
+          <p:cNvPr id="3" name="Content Placeholder 2"/>
+          <p:cNvSpPr>
+            <a:spLocks noGrp="1"/>
+          </p:cNvSpPr>
+          <p:nvPr>
+            <p:ph idx="1"/>
+          </p:nvPr>
+        </p:nvSpPr>
+        <p:spPr/>
+        <p:txBody>
+          <a:bodyPr/>
+          <a:lstStyle/>
+          <a:p>
+            <a:r>
+              <a:rPr lang="en-US" dirty="0"/>
+              <a:t>SELECT </a:t>
+            </a:r>
+            <a:r>
+              <a:rPr lang="en-US" dirty="0" err="1"/>
+              <a:t>orders.orderNumber</a:t>
+            </a:r>
+            <a:r>
+              <a:rPr lang="en-US" dirty="0"/>
+              <a:t>, </a:t>
+            </a:r>
+            <a:r>
+              <a:rPr lang="en-US" dirty="0" err="1" smtClean="0"/>
+              <a:t>customer.firstName</a:t>
+            </a:r>
+            <a:r>
+              <a:rPr lang="en-US" dirty="0"/>
+              <a:t>, </a:t>
+            </a:r>
+            <a:r>
+              <a:rPr lang="en-US" dirty="0" err="1"/>
+              <a:t>customer.lastName</a:t>
+            </a:r>
+            <a:endParaRPr lang="en-US" dirty="0"/>
+          </a:p>
+          <a:p>
+            <a:r>
+              <a:rPr lang="en-US" dirty="0"/>
+              <a:t>FROM orders</a:t>
+            </a:r>
+          </a:p>
+          <a:p>
+            <a:r>
+              <a:rPr lang="en-US" dirty="0"/>
+              <a:t>RIGHT JOIN customer</a:t>
+            </a:r>
+          </a:p>
+          <a:p>
+            <a:r>
+              <a:rPr lang="en-US" dirty="0"/>
+              <a:t>ON </a:t>
+            </a:r>
+            <a:r>
+              <a:rPr lang="en-US" dirty="0" err="1"/>
+              <a:t>orders.customerID</a:t>
+            </a:r>
+            <a:r>
+              <a:rPr lang="en-US" dirty="0"/>
+              <a:t> = customer.id</a:t>
+            </a:r>
+          </a:p>
+          <a:p>
+            <a:r>
+              <a:rPr lang="en-US" dirty="0"/>
+              <a:t>ORDER BY </a:t>
+            </a:r>
+            <a:r>
+              <a:rPr lang="en-US" dirty="0" err="1"/>
+              <a:t>customer.lastName</a:t>
+            </a:r>
+            <a:r>
+              <a:rPr lang="en-US" dirty="0"/>
+              <a:t>;</a:t>
+            </a:r>
+          </a:p>
+        </p:txBody>
+      </p:sp>
+    </p:spTree>
+    <p:extLst>
+      <p:ext uri="{BB962C8B-B14F-4D97-AF65-F5344CB8AC3E}">
+        <p14:creationId xmlns:p14="http://schemas.microsoft.com/office/powerpoint/2010/main" val="3221470031"/>
+      </p:ext>
+    </p:extLst>
+  </p:cSld>
+  <p:clrMapOvr>
+    <a:masterClrMapping/>
+  </p:clrMapOvr>
+</p:sld>
+</file>
+
 <file path=ppt/slides/slide2.xml><?xml version="1.0" encoding="utf-8"?>
 <p:sld xmlns:a="http://schemas.openxmlformats.org/drawingml/2006/main" xmlns:r="http://schemas.openxmlformats.org/officeDocument/2006/relationships" xmlns:p="http://schemas.openxmlformats.org/presentationml/2006/main">
   <p:cSld>
@@ -3238,7 +4827,7 @@
             <a:spLocks noGrp="1"/>
           </p:cNvSpPr>
           <p:nvPr>
-            <p:ph type="ctrTitle"/>
+            <p:ph type="title"/>
           </p:nvPr>
         </p:nvSpPr>
         <p:spPr/>
@@ -3250,15 +4839,7 @@
           <a:p>
             <a:r>
               <a:rPr lang="en-US" dirty="0"/>
-              <a:t>SQL Queries With </a:t>
-            </a:r>
-            <a:r>
-              <a:rPr lang="en-US" dirty="0" err="1"/>
-              <a:t>PhpMyAdmin</a:t>
-            </a:r>
-            <a:r>
-              <a:rPr lang="en-US" dirty="0"/>
-              <a:t> (Create Table)-Part:03</a:t>
+              <a:t>SQL Queries With PhpMyAdmin (Create Table)-Part:03</a:t>
             </a:r>
             <a:br>
               <a:rPr lang="en-US" dirty="0"/>
@@ -3274,15 +4855,122 @@
             <a:spLocks noGrp="1"/>
           </p:cNvSpPr>
           <p:nvPr>
-            <p:ph type="subTitle" idx="1"/>
-          </p:nvPr>
-        </p:nvSpPr>
-        <p:spPr/>
-        <p:txBody>
-          <a:bodyPr/>
-          <a:lstStyle/>
-          <a:p>
-            <a:endParaRPr lang="en-US"/>
+            <p:ph idx="1"/>
+          </p:nvPr>
+        </p:nvSpPr>
+        <p:spPr/>
+        <p:txBody>
+          <a:bodyPr>
+            <a:normAutofit fontScale="70000" lnSpcReduction="20000"/>
+          </a:bodyPr>
+          <a:lstStyle/>
+          <a:p>
+            <a:r>
+              <a:rPr lang="en-US" dirty="0" smtClean="0"/>
+              <a:t>CREATE DATABASE </a:t>
+            </a:r>
+            <a:r>
+              <a:rPr lang="en-US" dirty="0" err="1" smtClean="0"/>
+              <a:t>velvee</a:t>
+            </a:r>
+            <a:r>
+              <a:rPr lang="en-US" dirty="0" smtClean="0"/>
+              <a:t>;</a:t>
+            </a:r>
+          </a:p>
+          <a:p>
+            <a:r>
+              <a:rPr lang="en-US" dirty="0"/>
+              <a:t>CREATE TABLE customer(</a:t>
+            </a:r>
+          </a:p>
+          <a:p>
+            <a:r>
+              <a:rPr lang="en-US" dirty="0"/>
+              <a:t>    id INT NOT NULL AUTO_INCREMENT,</a:t>
+            </a:r>
+          </a:p>
+          <a:p>
+            <a:r>
+              <a:rPr lang="en-US" dirty="0"/>
+              <a:t>    </a:t>
+            </a:r>
+            <a:r>
+              <a:rPr lang="en-US" dirty="0" err="1" smtClean="0"/>
+              <a:t>firstName</a:t>
+            </a:r>
+            <a:r>
+              <a:rPr lang="en-US" dirty="0" smtClean="0"/>
+              <a:t> </a:t>
+            </a:r>
+            <a:r>
+              <a:rPr lang="en-US" dirty="0"/>
+              <a:t>VARCHAR(255),</a:t>
+            </a:r>
+          </a:p>
+          <a:p>
+            <a:r>
+              <a:rPr lang="en-US" dirty="0"/>
+              <a:t>    </a:t>
+            </a:r>
+            <a:r>
+              <a:rPr lang="en-US" dirty="0" err="1"/>
+              <a:t>lastName</a:t>
+            </a:r>
+            <a:r>
+              <a:rPr lang="en-US" dirty="0"/>
+              <a:t> VARCHAR(255),</a:t>
+            </a:r>
+          </a:p>
+          <a:p>
+            <a:r>
+              <a:rPr lang="en-US" dirty="0"/>
+              <a:t>    address VARCHAR(255),</a:t>
+            </a:r>
+          </a:p>
+          <a:p>
+            <a:r>
+              <a:rPr lang="en-US" dirty="0"/>
+              <a:t>    email VARCHAR(255),</a:t>
+            </a:r>
+          </a:p>
+          <a:p>
+            <a:r>
+              <a:rPr lang="en-US" dirty="0"/>
+              <a:t>    city VARCHAR(255),</a:t>
+            </a:r>
+          </a:p>
+          <a:p>
+            <a:r>
+              <a:rPr lang="en-US" dirty="0"/>
+              <a:t>    division VARCHAR(255),</a:t>
+            </a:r>
+          </a:p>
+          <a:p>
+            <a:r>
+              <a:rPr lang="en-US" dirty="0"/>
+              <a:t>    </a:t>
+            </a:r>
+            <a:r>
+              <a:rPr lang="en-US" dirty="0" err="1"/>
+              <a:t>zipcode</a:t>
+            </a:r>
+            <a:r>
+              <a:rPr lang="en-US" dirty="0"/>
+              <a:t> VARCHAR(255),</a:t>
+            </a:r>
+          </a:p>
+          <a:p>
+            <a:r>
+              <a:rPr lang="en-US" dirty="0"/>
+              <a:t>    PRIMARY KEY(id)</a:t>
+            </a:r>
+          </a:p>
+          <a:p>
+            <a:r>
+              <a:rPr lang="en-US" dirty="0"/>
+              <a:t>);</a:t>
+            </a:r>
           </a:p>
         </p:txBody>
       </p:sp>
@@ -3290,6 +4978,1412 @@
     <p:extLst>
       <p:ext uri="{BB962C8B-B14F-4D97-AF65-F5344CB8AC3E}">
         <p14:creationId xmlns:p14="http://schemas.microsoft.com/office/powerpoint/2010/main" val="2520602202"/>
+      </p:ext>
+    </p:extLst>
+  </p:cSld>
+  <p:clrMapOvr>
+    <a:masterClrMapping/>
+  </p:clrMapOvr>
+  <p:timing>
+    <p:tnLst>
+      <p:par>
+        <p:cTn id="1" dur="indefinite" restart="never" nodeType="tmRoot"/>
+      </p:par>
+    </p:tnLst>
+  </p:timing>
+</p:sld>
+</file>
+
+<file path=ppt/slides/slide20.xml><?xml version="1.0" encoding="utf-8"?>
+<p:sld xmlns:a="http://schemas.openxmlformats.org/drawingml/2006/main" xmlns:r="http://schemas.openxmlformats.org/officeDocument/2006/relationships" xmlns:p="http://schemas.openxmlformats.org/presentationml/2006/main">
+  <p:cSld>
+    <p:spTree>
+      <p:nvGrpSpPr>
+        <p:cNvPr id="1" name=""/>
+        <p:cNvGrpSpPr/>
+        <p:nvPr/>
+      </p:nvGrpSpPr>
+      <p:grpSpPr>
+        <a:xfrm>
+          <a:off x="0" y="0"/>
+          <a:ext cx="0" cy="0"/>
+          <a:chOff x="0" y="0"/>
+          <a:chExt cx="0" cy="0"/>
+        </a:xfrm>
+      </p:grpSpPr>
+      <p:sp>
+        <p:nvSpPr>
+          <p:cNvPr id="2" name="Title 1"/>
+          <p:cNvSpPr>
+            <a:spLocks noGrp="1"/>
+          </p:cNvSpPr>
+          <p:nvPr>
+            <p:ph type="title"/>
+          </p:nvPr>
+        </p:nvSpPr>
+        <p:spPr/>
+        <p:txBody>
+          <a:bodyPr>
+            <a:normAutofit fontScale="90000"/>
+          </a:bodyPr>
+          <a:lstStyle/>
+          <a:p>
+            <a:r>
+              <a:rPr lang="en-US" b="1" dirty="0">
+                <a:hlinkClick r:id="rId2"/>
+              </a:rPr>
+              <a:t>SQL Queries With PhpMyAdmin (Union Operator)-Part:19</a:t>
+            </a:r>
+            <a:endParaRPr lang="en-US" dirty="0"/>
+          </a:p>
+        </p:txBody>
+      </p:sp>
+      <p:sp>
+        <p:nvSpPr>
+          <p:cNvPr id="3" name="Content Placeholder 2"/>
+          <p:cNvSpPr>
+            <a:spLocks noGrp="1"/>
+          </p:cNvSpPr>
+          <p:nvPr>
+            <p:ph idx="1"/>
+          </p:nvPr>
+        </p:nvSpPr>
+        <p:spPr/>
+        <p:txBody>
+          <a:bodyPr>
+            <a:normAutofit fontScale="77500" lnSpcReduction="20000"/>
+          </a:bodyPr>
+          <a:lstStyle/>
+          <a:p>
+            <a:r>
+              <a:rPr lang="en-US" dirty="0"/>
+              <a:t>CREATE TABLE suppliers(</a:t>
+            </a:r>
+          </a:p>
+          <a:p>
+            <a:r>
+              <a:rPr lang="en-US" dirty="0"/>
+              <a:t>    id INT NOT NULL AUTO_INCREMENT</a:t>
+            </a:r>
+            <a:r>
+              <a:rPr lang="en-US" dirty="0" smtClean="0"/>
+              <a:t>,</a:t>
+            </a:r>
+          </a:p>
+          <a:p>
+            <a:r>
+              <a:rPr lang="en-US" dirty="0" smtClean="0"/>
+              <a:t>    </a:t>
+            </a:r>
+            <a:r>
+              <a:rPr lang="en-US" dirty="0" err="1" smtClean="0"/>
+              <a:t>firstName</a:t>
+            </a:r>
+            <a:r>
+              <a:rPr lang="en-US" dirty="0" smtClean="0"/>
+              <a:t> </a:t>
+            </a:r>
+            <a:r>
+              <a:rPr lang="en-US" dirty="0"/>
+              <a:t>VARCHAR(255),</a:t>
+            </a:r>
+          </a:p>
+          <a:p>
+            <a:r>
+              <a:rPr lang="en-US" dirty="0"/>
+              <a:t>    </a:t>
+            </a:r>
+            <a:r>
+              <a:rPr lang="en-US" dirty="0" err="1"/>
+              <a:t>lastName</a:t>
+            </a:r>
+            <a:r>
+              <a:rPr lang="en-US" dirty="0"/>
+              <a:t> VARCHAR(255),</a:t>
+            </a:r>
+          </a:p>
+          <a:p>
+            <a:r>
+              <a:rPr lang="en-US" dirty="0"/>
+              <a:t>    address VARCHAR(255),</a:t>
+            </a:r>
+          </a:p>
+          <a:p>
+            <a:r>
+              <a:rPr lang="en-US" dirty="0"/>
+              <a:t>    email VARCHAR(255),</a:t>
+            </a:r>
+          </a:p>
+          <a:p>
+            <a:r>
+              <a:rPr lang="en-US" dirty="0"/>
+              <a:t>    </a:t>
+            </a:r>
+            <a:r>
+              <a:rPr lang="en-US" dirty="0" smtClean="0"/>
+              <a:t>city </a:t>
+            </a:r>
+            <a:r>
+              <a:rPr lang="en-US" dirty="0"/>
+              <a:t>VARCHAR(255),</a:t>
+            </a:r>
+          </a:p>
+          <a:p>
+            <a:r>
+              <a:rPr lang="en-US" dirty="0"/>
+              <a:t>    division VARCHAR(255),</a:t>
+            </a:r>
+          </a:p>
+          <a:p>
+            <a:r>
+              <a:rPr lang="en-US" dirty="0"/>
+              <a:t>    </a:t>
+            </a:r>
+            <a:r>
+              <a:rPr lang="en-US" dirty="0" err="1"/>
+              <a:t>zipcode</a:t>
+            </a:r>
+            <a:r>
+              <a:rPr lang="en-US" dirty="0"/>
+              <a:t> VARCHAR(255),</a:t>
+            </a:r>
+          </a:p>
+          <a:p>
+            <a:r>
+              <a:rPr lang="en-US" dirty="0"/>
+              <a:t>    PRIMARY KEY(id)    </a:t>
+            </a:r>
+          </a:p>
+          <a:p>
+            <a:r>
+              <a:rPr lang="en-US" dirty="0"/>
+              <a:t>);</a:t>
+            </a:r>
+          </a:p>
+        </p:txBody>
+      </p:sp>
+    </p:spTree>
+    <p:extLst>
+      <p:ext uri="{BB962C8B-B14F-4D97-AF65-F5344CB8AC3E}">
+        <p14:creationId xmlns:p14="http://schemas.microsoft.com/office/powerpoint/2010/main" val="2200675989"/>
+      </p:ext>
+    </p:extLst>
+  </p:cSld>
+  <p:clrMapOvr>
+    <a:masterClrMapping/>
+  </p:clrMapOvr>
+</p:sld>
+</file>
+
+<file path=ppt/slides/slide21.xml><?xml version="1.0" encoding="utf-8"?>
+<p:sld xmlns:a="http://schemas.openxmlformats.org/drawingml/2006/main" xmlns:r="http://schemas.openxmlformats.org/officeDocument/2006/relationships" xmlns:p="http://schemas.openxmlformats.org/presentationml/2006/main">
+  <p:cSld>
+    <p:spTree>
+      <p:nvGrpSpPr>
+        <p:cNvPr id="1" name=""/>
+        <p:cNvGrpSpPr/>
+        <p:nvPr/>
+      </p:nvGrpSpPr>
+      <p:grpSpPr>
+        <a:xfrm>
+          <a:off x="0" y="0"/>
+          <a:ext cx="0" cy="0"/>
+          <a:chOff x="0" y="0"/>
+          <a:chExt cx="0" cy="0"/>
+        </a:xfrm>
+      </p:grpSpPr>
+      <p:sp>
+        <p:nvSpPr>
+          <p:cNvPr id="2" name="Title 1"/>
+          <p:cNvSpPr>
+            <a:spLocks noGrp="1"/>
+          </p:cNvSpPr>
+          <p:nvPr>
+            <p:ph type="title"/>
+          </p:nvPr>
+        </p:nvSpPr>
+        <p:spPr/>
+        <p:txBody>
+          <a:bodyPr>
+            <a:normAutofit fontScale="90000"/>
+          </a:bodyPr>
+          <a:lstStyle/>
+          <a:p>
+            <a:r>
+              <a:rPr lang="en-US" b="1" dirty="0">
+                <a:hlinkClick r:id="rId2"/>
+              </a:rPr>
+              <a:t>SQL Queries With PhpMyAdmin (Union Operator)-Part:19</a:t>
+            </a:r>
+            <a:endParaRPr lang="en-US" dirty="0"/>
+          </a:p>
+        </p:txBody>
+      </p:sp>
+      <p:sp>
+        <p:nvSpPr>
+          <p:cNvPr id="3" name="Content Placeholder 2"/>
+          <p:cNvSpPr>
+            <a:spLocks noGrp="1"/>
+          </p:cNvSpPr>
+          <p:nvPr>
+            <p:ph idx="1"/>
+          </p:nvPr>
+        </p:nvSpPr>
+        <p:spPr/>
+        <p:txBody>
+          <a:bodyPr>
+            <a:normAutofit fontScale="85000" lnSpcReduction="20000"/>
+          </a:bodyPr>
+          <a:lstStyle/>
+          <a:p>
+            <a:r>
+              <a:rPr lang="en-US" dirty="0"/>
+              <a:t>INSERT INTO suppliers(</a:t>
+            </a:r>
+            <a:r>
+              <a:rPr lang="en-US" dirty="0" err="1"/>
+              <a:t>firstName</a:t>
+            </a:r>
+            <a:r>
+              <a:rPr lang="en-US" dirty="0"/>
+              <a:t>, </a:t>
+            </a:r>
+            <a:r>
+              <a:rPr lang="en-US" dirty="0" err="1"/>
+              <a:t>lastName</a:t>
+            </a:r>
+            <a:r>
+              <a:rPr lang="en-US" dirty="0"/>
+              <a:t>, address, email, city, division, </a:t>
+            </a:r>
+            <a:r>
+              <a:rPr lang="en-US" dirty="0" err="1"/>
+              <a:t>zipcode</a:t>
+            </a:r>
+            <a:r>
+              <a:rPr lang="en-US" dirty="0"/>
+              <a:t>) VALUES</a:t>
+            </a:r>
+          </a:p>
+          <a:p>
+            <a:r>
+              <a:rPr lang="en-US" dirty="0"/>
+              <a:t>('Syed Zaman','Mostafiz','</a:t>
+            </a:r>
+            <a:r>
+              <a:rPr lang="en-US" dirty="0" err="1"/>
+              <a:t>Cresent</a:t>
+            </a:r>
+            <a:r>
+              <a:rPr lang="en-US" dirty="0"/>
+              <a:t> road, 112/1','zamancsediue44@gmail.com','Dhaka','Dhaka','1205'),</a:t>
+            </a:r>
+          </a:p>
+          <a:p>
+            <a:r>
+              <a:rPr lang="en-US" dirty="0"/>
+              <a:t>('</a:t>
+            </a:r>
+            <a:r>
+              <a:rPr lang="en-US" dirty="0" err="1"/>
+              <a:t>Delowar</a:t>
+            </a:r>
+            <a:r>
+              <a:rPr lang="en-US" dirty="0"/>
+              <a:t> </a:t>
+            </a:r>
+            <a:r>
+              <a:rPr lang="en-US" dirty="0" err="1"/>
+              <a:t>Jahan</a:t>
+            </a:r>
+            <a:r>
+              <a:rPr lang="en-US" dirty="0"/>
+              <a:t>','</a:t>
+            </a:r>
+            <a:r>
+              <a:rPr lang="en-US" dirty="0" err="1"/>
+              <a:t>Imran','House</a:t>
+            </a:r>
+            <a:r>
+              <a:rPr lang="en-US" dirty="0"/>
+              <a:t> 5, l','imran@gmail.com','Dhaka','Dhaka','1236'),</a:t>
+            </a:r>
+          </a:p>
+          <a:p>
+            <a:r>
+              <a:rPr lang="en-US" dirty="0"/>
+              <a:t>('Syed Zaman','Mostafiz','</a:t>
+            </a:r>
+            <a:r>
+              <a:rPr lang="en-US" dirty="0" err="1"/>
+              <a:t>Cresent</a:t>
+            </a:r>
+            <a:r>
+              <a:rPr lang="en-US" dirty="0"/>
+              <a:t> road, 112/1','zamancsediue44@gmail.com','Dhaka','Dhaka','1205'),</a:t>
+            </a:r>
+          </a:p>
+          <a:p>
+            <a:r>
+              <a:rPr lang="en-US" dirty="0"/>
+              <a:t>('</a:t>
+            </a:r>
+            <a:r>
+              <a:rPr lang="en-US" dirty="0" err="1"/>
+              <a:t>Delowar</a:t>
+            </a:r>
+            <a:r>
+              <a:rPr lang="en-US" dirty="0"/>
+              <a:t> </a:t>
+            </a:r>
+            <a:r>
+              <a:rPr lang="en-US" dirty="0" err="1"/>
+              <a:t>Jahan</a:t>
+            </a:r>
+            <a:r>
+              <a:rPr lang="en-US" dirty="0"/>
+              <a:t>','</a:t>
+            </a:r>
+            <a:r>
+              <a:rPr lang="en-US" dirty="0" err="1"/>
+              <a:t>Imran','House</a:t>
+            </a:r>
+            <a:r>
+              <a:rPr lang="en-US" dirty="0"/>
+              <a:t> 5, l','imran@gmail.com','Dhaka','Dhaka','1236');</a:t>
+            </a:r>
+          </a:p>
+        </p:txBody>
+      </p:sp>
+    </p:spTree>
+    <p:extLst>
+      <p:ext uri="{BB962C8B-B14F-4D97-AF65-F5344CB8AC3E}">
+        <p14:creationId xmlns:p14="http://schemas.microsoft.com/office/powerpoint/2010/main" val="3512732790"/>
+      </p:ext>
+    </p:extLst>
+  </p:cSld>
+  <p:clrMapOvr>
+    <a:masterClrMapping/>
+  </p:clrMapOvr>
+</p:sld>
+</file>
+
+<file path=ppt/slides/slide22.xml><?xml version="1.0" encoding="utf-8"?>
+<p:sld xmlns:a="http://schemas.openxmlformats.org/drawingml/2006/main" xmlns:r="http://schemas.openxmlformats.org/officeDocument/2006/relationships" xmlns:p="http://schemas.openxmlformats.org/presentationml/2006/main">
+  <p:cSld>
+    <p:spTree>
+      <p:nvGrpSpPr>
+        <p:cNvPr id="1" name=""/>
+        <p:cNvGrpSpPr/>
+        <p:nvPr/>
+      </p:nvGrpSpPr>
+      <p:grpSpPr>
+        <a:xfrm>
+          <a:off x="0" y="0"/>
+          <a:ext cx="0" cy="0"/>
+          <a:chOff x="0" y="0"/>
+          <a:chExt cx="0" cy="0"/>
+        </a:xfrm>
+      </p:grpSpPr>
+      <p:sp>
+        <p:nvSpPr>
+          <p:cNvPr id="2" name="Title 1"/>
+          <p:cNvSpPr>
+            <a:spLocks noGrp="1"/>
+          </p:cNvSpPr>
+          <p:nvPr>
+            <p:ph type="title"/>
+          </p:nvPr>
+        </p:nvSpPr>
+        <p:spPr/>
+        <p:txBody>
+          <a:bodyPr>
+            <a:normAutofit fontScale="90000"/>
+          </a:bodyPr>
+          <a:lstStyle/>
+          <a:p>
+            <a:r>
+              <a:rPr lang="en-US" b="1" dirty="0">
+                <a:hlinkClick r:id="rId2"/>
+              </a:rPr>
+              <a:t>SQL Queries With PhpMyAdmin (Union Operator)-Part:19</a:t>
+            </a:r>
+            <a:endParaRPr lang="en-US" dirty="0"/>
+          </a:p>
+        </p:txBody>
+      </p:sp>
+      <p:sp>
+        <p:nvSpPr>
+          <p:cNvPr id="3" name="Content Placeholder 2"/>
+          <p:cNvSpPr>
+            <a:spLocks noGrp="1"/>
+          </p:cNvSpPr>
+          <p:nvPr>
+            <p:ph idx="1"/>
+          </p:nvPr>
+        </p:nvSpPr>
+        <p:spPr/>
+        <p:txBody>
+          <a:bodyPr/>
+          <a:lstStyle/>
+          <a:p>
+            <a:r>
+              <a:rPr lang="en-US" dirty="0"/>
+              <a:t>SELECT city FROM customer</a:t>
+            </a:r>
+          </a:p>
+          <a:p>
+            <a:r>
+              <a:rPr lang="en-US" dirty="0"/>
+              <a:t>UNION</a:t>
+            </a:r>
+          </a:p>
+          <a:p>
+            <a:r>
+              <a:rPr lang="en-US" dirty="0"/>
+              <a:t>SELECT city FROM suppliers</a:t>
+            </a:r>
+          </a:p>
+          <a:p>
+            <a:r>
+              <a:rPr lang="en-US" dirty="0"/>
+              <a:t>ORDER BY city;</a:t>
+            </a:r>
+          </a:p>
+        </p:txBody>
+      </p:sp>
+    </p:spTree>
+    <p:extLst>
+      <p:ext uri="{BB962C8B-B14F-4D97-AF65-F5344CB8AC3E}">
+        <p14:creationId xmlns:p14="http://schemas.microsoft.com/office/powerpoint/2010/main" val="3750945427"/>
+      </p:ext>
+    </p:extLst>
+  </p:cSld>
+  <p:clrMapOvr>
+    <a:masterClrMapping/>
+  </p:clrMapOvr>
+</p:sld>
+</file>
+
+<file path=ppt/slides/slide23.xml><?xml version="1.0" encoding="utf-8"?>
+<p:sld xmlns:a="http://schemas.openxmlformats.org/drawingml/2006/main" xmlns:r="http://schemas.openxmlformats.org/officeDocument/2006/relationships" xmlns:p="http://schemas.openxmlformats.org/presentationml/2006/main">
+  <p:cSld>
+    <p:spTree>
+      <p:nvGrpSpPr>
+        <p:cNvPr id="1" name=""/>
+        <p:cNvGrpSpPr/>
+        <p:nvPr/>
+      </p:nvGrpSpPr>
+      <p:grpSpPr>
+        <a:xfrm>
+          <a:off x="0" y="0"/>
+          <a:ext cx="0" cy="0"/>
+          <a:chOff x="0" y="0"/>
+          <a:chExt cx="0" cy="0"/>
+        </a:xfrm>
+      </p:grpSpPr>
+      <p:sp>
+        <p:nvSpPr>
+          <p:cNvPr id="2" name="Title 1"/>
+          <p:cNvSpPr>
+            <a:spLocks noGrp="1"/>
+          </p:cNvSpPr>
+          <p:nvPr>
+            <p:ph type="title"/>
+          </p:nvPr>
+        </p:nvSpPr>
+        <p:spPr/>
+        <p:txBody>
+          <a:bodyPr>
+            <a:normAutofit fontScale="90000"/>
+          </a:bodyPr>
+          <a:lstStyle/>
+          <a:p>
+            <a:r>
+              <a:rPr lang="en-US" b="1" dirty="0">
+                <a:hlinkClick r:id="rId2"/>
+              </a:rPr>
+              <a:t>SQL Queries With PhpMyAdmin (Union All)-Part:20</a:t>
+            </a:r>
+            <a:endParaRPr lang="en-US" dirty="0"/>
+          </a:p>
+        </p:txBody>
+      </p:sp>
+      <p:sp>
+        <p:nvSpPr>
+          <p:cNvPr id="3" name="Content Placeholder 2"/>
+          <p:cNvSpPr>
+            <a:spLocks noGrp="1"/>
+          </p:cNvSpPr>
+          <p:nvPr>
+            <p:ph idx="1"/>
+          </p:nvPr>
+        </p:nvSpPr>
+        <p:spPr/>
+        <p:txBody>
+          <a:bodyPr/>
+          <a:lstStyle/>
+          <a:p>
+            <a:r>
+              <a:rPr lang="en-US" dirty="0"/>
+              <a:t>SELECT city FROM customer</a:t>
+            </a:r>
+          </a:p>
+          <a:p>
+            <a:r>
+              <a:rPr lang="en-US" dirty="0"/>
+              <a:t>UNION ALL</a:t>
+            </a:r>
+          </a:p>
+          <a:p>
+            <a:r>
+              <a:rPr lang="en-US" dirty="0"/>
+              <a:t>SELECT city FROM suppliers</a:t>
+            </a:r>
+          </a:p>
+          <a:p>
+            <a:r>
+              <a:rPr lang="en-US" dirty="0"/>
+              <a:t>ORDER BY city;</a:t>
+            </a:r>
+          </a:p>
+        </p:txBody>
+      </p:sp>
+    </p:spTree>
+    <p:extLst>
+      <p:ext uri="{BB962C8B-B14F-4D97-AF65-F5344CB8AC3E}">
+        <p14:creationId xmlns:p14="http://schemas.microsoft.com/office/powerpoint/2010/main" val="1119887001"/>
+      </p:ext>
+    </p:extLst>
+  </p:cSld>
+  <p:clrMapOvr>
+    <a:masterClrMapping/>
+  </p:clrMapOvr>
+</p:sld>
+</file>
+
+<file path=ppt/slides/slide24.xml><?xml version="1.0" encoding="utf-8"?>
+<p:sld xmlns:a="http://schemas.openxmlformats.org/drawingml/2006/main" xmlns:r="http://schemas.openxmlformats.org/officeDocument/2006/relationships" xmlns:p="http://schemas.openxmlformats.org/presentationml/2006/main">
+  <p:cSld>
+    <p:spTree>
+      <p:nvGrpSpPr>
+        <p:cNvPr id="1" name=""/>
+        <p:cNvGrpSpPr/>
+        <p:nvPr/>
+      </p:nvGrpSpPr>
+      <p:grpSpPr>
+        <a:xfrm>
+          <a:off x="0" y="0"/>
+          <a:ext cx="0" cy="0"/>
+          <a:chOff x="0" y="0"/>
+          <a:chExt cx="0" cy="0"/>
+        </a:xfrm>
+      </p:grpSpPr>
+      <p:sp>
+        <p:nvSpPr>
+          <p:cNvPr id="2" name="Title 1"/>
+          <p:cNvSpPr>
+            <a:spLocks noGrp="1"/>
+          </p:cNvSpPr>
+          <p:nvPr>
+            <p:ph type="title"/>
+          </p:nvPr>
+        </p:nvSpPr>
+        <p:spPr/>
+        <p:txBody>
+          <a:bodyPr>
+            <a:normAutofit fontScale="90000"/>
+          </a:bodyPr>
+          <a:lstStyle/>
+          <a:p>
+            <a:r>
+              <a:rPr lang="en-US" b="1" dirty="0">
+                <a:hlinkClick r:id="rId2"/>
+              </a:rPr>
+              <a:t>SQL Queries With PhpMyAdmin (Union All)-Part:20</a:t>
+            </a:r>
+            <a:endParaRPr lang="en-US" dirty="0"/>
+          </a:p>
+        </p:txBody>
+      </p:sp>
+      <p:sp>
+        <p:nvSpPr>
+          <p:cNvPr id="3" name="Content Placeholder 2"/>
+          <p:cNvSpPr>
+            <a:spLocks noGrp="1"/>
+          </p:cNvSpPr>
+          <p:nvPr>
+            <p:ph idx="1"/>
+          </p:nvPr>
+        </p:nvSpPr>
+        <p:spPr/>
+        <p:txBody>
+          <a:bodyPr/>
+          <a:lstStyle/>
+          <a:p>
+            <a:r>
+              <a:rPr lang="en-US" dirty="0"/>
+              <a:t>SELECT city, division FROM customer</a:t>
+            </a:r>
+          </a:p>
+          <a:p>
+            <a:r>
+              <a:rPr lang="en-US" dirty="0"/>
+              <a:t>WHERE city = 'Dhaka'</a:t>
+            </a:r>
+          </a:p>
+          <a:p>
+            <a:r>
+              <a:rPr lang="en-US" dirty="0"/>
+              <a:t>UNION ALL</a:t>
+            </a:r>
+          </a:p>
+          <a:p>
+            <a:r>
+              <a:rPr lang="en-US" dirty="0"/>
+              <a:t>SELECT city, division FROM suppliers</a:t>
+            </a:r>
+          </a:p>
+          <a:p>
+            <a:r>
+              <a:rPr lang="en-US" dirty="0"/>
+              <a:t>WHERE city = 'Dhaka'</a:t>
+            </a:r>
+          </a:p>
+          <a:p>
+            <a:r>
+              <a:rPr lang="en-US" dirty="0"/>
+              <a:t>ORDER BY city;</a:t>
+            </a:r>
+          </a:p>
+        </p:txBody>
+      </p:sp>
+    </p:spTree>
+    <p:extLst>
+      <p:ext uri="{BB962C8B-B14F-4D97-AF65-F5344CB8AC3E}">
+        <p14:creationId xmlns:p14="http://schemas.microsoft.com/office/powerpoint/2010/main" val="1134924183"/>
+      </p:ext>
+    </p:extLst>
+  </p:cSld>
+  <p:clrMapOvr>
+    <a:masterClrMapping/>
+  </p:clrMapOvr>
+</p:sld>
+</file>
+
+<file path=ppt/slides/slide25.xml><?xml version="1.0" encoding="utf-8"?>
+<p:sld xmlns:a="http://schemas.openxmlformats.org/drawingml/2006/main" xmlns:r="http://schemas.openxmlformats.org/officeDocument/2006/relationships" xmlns:p="http://schemas.openxmlformats.org/presentationml/2006/main">
+  <p:cSld>
+    <p:spTree>
+      <p:nvGrpSpPr>
+        <p:cNvPr id="1" name=""/>
+        <p:cNvGrpSpPr/>
+        <p:nvPr/>
+      </p:nvGrpSpPr>
+      <p:grpSpPr>
+        <a:xfrm>
+          <a:off x="0" y="0"/>
+          <a:ext cx="0" cy="0"/>
+          <a:chOff x="0" y="0"/>
+          <a:chExt cx="0" cy="0"/>
+        </a:xfrm>
+      </p:grpSpPr>
+      <p:sp>
+        <p:nvSpPr>
+          <p:cNvPr id="2" name="Title 1"/>
+          <p:cNvSpPr>
+            <a:spLocks noGrp="1"/>
+          </p:cNvSpPr>
+          <p:nvPr>
+            <p:ph type="title"/>
+          </p:nvPr>
+        </p:nvSpPr>
+        <p:spPr/>
+        <p:txBody>
+          <a:bodyPr>
+            <a:normAutofit fontScale="90000"/>
+          </a:bodyPr>
+          <a:lstStyle/>
+          <a:p>
+            <a:r>
+              <a:rPr lang="en-US" b="1" dirty="0">
+                <a:hlinkClick r:id="rId2"/>
+              </a:rPr>
+              <a:t>SQL Queries With PhpMyAdmin (Join Multiple Tables)-Part:21</a:t>
+            </a:r>
+            <a:endParaRPr lang="en-US" dirty="0"/>
+          </a:p>
+        </p:txBody>
+      </p:sp>
+      <p:sp>
+        <p:nvSpPr>
+          <p:cNvPr id="3" name="Content Placeholder 2"/>
+          <p:cNvSpPr>
+            <a:spLocks noGrp="1"/>
+          </p:cNvSpPr>
+          <p:nvPr>
+            <p:ph idx="1"/>
+          </p:nvPr>
+        </p:nvSpPr>
+        <p:spPr/>
+        <p:txBody>
+          <a:bodyPr>
+            <a:normAutofit fontScale="92500"/>
+          </a:bodyPr>
+          <a:lstStyle/>
+          <a:p>
+            <a:r>
+              <a:rPr lang="en-US" dirty="0"/>
+              <a:t>SELECT </a:t>
+            </a:r>
+            <a:r>
+              <a:rPr lang="en-US" dirty="0" err="1"/>
+              <a:t>orders.orderNumber</a:t>
+            </a:r>
+            <a:r>
+              <a:rPr lang="en-US" dirty="0"/>
+              <a:t>, </a:t>
+            </a:r>
+            <a:r>
+              <a:rPr lang="en-US" dirty="0" err="1" smtClean="0"/>
+              <a:t>customer.firstName</a:t>
+            </a:r>
+            <a:r>
+              <a:rPr lang="en-US" dirty="0"/>
+              <a:t>, </a:t>
+            </a:r>
+            <a:r>
+              <a:rPr lang="en-US" dirty="0" err="1"/>
+              <a:t>customer.lastName</a:t>
+            </a:r>
+            <a:r>
+              <a:rPr lang="en-US" dirty="0"/>
+              <a:t>, products.name</a:t>
+            </a:r>
+          </a:p>
+          <a:p>
+            <a:r>
+              <a:rPr lang="en-US" dirty="0"/>
+              <a:t>FROM orders</a:t>
+            </a:r>
+          </a:p>
+          <a:p>
+            <a:r>
+              <a:rPr lang="en-US" dirty="0"/>
+              <a:t>INNER JOIN products</a:t>
+            </a:r>
+          </a:p>
+          <a:p>
+            <a:r>
+              <a:rPr lang="en-US" dirty="0"/>
+              <a:t>	ON </a:t>
+            </a:r>
+            <a:r>
+              <a:rPr lang="en-US" dirty="0" err="1"/>
+              <a:t>orders.productId</a:t>
+            </a:r>
+            <a:r>
+              <a:rPr lang="en-US" dirty="0"/>
+              <a:t> = products.id</a:t>
+            </a:r>
+          </a:p>
+          <a:p>
+            <a:r>
+              <a:rPr lang="en-US" dirty="0"/>
+              <a:t>INNER JOIN customer</a:t>
+            </a:r>
+          </a:p>
+          <a:p>
+            <a:r>
+              <a:rPr lang="en-US" dirty="0"/>
+              <a:t>	ON </a:t>
+            </a:r>
+            <a:r>
+              <a:rPr lang="en-US" dirty="0" err="1"/>
+              <a:t>orders.customerID</a:t>
+            </a:r>
+            <a:r>
+              <a:rPr lang="en-US" dirty="0"/>
+              <a:t> = customer.id</a:t>
+            </a:r>
+          </a:p>
+          <a:p>
+            <a:r>
+              <a:rPr lang="en-US" dirty="0"/>
+              <a:t>ORDER BY </a:t>
+            </a:r>
+            <a:r>
+              <a:rPr lang="en-US" dirty="0" err="1"/>
+              <a:t>orders.orderNumber</a:t>
+            </a:r>
+            <a:r>
+              <a:rPr lang="en-US" dirty="0"/>
+              <a:t>;</a:t>
+            </a:r>
+          </a:p>
+        </p:txBody>
+      </p:sp>
+    </p:spTree>
+    <p:extLst>
+      <p:ext uri="{BB962C8B-B14F-4D97-AF65-F5344CB8AC3E}">
+        <p14:creationId xmlns:p14="http://schemas.microsoft.com/office/powerpoint/2010/main" val="4180035727"/>
+      </p:ext>
+    </p:extLst>
+  </p:cSld>
+  <p:clrMapOvr>
+    <a:masterClrMapping/>
+  </p:clrMapOvr>
+</p:sld>
+</file>
+
+<file path=ppt/slides/slide26.xml><?xml version="1.0" encoding="utf-8"?>
+<p:sld xmlns:a="http://schemas.openxmlformats.org/drawingml/2006/main" xmlns:r="http://schemas.openxmlformats.org/officeDocument/2006/relationships" xmlns:p="http://schemas.openxmlformats.org/presentationml/2006/main">
+  <p:cSld>
+    <p:spTree>
+      <p:nvGrpSpPr>
+        <p:cNvPr id="1" name=""/>
+        <p:cNvGrpSpPr/>
+        <p:nvPr/>
+      </p:nvGrpSpPr>
+      <p:grpSpPr>
+        <a:xfrm>
+          <a:off x="0" y="0"/>
+          <a:ext cx="0" cy="0"/>
+          <a:chOff x="0" y="0"/>
+          <a:chExt cx="0" cy="0"/>
+        </a:xfrm>
+      </p:grpSpPr>
+      <p:sp>
+        <p:nvSpPr>
+          <p:cNvPr id="2" name="Title 1"/>
+          <p:cNvSpPr>
+            <a:spLocks noGrp="1"/>
+          </p:cNvSpPr>
+          <p:nvPr>
+            <p:ph type="title"/>
+          </p:nvPr>
+        </p:nvSpPr>
+        <p:spPr/>
+        <p:txBody>
+          <a:bodyPr>
+            <a:normAutofit fontScale="90000"/>
+          </a:bodyPr>
+          <a:lstStyle/>
+          <a:p>
+            <a:r>
+              <a:rPr lang="en-US" b="1" dirty="0">
+                <a:hlinkClick r:id="rId2"/>
+              </a:rPr>
+              <a:t>SQL Queries With PhpMyAdmin (</a:t>
+            </a:r>
+            <a:r>
+              <a:rPr lang="en-US" b="1" dirty="0" err="1">
+                <a:hlinkClick r:id="rId2"/>
+              </a:rPr>
+              <a:t>Subquery</a:t>
+            </a:r>
+            <a:r>
+              <a:rPr lang="en-US" b="1" dirty="0">
+                <a:hlinkClick r:id="rId2"/>
+              </a:rPr>
+              <a:t> IN SELECT)-Part:22</a:t>
+            </a:r>
+            <a:endParaRPr lang="en-US" dirty="0"/>
+          </a:p>
+        </p:txBody>
+      </p:sp>
+      <p:sp>
+        <p:nvSpPr>
+          <p:cNvPr id="3" name="Content Placeholder 2"/>
+          <p:cNvSpPr>
+            <a:spLocks noGrp="1"/>
+          </p:cNvSpPr>
+          <p:nvPr>
+            <p:ph idx="1"/>
+          </p:nvPr>
+        </p:nvSpPr>
+        <p:spPr/>
+        <p:txBody>
+          <a:bodyPr/>
+          <a:lstStyle/>
+          <a:p>
+            <a:r>
+              <a:rPr lang="en-US" dirty="0"/>
+              <a:t>SELECT *</a:t>
+            </a:r>
+          </a:p>
+          <a:p>
+            <a:r>
+              <a:rPr lang="en-US" dirty="0"/>
+              <a:t>	FROM customer</a:t>
+            </a:r>
+          </a:p>
+          <a:p>
+            <a:r>
+              <a:rPr lang="en-US" dirty="0"/>
+              <a:t>    WHERE id IN(SELECT id</a:t>
+            </a:r>
+          </a:p>
+          <a:p>
+            <a:r>
+              <a:rPr lang="en-US" dirty="0"/>
+              <a:t>               FROM customer</a:t>
+            </a:r>
+          </a:p>
+          <a:p>
+            <a:r>
+              <a:rPr lang="en-US" dirty="0"/>
+              <a:t>               WHERE age &gt; 30</a:t>
+            </a:r>
+          </a:p>
+          <a:p>
+            <a:r>
+              <a:rPr lang="en-US" dirty="0"/>
+              <a:t>               );</a:t>
+            </a:r>
+          </a:p>
+        </p:txBody>
+      </p:sp>
+    </p:spTree>
+    <p:extLst>
+      <p:ext uri="{BB962C8B-B14F-4D97-AF65-F5344CB8AC3E}">
+        <p14:creationId xmlns:p14="http://schemas.microsoft.com/office/powerpoint/2010/main" val="1228371426"/>
+      </p:ext>
+    </p:extLst>
+  </p:cSld>
+  <p:clrMapOvr>
+    <a:masterClrMapping/>
+  </p:clrMapOvr>
+</p:sld>
+</file>
+
+<file path=ppt/slides/slide27.xml><?xml version="1.0" encoding="utf-8"?>
+<p:sld xmlns:a="http://schemas.openxmlformats.org/drawingml/2006/main" xmlns:r="http://schemas.openxmlformats.org/officeDocument/2006/relationships" xmlns:p="http://schemas.openxmlformats.org/presentationml/2006/main">
+  <p:cSld>
+    <p:spTree>
+      <p:nvGrpSpPr>
+        <p:cNvPr id="1" name=""/>
+        <p:cNvGrpSpPr/>
+        <p:nvPr/>
+      </p:nvGrpSpPr>
+      <p:grpSpPr>
+        <a:xfrm>
+          <a:off x="0" y="0"/>
+          <a:ext cx="0" cy="0"/>
+          <a:chOff x="0" y="0"/>
+          <a:chExt cx="0" cy="0"/>
+        </a:xfrm>
+      </p:grpSpPr>
+      <p:sp>
+        <p:nvSpPr>
+          <p:cNvPr id="2" name="Title 1"/>
+          <p:cNvSpPr>
+            <a:spLocks noGrp="1"/>
+          </p:cNvSpPr>
+          <p:nvPr>
+            <p:ph type="title"/>
+          </p:nvPr>
+        </p:nvSpPr>
+        <p:spPr/>
+        <p:txBody>
+          <a:bodyPr>
+            <a:normAutofit fontScale="90000"/>
+          </a:bodyPr>
+          <a:lstStyle/>
+          <a:p>
+            <a:r>
+              <a:rPr lang="en-US" b="1" dirty="0">
+                <a:hlinkClick r:id="rId2"/>
+              </a:rPr>
+              <a:t>SQL Queries With PhpMyAdmin (</a:t>
+            </a:r>
+            <a:r>
+              <a:rPr lang="en-US" b="1" dirty="0" err="1">
+                <a:hlinkClick r:id="rId2"/>
+              </a:rPr>
+              <a:t>Subquery</a:t>
+            </a:r>
+            <a:r>
+              <a:rPr lang="en-US" b="1" dirty="0">
+                <a:hlinkClick r:id="rId2"/>
+              </a:rPr>
+              <a:t> with INSERT)-Part:23</a:t>
+            </a:r>
+            <a:endParaRPr lang="en-US" dirty="0"/>
+          </a:p>
+        </p:txBody>
+      </p:sp>
+      <p:sp>
+        <p:nvSpPr>
+          <p:cNvPr id="3" name="Content Placeholder 2"/>
+          <p:cNvSpPr>
+            <a:spLocks noGrp="1"/>
+          </p:cNvSpPr>
+          <p:nvPr>
+            <p:ph idx="1"/>
+          </p:nvPr>
+        </p:nvSpPr>
+        <p:spPr/>
+        <p:txBody>
+          <a:bodyPr>
+            <a:normAutofit fontScale="77500" lnSpcReduction="20000"/>
+          </a:bodyPr>
+          <a:lstStyle/>
+          <a:p>
+            <a:r>
+              <a:rPr lang="en-US" dirty="0"/>
+              <a:t>CREATE TABLE </a:t>
+            </a:r>
+            <a:r>
+              <a:rPr lang="en-US" dirty="0" err="1"/>
+              <a:t>customer_bup</a:t>
+            </a:r>
+            <a:r>
+              <a:rPr lang="en-US" dirty="0"/>
+              <a:t>(</a:t>
+            </a:r>
+          </a:p>
+          <a:p>
+            <a:r>
+              <a:rPr lang="en-US" dirty="0"/>
+              <a:t>    id INT NOT NULL AUTO_INCREMENT,</a:t>
+            </a:r>
+          </a:p>
+          <a:p>
+            <a:r>
+              <a:rPr lang="en-US" dirty="0"/>
+              <a:t> </a:t>
+            </a:r>
+            <a:r>
+              <a:rPr lang="en-US" dirty="0" smtClean="0"/>
+              <a:t>   </a:t>
+            </a:r>
+            <a:r>
+              <a:rPr lang="en-US" dirty="0" err="1" smtClean="0"/>
+              <a:t>fi</a:t>
+            </a:r>
+            <a:r>
+              <a:rPr lang="en-US" dirty="0" err="1"/>
+              <a:t>r</a:t>
+            </a:r>
+            <a:r>
+              <a:rPr lang="en-US" dirty="0" err="1" smtClean="0"/>
+              <a:t>stName</a:t>
+            </a:r>
+            <a:r>
+              <a:rPr lang="en-US" dirty="0" smtClean="0"/>
+              <a:t> VARCHAR(255</a:t>
+            </a:r>
+            <a:r>
+              <a:rPr lang="en-US" dirty="0"/>
+              <a:t>),</a:t>
+            </a:r>
+          </a:p>
+          <a:p>
+            <a:r>
+              <a:rPr lang="en-US" dirty="0"/>
+              <a:t>    </a:t>
+            </a:r>
+            <a:r>
+              <a:rPr lang="en-US" dirty="0" err="1"/>
+              <a:t>lastName</a:t>
+            </a:r>
+            <a:r>
+              <a:rPr lang="en-US" dirty="0"/>
+              <a:t> VARCHAR(255),</a:t>
+            </a:r>
+          </a:p>
+          <a:p>
+            <a:r>
+              <a:rPr lang="en-US" dirty="0"/>
+              <a:t>    address VARCHAR(255),</a:t>
+            </a:r>
+          </a:p>
+          <a:p>
+            <a:r>
+              <a:rPr lang="en-US" dirty="0"/>
+              <a:t>    email VARCHAR(255),</a:t>
+            </a:r>
+          </a:p>
+          <a:p>
+            <a:r>
+              <a:rPr lang="en-US" dirty="0"/>
+              <a:t>    city VARCHAR(255),</a:t>
+            </a:r>
+          </a:p>
+          <a:p>
+            <a:r>
+              <a:rPr lang="en-US" dirty="0"/>
+              <a:t>    division VARCHAR(255),</a:t>
+            </a:r>
+          </a:p>
+          <a:p>
+            <a:r>
+              <a:rPr lang="en-US" dirty="0"/>
+              <a:t>    </a:t>
+            </a:r>
+            <a:r>
+              <a:rPr lang="en-US" dirty="0" err="1"/>
+              <a:t>zipcode</a:t>
+            </a:r>
+            <a:r>
+              <a:rPr lang="en-US" dirty="0"/>
+              <a:t> VARCHAR(255),</a:t>
+            </a:r>
+          </a:p>
+          <a:p>
+            <a:r>
+              <a:rPr lang="en-US" dirty="0"/>
+              <a:t>    PRIMARY KEY(id)</a:t>
+            </a:r>
+          </a:p>
+          <a:p>
+            <a:r>
+              <a:rPr lang="en-US" dirty="0"/>
+              <a:t>);</a:t>
+            </a:r>
+          </a:p>
+          <a:p>
+            <a:endParaRPr lang="en-US" dirty="0"/>
+          </a:p>
+        </p:txBody>
+      </p:sp>
+    </p:spTree>
+    <p:extLst>
+      <p:ext uri="{BB962C8B-B14F-4D97-AF65-F5344CB8AC3E}">
+        <p14:creationId xmlns:p14="http://schemas.microsoft.com/office/powerpoint/2010/main" val="2273472458"/>
+      </p:ext>
+    </p:extLst>
+  </p:cSld>
+  <p:clrMapOvr>
+    <a:masterClrMapping/>
+  </p:clrMapOvr>
+</p:sld>
+</file>
+
+<file path=ppt/slides/slide28.xml><?xml version="1.0" encoding="utf-8"?>
+<p:sld xmlns:a="http://schemas.openxmlformats.org/drawingml/2006/main" xmlns:r="http://schemas.openxmlformats.org/officeDocument/2006/relationships" xmlns:p="http://schemas.openxmlformats.org/presentationml/2006/main">
+  <p:cSld>
+    <p:spTree>
+      <p:nvGrpSpPr>
+        <p:cNvPr id="1" name=""/>
+        <p:cNvGrpSpPr/>
+        <p:nvPr/>
+      </p:nvGrpSpPr>
+      <p:grpSpPr>
+        <a:xfrm>
+          <a:off x="0" y="0"/>
+          <a:ext cx="0" cy="0"/>
+          <a:chOff x="0" y="0"/>
+          <a:chExt cx="0" cy="0"/>
+        </a:xfrm>
+      </p:grpSpPr>
+      <p:sp>
+        <p:nvSpPr>
+          <p:cNvPr id="2" name="Title 1"/>
+          <p:cNvSpPr>
+            <a:spLocks noGrp="1"/>
+          </p:cNvSpPr>
+          <p:nvPr>
+            <p:ph type="title"/>
+          </p:nvPr>
+        </p:nvSpPr>
+        <p:spPr/>
+        <p:txBody>
+          <a:bodyPr/>
+          <a:lstStyle/>
+          <a:p>
+            <a:endParaRPr lang="en-US"/>
+          </a:p>
+        </p:txBody>
+      </p:sp>
+      <p:sp>
+        <p:nvSpPr>
+          <p:cNvPr id="3" name="Content Placeholder 2"/>
+          <p:cNvSpPr>
+            <a:spLocks noGrp="1"/>
+          </p:cNvSpPr>
+          <p:nvPr>
+            <p:ph idx="1"/>
+          </p:nvPr>
+        </p:nvSpPr>
+        <p:spPr/>
+        <p:txBody>
+          <a:bodyPr/>
+          <a:lstStyle/>
+          <a:p>
+            <a:r>
+              <a:rPr lang="en-US" dirty="0"/>
+              <a:t>INSERT INTO </a:t>
+            </a:r>
+            <a:r>
+              <a:rPr lang="en-US" dirty="0" err="1"/>
+              <a:t>customer_bup</a:t>
+            </a:r>
+            <a:endParaRPr lang="en-US" dirty="0"/>
+          </a:p>
+          <a:p>
+            <a:r>
+              <a:rPr lang="en-US" dirty="0"/>
+              <a:t>	SELECT * FROM customer</a:t>
+            </a:r>
+          </a:p>
+          <a:p>
+            <a:r>
+              <a:rPr lang="en-US" dirty="0"/>
+              <a:t>    WHERE id IN(</a:t>
+            </a:r>
+          </a:p>
+          <a:p>
+            <a:r>
+              <a:rPr lang="en-US" dirty="0"/>
+              <a:t>        SELECT id </a:t>
+            </a:r>
+          </a:p>
+          <a:p>
+            <a:r>
+              <a:rPr lang="en-US" dirty="0"/>
+              <a:t>        FROM customer</a:t>
+            </a:r>
+          </a:p>
+          <a:p>
+            <a:r>
+              <a:rPr lang="en-US" dirty="0"/>
+              <a:t>    );</a:t>
+            </a:r>
+          </a:p>
+        </p:txBody>
+      </p:sp>
+    </p:spTree>
+    <p:extLst>
+      <p:ext uri="{BB962C8B-B14F-4D97-AF65-F5344CB8AC3E}">
+        <p14:creationId xmlns:p14="http://schemas.microsoft.com/office/powerpoint/2010/main" val="439936044"/>
+      </p:ext>
+    </p:extLst>
+  </p:cSld>
+  <p:clrMapOvr>
+    <a:masterClrMapping/>
+  </p:clrMapOvr>
+</p:sld>
+</file>
+
+<file path=ppt/slides/slide29.xml><?xml version="1.0" encoding="utf-8"?>
+<p:sld xmlns:a="http://schemas.openxmlformats.org/drawingml/2006/main" xmlns:r="http://schemas.openxmlformats.org/officeDocument/2006/relationships" xmlns:p="http://schemas.openxmlformats.org/presentationml/2006/main">
+  <p:cSld>
+    <p:spTree>
+      <p:nvGrpSpPr>
+        <p:cNvPr id="1" name=""/>
+        <p:cNvGrpSpPr/>
+        <p:nvPr/>
+      </p:nvGrpSpPr>
+      <p:grpSpPr>
+        <a:xfrm>
+          <a:off x="0" y="0"/>
+          <a:ext cx="0" cy="0"/>
+          <a:chOff x="0" y="0"/>
+          <a:chExt cx="0" cy="0"/>
+        </a:xfrm>
+      </p:grpSpPr>
+      <p:sp>
+        <p:nvSpPr>
+          <p:cNvPr id="2" name="Title 1"/>
+          <p:cNvSpPr>
+            <a:spLocks noGrp="1"/>
+          </p:cNvSpPr>
+          <p:nvPr>
+            <p:ph type="title"/>
+          </p:nvPr>
+        </p:nvSpPr>
+        <p:spPr/>
+        <p:txBody>
+          <a:bodyPr>
+            <a:normAutofit fontScale="90000"/>
+          </a:bodyPr>
+          <a:lstStyle/>
+          <a:p>
+            <a:r>
+              <a:rPr lang="en-US" b="1" dirty="0">
+                <a:hlinkClick r:id="rId2"/>
+              </a:rPr>
+              <a:t>SQL Queries With PhpMyAdmin (</a:t>
+            </a:r>
+            <a:r>
+              <a:rPr lang="en-US" b="1" dirty="0" err="1">
+                <a:hlinkClick r:id="rId2"/>
+              </a:rPr>
+              <a:t>Subquery</a:t>
+            </a:r>
+            <a:r>
+              <a:rPr lang="en-US" b="1" dirty="0">
+                <a:hlinkClick r:id="rId2"/>
+              </a:rPr>
+              <a:t> with Update &amp; Delete)-Part:24</a:t>
+            </a:r>
+            <a:endParaRPr lang="en-US" dirty="0"/>
+          </a:p>
+        </p:txBody>
+      </p:sp>
+      <p:sp>
+        <p:nvSpPr>
+          <p:cNvPr id="3" name="Content Placeholder 2"/>
+          <p:cNvSpPr>
+            <a:spLocks noGrp="1"/>
+          </p:cNvSpPr>
+          <p:nvPr>
+            <p:ph idx="1"/>
+          </p:nvPr>
+        </p:nvSpPr>
+        <p:spPr/>
+        <p:txBody>
+          <a:bodyPr/>
+          <a:lstStyle/>
+          <a:p>
+            <a:r>
+              <a:rPr lang="en-US" dirty="0"/>
+              <a:t>UPDATE customer</a:t>
+            </a:r>
+          </a:p>
+          <a:p>
+            <a:r>
+              <a:rPr lang="en-US" dirty="0"/>
+              <a:t>SET salary = salary*0.25</a:t>
+            </a:r>
+          </a:p>
+          <a:p>
+            <a:r>
+              <a:rPr lang="en-US" dirty="0"/>
+              <a:t>WHERE age IN(</a:t>
+            </a:r>
+          </a:p>
+          <a:p>
+            <a:r>
+              <a:rPr lang="en-US" dirty="0"/>
+              <a:t>    SELECT age FROM </a:t>
+            </a:r>
+            <a:r>
+              <a:rPr lang="en-US" dirty="0" err="1"/>
+              <a:t>customer_bup</a:t>
+            </a:r>
+            <a:endParaRPr lang="en-US" dirty="0"/>
+          </a:p>
+          <a:p>
+            <a:r>
+              <a:rPr lang="en-US" dirty="0"/>
+              <a:t>    WHERE age &gt;=30</a:t>
+            </a:r>
+          </a:p>
+          <a:p>
+            <a:r>
+              <a:rPr lang="en-US" dirty="0"/>
+              <a:t>);</a:t>
+            </a:r>
+          </a:p>
+        </p:txBody>
+      </p:sp>
+    </p:spTree>
+    <p:extLst>
+      <p:ext uri="{BB962C8B-B14F-4D97-AF65-F5344CB8AC3E}">
+        <p14:creationId xmlns:p14="http://schemas.microsoft.com/office/powerpoint/2010/main" val="2971569888"/>
       </p:ext>
     </p:extLst>
   </p:cSld>
@@ -3328,10 +6422,24 @@
         </p:nvSpPr>
         <p:spPr/>
         <p:txBody>
-          <a:bodyPr/>
-          <a:lstStyle/>
-          <a:p>
-            <a:endParaRPr lang="en-US"/>
+          <a:bodyPr>
+            <a:normAutofit fontScale="90000"/>
+          </a:bodyPr>
+          <a:lstStyle/>
+          <a:p>
+            <a:r>
+              <a:rPr lang="en-US" dirty="0">
+                <a:hlinkClick r:id="rId2"/>
+              </a:rPr>
+              <a:t>SQL Queries With PhpMyAdmin (Insert Data)-</a:t>
+            </a:r>
+            <a:r>
+              <a:rPr lang="en-US" dirty="0" smtClean="0">
+                <a:hlinkClick r:id="rId2"/>
+              </a:rPr>
+              <a:t>Part:04</a:t>
+            </a:r>
+            <a:endParaRPr lang="en-US" dirty="0"/>
           </a:p>
         </p:txBody>
       </p:sp>
@@ -3347,10 +6455,81 @@
         </p:nvSpPr>
         <p:spPr/>
         <p:txBody>
-          <a:bodyPr/>
-          <a:lstStyle/>
-          <a:p>
-            <a:endParaRPr lang="en-US"/>
+          <a:bodyPr>
+            <a:normAutofit/>
+          </a:bodyPr>
+          <a:lstStyle/>
+          <a:p>
+            <a:r>
+              <a:rPr lang="en-US" dirty="0" smtClean="0"/>
+              <a:t>For Single</a:t>
+            </a:r>
+          </a:p>
+          <a:p>
+            <a:r>
+              <a:rPr lang="en-US" dirty="0" smtClean="0"/>
+              <a:t>INSERT </a:t>
+            </a:r>
+            <a:r>
+              <a:rPr lang="en-US" dirty="0"/>
+              <a:t>INTO </a:t>
+            </a:r>
+            <a:r>
+              <a:rPr lang="en-US" dirty="0" smtClean="0"/>
+              <a:t>customer(</a:t>
+            </a:r>
+            <a:r>
+              <a:rPr lang="en-US" dirty="0" err="1" smtClean="0"/>
+              <a:t>firstName</a:t>
+            </a:r>
+            <a:r>
+              <a:rPr lang="en-US" dirty="0"/>
+              <a:t>, </a:t>
+            </a:r>
+            <a:r>
+              <a:rPr lang="en-US" dirty="0" err="1"/>
+              <a:t>lastName</a:t>
+            </a:r>
+            <a:r>
+              <a:rPr lang="en-US" dirty="0"/>
+              <a:t>, address, email, city, division, </a:t>
+            </a:r>
+            <a:r>
+              <a:rPr lang="en-US" dirty="0" err="1"/>
+              <a:t>zipcode</a:t>
+            </a:r>
+            <a:r>
+              <a:rPr lang="en-US" dirty="0"/>
+              <a:t>) VALUES('</a:t>
+            </a:r>
+            <a:r>
+              <a:rPr lang="en-US" dirty="0" err="1"/>
+              <a:t>Delowar</a:t>
+            </a:r>
+            <a:r>
+              <a:rPr lang="en-US" dirty="0"/>
+              <a:t> </a:t>
+            </a:r>
+            <a:r>
+              <a:rPr lang="en-US" dirty="0" err="1"/>
+              <a:t>Jahan</a:t>
+            </a:r>
+            <a:r>
+              <a:rPr lang="en-US" dirty="0"/>
+              <a:t>','</a:t>
+            </a:r>
+            <a:r>
+              <a:rPr lang="en-US" dirty="0" err="1"/>
+              <a:t>Imran','House</a:t>
+            </a:r>
+            <a:r>
+              <a:rPr lang="en-US" dirty="0"/>
+              <a:t> 5, l','imran@gmail.com','Dhaka','Dhaka','1236</a:t>
+            </a:r>
+            <a:r>
+              <a:rPr lang="en-US" dirty="0" smtClean="0"/>
+              <a:t>');</a:t>
+            </a:r>
           </a:p>
         </p:txBody>
       </p:sp>
@@ -3358,6 +6537,1095 @@
     <p:extLst>
       <p:ext uri="{BB962C8B-B14F-4D97-AF65-F5344CB8AC3E}">
         <p14:creationId xmlns:p14="http://schemas.microsoft.com/office/powerpoint/2010/main" val="4020611689"/>
+      </p:ext>
+    </p:extLst>
+  </p:cSld>
+  <p:clrMapOvr>
+    <a:masterClrMapping/>
+  </p:clrMapOvr>
+  <p:timing>
+    <p:tnLst>
+      <p:par>
+        <p:cTn id="1" dur="indefinite" restart="never" nodeType="tmRoot"/>
+      </p:par>
+    </p:tnLst>
+  </p:timing>
+</p:sld>
+</file>
+
+<file path=ppt/slides/slide30.xml><?xml version="1.0" encoding="utf-8"?>
+<p:sld xmlns:a="http://schemas.openxmlformats.org/drawingml/2006/main" xmlns:r="http://schemas.openxmlformats.org/officeDocument/2006/relationships" xmlns:p="http://schemas.openxmlformats.org/presentationml/2006/main">
+  <p:cSld>
+    <p:spTree>
+      <p:nvGrpSpPr>
+        <p:cNvPr id="1" name=""/>
+        <p:cNvGrpSpPr/>
+        <p:nvPr/>
+      </p:nvGrpSpPr>
+      <p:grpSpPr>
+        <a:xfrm>
+          <a:off x="0" y="0"/>
+          <a:ext cx="0" cy="0"/>
+          <a:chOff x="0" y="0"/>
+          <a:chExt cx="0" cy="0"/>
+        </a:xfrm>
+      </p:grpSpPr>
+      <p:sp>
+        <p:nvSpPr>
+          <p:cNvPr id="2" name="Title 1"/>
+          <p:cNvSpPr>
+            <a:spLocks noGrp="1"/>
+          </p:cNvSpPr>
+          <p:nvPr>
+            <p:ph type="title"/>
+          </p:nvPr>
+        </p:nvSpPr>
+        <p:spPr/>
+        <p:txBody>
+          <a:bodyPr>
+            <a:normAutofit fontScale="90000"/>
+          </a:bodyPr>
+          <a:lstStyle/>
+          <a:p>
+            <a:r>
+              <a:rPr lang="en-US" b="1" dirty="0">
+                <a:hlinkClick r:id="rId2"/>
+              </a:rPr>
+              <a:t>SQL Queries With PhpMyAdmin (</a:t>
+            </a:r>
+            <a:r>
+              <a:rPr lang="en-US" b="1" dirty="0" err="1">
+                <a:hlinkClick r:id="rId2"/>
+              </a:rPr>
+              <a:t>Subquery</a:t>
+            </a:r>
+            <a:r>
+              <a:rPr lang="en-US" b="1" dirty="0">
+                <a:hlinkClick r:id="rId2"/>
+              </a:rPr>
+              <a:t> with Update &amp; Delete)-Part:24</a:t>
+            </a:r>
+            <a:endParaRPr lang="en-US" dirty="0"/>
+          </a:p>
+        </p:txBody>
+      </p:sp>
+      <p:sp>
+        <p:nvSpPr>
+          <p:cNvPr id="3" name="Content Placeholder 2"/>
+          <p:cNvSpPr>
+            <a:spLocks noGrp="1"/>
+          </p:cNvSpPr>
+          <p:nvPr>
+            <p:ph idx="1"/>
+          </p:nvPr>
+        </p:nvSpPr>
+        <p:spPr/>
+        <p:txBody>
+          <a:bodyPr/>
+          <a:lstStyle/>
+          <a:p>
+            <a:r>
+              <a:rPr lang="en-US" dirty="0"/>
+              <a:t>DELETE FROM </a:t>
+            </a:r>
+            <a:r>
+              <a:rPr lang="en-US" dirty="0" err="1"/>
+              <a:t>customer_bup</a:t>
+            </a:r>
+            <a:endParaRPr lang="en-US" dirty="0"/>
+          </a:p>
+          <a:p>
+            <a:r>
+              <a:rPr lang="en-US" dirty="0"/>
+              <a:t>WHERE age IN(SELECT age FROM customer</a:t>
+            </a:r>
+          </a:p>
+          <a:p>
+            <a:r>
+              <a:rPr lang="en-US" dirty="0"/>
+              <a:t>            WHERE age = 36);</a:t>
+            </a:r>
+          </a:p>
+        </p:txBody>
+      </p:sp>
+    </p:spTree>
+    <p:extLst>
+      <p:ext uri="{BB962C8B-B14F-4D97-AF65-F5344CB8AC3E}">
+        <p14:creationId xmlns:p14="http://schemas.microsoft.com/office/powerpoint/2010/main" val="2002625049"/>
+      </p:ext>
+    </p:extLst>
+  </p:cSld>
+  <p:clrMapOvr>
+    <a:masterClrMapping/>
+  </p:clrMapOvr>
+</p:sld>
+</file>
+
+<file path=ppt/slides/slide31.xml><?xml version="1.0" encoding="utf-8"?>
+<p:sld xmlns:a="http://schemas.openxmlformats.org/drawingml/2006/main" xmlns:r="http://schemas.openxmlformats.org/officeDocument/2006/relationships" xmlns:p="http://schemas.openxmlformats.org/presentationml/2006/main">
+  <p:cSld>
+    <p:spTree>
+      <p:nvGrpSpPr>
+        <p:cNvPr id="1" name=""/>
+        <p:cNvGrpSpPr/>
+        <p:nvPr/>
+      </p:nvGrpSpPr>
+      <p:grpSpPr>
+        <a:xfrm>
+          <a:off x="0" y="0"/>
+          <a:ext cx="0" cy="0"/>
+          <a:chOff x="0" y="0"/>
+          <a:chExt cx="0" cy="0"/>
+        </a:xfrm>
+      </p:grpSpPr>
+      <p:sp>
+        <p:nvSpPr>
+          <p:cNvPr id="2" name="Title 1"/>
+          <p:cNvSpPr>
+            <a:spLocks noGrp="1"/>
+          </p:cNvSpPr>
+          <p:nvPr>
+            <p:ph type="title"/>
+          </p:nvPr>
+        </p:nvSpPr>
+        <p:spPr/>
+        <p:txBody>
+          <a:bodyPr>
+            <a:normAutofit fontScale="90000"/>
+          </a:bodyPr>
+          <a:lstStyle/>
+          <a:p>
+            <a:r>
+              <a:rPr lang="en-US" b="1" dirty="0">
+                <a:hlinkClick r:id="rId2"/>
+              </a:rPr>
+              <a:t>SQL Queries With PhpMyAdmin (TRUNCATE TABLE)-Part:25</a:t>
+            </a:r>
+            <a:endParaRPr lang="en-US" dirty="0"/>
+          </a:p>
+        </p:txBody>
+      </p:sp>
+      <p:sp>
+        <p:nvSpPr>
+          <p:cNvPr id="3" name="Content Placeholder 2"/>
+          <p:cNvSpPr>
+            <a:spLocks noGrp="1"/>
+          </p:cNvSpPr>
+          <p:nvPr>
+            <p:ph idx="1"/>
+          </p:nvPr>
+        </p:nvSpPr>
+        <p:spPr/>
+        <p:txBody>
+          <a:bodyPr/>
+          <a:lstStyle/>
+          <a:p>
+            <a:r>
+              <a:rPr lang="en-US" dirty="0"/>
+              <a:t>TRUNCATE TABLE suppliers;</a:t>
+            </a:r>
+          </a:p>
+        </p:txBody>
+      </p:sp>
+    </p:spTree>
+    <p:extLst>
+      <p:ext uri="{BB962C8B-B14F-4D97-AF65-F5344CB8AC3E}">
+        <p14:creationId xmlns:p14="http://schemas.microsoft.com/office/powerpoint/2010/main" val="3607759069"/>
+      </p:ext>
+    </p:extLst>
+  </p:cSld>
+  <p:clrMapOvr>
+    <a:masterClrMapping/>
+  </p:clrMapOvr>
+</p:sld>
+</file>
+
+<file path=ppt/slides/slide32.xml><?xml version="1.0" encoding="utf-8"?>
+<p:sld xmlns:a="http://schemas.openxmlformats.org/drawingml/2006/main" xmlns:r="http://schemas.openxmlformats.org/officeDocument/2006/relationships" xmlns:p="http://schemas.openxmlformats.org/presentationml/2006/main">
+  <p:cSld>
+    <p:spTree>
+      <p:nvGrpSpPr>
+        <p:cNvPr id="1" name=""/>
+        <p:cNvGrpSpPr/>
+        <p:nvPr/>
+      </p:nvGrpSpPr>
+      <p:grpSpPr>
+        <a:xfrm>
+          <a:off x="0" y="0"/>
+          <a:ext cx="0" cy="0"/>
+          <a:chOff x="0" y="0"/>
+          <a:chExt cx="0" cy="0"/>
+        </a:xfrm>
+      </p:grpSpPr>
+      <p:sp>
+        <p:nvSpPr>
+          <p:cNvPr id="2" name="Title 1"/>
+          <p:cNvSpPr>
+            <a:spLocks noGrp="1"/>
+          </p:cNvSpPr>
+          <p:nvPr>
+            <p:ph type="title"/>
+          </p:nvPr>
+        </p:nvSpPr>
+        <p:spPr/>
+        <p:txBody>
+          <a:bodyPr>
+            <a:normAutofit fontScale="90000"/>
+          </a:bodyPr>
+          <a:lstStyle/>
+          <a:p>
+            <a:r>
+              <a:rPr lang="en-US" b="1" dirty="0">
+                <a:hlinkClick r:id="rId2"/>
+              </a:rPr>
+              <a:t>SQL Queries With PhpMyAdmin (Wildcard Operators)-Part:26</a:t>
+            </a:r>
+            <a:endParaRPr lang="en-US" dirty="0"/>
+          </a:p>
+        </p:txBody>
+      </p:sp>
+      <p:sp>
+        <p:nvSpPr>
+          <p:cNvPr id="3" name="Content Placeholder 2"/>
+          <p:cNvSpPr>
+            <a:spLocks noGrp="1"/>
+          </p:cNvSpPr>
+          <p:nvPr>
+            <p:ph idx="1"/>
+          </p:nvPr>
+        </p:nvSpPr>
+        <p:spPr/>
+        <p:txBody>
+          <a:bodyPr/>
+          <a:lstStyle/>
+          <a:p>
+            <a:endParaRPr lang="en-US"/>
+          </a:p>
+        </p:txBody>
+      </p:sp>
+    </p:spTree>
+    <p:extLst>
+      <p:ext uri="{BB962C8B-B14F-4D97-AF65-F5344CB8AC3E}">
+        <p14:creationId xmlns:p14="http://schemas.microsoft.com/office/powerpoint/2010/main" val="3072299387"/>
+      </p:ext>
+    </p:extLst>
+  </p:cSld>
+  <p:clrMapOvr>
+    <a:masterClrMapping/>
+  </p:clrMapOvr>
+</p:sld>
+</file>
+
+<file path=ppt/slides/slide33.xml><?xml version="1.0" encoding="utf-8"?>
+<p:sld xmlns:a="http://schemas.openxmlformats.org/drawingml/2006/main" xmlns:r="http://schemas.openxmlformats.org/officeDocument/2006/relationships" xmlns:p="http://schemas.openxmlformats.org/presentationml/2006/main">
+  <p:cSld>
+    <p:spTree>
+      <p:nvGrpSpPr>
+        <p:cNvPr id="1" name=""/>
+        <p:cNvGrpSpPr/>
+        <p:nvPr/>
+      </p:nvGrpSpPr>
+      <p:grpSpPr>
+        <a:xfrm>
+          <a:off x="0" y="0"/>
+          <a:ext cx="0" cy="0"/>
+          <a:chOff x="0" y="0"/>
+          <a:chExt cx="0" cy="0"/>
+        </a:xfrm>
+      </p:grpSpPr>
+      <p:sp>
+        <p:nvSpPr>
+          <p:cNvPr id="2" name="Title 1"/>
+          <p:cNvSpPr>
+            <a:spLocks noGrp="1"/>
+          </p:cNvSpPr>
+          <p:nvPr>
+            <p:ph type="title"/>
+          </p:nvPr>
+        </p:nvSpPr>
+        <p:spPr/>
+        <p:txBody>
+          <a:bodyPr>
+            <a:normAutofit fontScale="90000"/>
+          </a:bodyPr>
+          <a:lstStyle/>
+          <a:p>
+            <a:r>
+              <a:rPr lang="en-US" b="1" dirty="0">
+                <a:hlinkClick r:id="rId2"/>
+              </a:rPr>
+              <a:t>SQL Queries With PhpMyAdmin (Aliases for Column)-Part:27</a:t>
+            </a:r>
+            <a:endParaRPr lang="en-US" dirty="0"/>
+          </a:p>
+        </p:txBody>
+      </p:sp>
+      <p:sp>
+        <p:nvSpPr>
+          <p:cNvPr id="3" name="Content Placeholder 2"/>
+          <p:cNvSpPr>
+            <a:spLocks noGrp="1"/>
+          </p:cNvSpPr>
+          <p:nvPr>
+            <p:ph idx="1"/>
+          </p:nvPr>
+        </p:nvSpPr>
+        <p:spPr/>
+        <p:txBody>
+          <a:bodyPr/>
+          <a:lstStyle/>
+          <a:p>
+            <a:r>
+              <a:rPr lang="en-US" dirty="0"/>
+              <a:t>SELECT </a:t>
+            </a:r>
+            <a:r>
+              <a:rPr lang="en-US" dirty="0" err="1" smtClean="0"/>
+              <a:t>fi</a:t>
+            </a:r>
+            <a:r>
+              <a:rPr lang="en-US" dirty="0" err="1"/>
+              <a:t>r</a:t>
+            </a:r>
+            <a:r>
+              <a:rPr lang="en-US" dirty="0" err="1" smtClean="0"/>
+              <a:t>stName</a:t>
+            </a:r>
+            <a:r>
+              <a:rPr lang="en-US" dirty="0" smtClean="0"/>
+              <a:t> </a:t>
+            </a:r>
+            <a:r>
+              <a:rPr lang="en-US" dirty="0"/>
+              <a:t>AS 'First Name', </a:t>
+            </a:r>
+            <a:r>
+              <a:rPr lang="en-US" dirty="0" err="1"/>
+              <a:t>lastName</a:t>
+            </a:r>
+            <a:r>
+              <a:rPr lang="en-US" dirty="0"/>
+              <a:t> AS 'Last Name' FROM customer</a:t>
+            </a:r>
+            <a:r>
+              <a:rPr lang="en-US" dirty="0" smtClean="0"/>
+              <a:t>;</a:t>
+            </a:r>
+          </a:p>
+          <a:p>
+            <a:r>
+              <a:rPr lang="en-US" dirty="0"/>
+              <a:t>SELECT CONCAT(</a:t>
+            </a:r>
+            <a:r>
+              <a:rPr lang="en-US" dirty="0" err="1"/>
+              <a:t>firstName</a:t>
+            </a:r>
+            <a:r>
+              <a:rPr lang="en-US" dirty="0"/>
+              <a:t>, '', </a:t>
+            </a:r>
+            <a:r>
+              <a:rPr lang="en-US" dirty="0" err="1"/>
+              <a:t>lastName</a:t>
+            </a:r>
+            <a:r>
+              <a:rPr lang="en-US" dirty="0"/>
+              <a:t>) AS 'Name', email, address, city FROM customer</a:t>
+            </a:r>
+            <a:r>
+              <a:rPr lang="en-US" dirty="0" smtClean="0"/>
+              <a:t>;</a:t>
+            </a:r>
+          </a:p>
+          <a:p>
+            <a:r>
+              <a:rPr lang="en-US" dirty="0"/>
+              <a:t>SELECT CONCAT(</a:t>
+            </a:r>
+            <a:r>
+              <a:rPr lang="en-US" dirty="0" err="1"/>
+              <a:t>firstName</a:t>
+            </a:r>
+            <a:r>
+              <a:rPr lang="en-US" dirty="0"/>
+              <a:t>, '', </a:t>
+            </a:r>
+            <a:r>
+              <a:rPr lang="en-US" dirty="0" err="1"/>
+              <a:t>lastName</a:t>
+            </a:r>
+            <a:r>
+              <a:rPr lang="en-US" dirty="0"/>
+              <a:t>) AS 'Name', CONCAT(address, '', city) AS 'address' FROM customer;</a:t>
+            </a:r>
+          </a:p>
+        </p:txBody>
+      </p:sp>
+    </p:spTree>
+    <p:extLst>
+      <p:ext uri="{BB962C8B-B14F-4D97-AF65-F5344CB8AC3E}">
+        <p14:creationId xmlns:p14="http://schemas.microsoft.com/office/powerpoint/2010/main" val="3240226868"/>
+      </p:ext>
+    </p:extLst>
+  </p:cSld>
+  <p:clrMapOvr>
+    <a:masterClrMapping/>
+  </p:clrMapOvr>
+</p:sld>
+</file>
+
+<file path=ppt/slides/slide34.xml><?xml version="1.0" encoding="utf-8"?>
+<p:sld xmlns:a="http://schemas.openxmlformats.org/drawingml/2006/main" xmlns:r="http://schemas.openxmlformats.org/officeDocument/2006/relationships" xmlns:p="http://schemas.openxmlformats.org/presentationml/2006/main">
+  <p:cSld>
+    <p:spTree>
+      <p:nvGrpSpPr>
+        <p:cNvPr id="1" name=""/>
+        <p:cNvGrpSpPr/>
+        <p:nvPr/>
+      </p:nvGrpSpPr>
+      <p:grpSpPr>
+        <a:xfrm>
+          <a:off x="0" y="0"/>
+          <a:ext cx="0" cy="0"/>
+          <a:chOff x="0" y="0"/>
+          <a:chExt cx="0" cy="0"/>
+        </a:xfrm>
+      </p:grpSpPr>
+      <p:sp>
+        <p:nvSpPr>
+          <p:cNvPr id="2" name="Title 1"/>
+          <p:cNvSpPr>
+            <a:spLocks noGrp="1"/>
+          </p:cNvSpPr>
+          <p:nvPr>
+            <p:ph type="title"/>
+          </p:nvPr>
+        </p:nvSpPr>
+        <p:spPr/>
+        <p:txBody>
+          <a:bodyPr>
+            <a:normAutofit fontScale="90000"/>
+          </a:bodyPr>
+          <a:lstStyle/>
+          <a:p>
+            <a:r>
+              <a:rPr lang="en-US" b="1" dirty="0">
+                <a:hlinkClick r:id="rId2"/>
+              </a:rPr>
+              <a:t>SQL Queries With PhpMyAdmin (Aliases for Table)-Part:28</a:t>
+            </a:r>
+            <a:endParaRPr lang="en-US" dirty="0"/>
+          </a:p>
+        </p:txBody>
+      </p:sp>
+      <p:sp>
+        <p:nvSpPr>
+          <p:cNvPr id="3" name="Content Placeholder 2"/>
+          <p:cNvSpPr>
+            <a:spLocks noGrp="1"/>
+          </p:cNvSpPr>
+          <p:nvPr>
+            <p:ph idx="1"/>
+          </p:nvPr>
+        </p:nvSpPr>
+        <p:spPr/>
+        <p:txBody>
+          <a:bodyPr/>
+          <a:lstStyle/>
+          <a:p>
+            <a:r>
+              <a:rPr lang="en-US" dirty="0"/>
+              <a:t>SELECT o.id, </a:t>
+            </a:r>
+            <a:r>
+              <a:rPr lang="en-US" dirty="0" err="1"/>
+              <a:t>o.orderDate</a:t>
+            </a:r>
+            <a:r>
+              <a:rPr lang="en-US" dirty="0"/>
+              <a:t>, </a:t>
+            </a:r>
+            <a:r>
+              <a:rPr lang="en-US" dirty="0" err="1"/>
+              <a:t>c.firstName</a:t>
+            </a:r>
+            <a:r>
+              <a:rPr lang="en-US" dirty="0"/>
+              <a:t>, </a:t>
+            </a:r>
+            <a:r>
+              <a:rPr lang="en-US" dirty="0" err="1"/>
+              <a:t>c.lastName</a:t>
+            </a:r>
+            <a:endParaRPr lang="en-US" dirty="0"/>
+          </a:p>
+          <a:p>
+            <a:r>
+              <a:rPr lang="en-US" dirty="0"/>
+              <a:t>FROM customer AS c, orders AS o;</a:t>
+            </a:r>
+          </a:p>
+        </p:txBody>
+      </p:sp>
+    </p:spTree>
+    <p:extLst>
+      <p:ext uri="{BB962C8B-B14F-4D97-AF65-F5344CB8AC3E}">
+        <p14:creationId xmlns:p14="http://schemas.microsoft.com/office/powerpoint/2010/main" val="4278893665"/>
+      </p:ext>
+    </p:extLst>
+  </p:cSld>
+  <p:clrMapOvr>
+    <a:masterClrMapping/>
+  </p:clrMapOvr>
+</p:sld>
+</file>
+
+<file path=ppt/slides/slide35.xml><?xml version="1.0" encoding="utf-8"?>
+<p:sld xmlns:a="http://schemas.openxmlformats.org/drawingml/2006/main" xmlns:r="http://schemas.openxmlformats.org/officeDocument/2006/relationships" xmlns:p="http://schemas.openxmlformats.org/presentationml/2006/main">
+  <p:cSld>
+    <p:spTree>
+      <p:nvGrpSpPr>
+        <p:cNvPr id="1" name=""/>
+        <p:cNvGrpSpPr/>
+        <p:nvPr/>
+      </p:nvGrpSpPr>
+      <p:grpSpPr>
+        <a:xfrm>
+          <a:off x="0" y="0"/>
+          <a:ext cx="0" cy="0"/>
+          <a:chOff x="0" y="0"/>
+          <a:chExt cx="0" cy="0"/>
+        </a:xfrm>
+      </p:grpSpPr>
+      <p:sp>
+        <p:nvSpPr>
+          <p:cNvPr id="2" name="Title 1"/>
+          <p:cNvSpPr>
+            <a:spLocks noGrp="1"/>
+          </p:cNvSpPr>
+          <p:nvPr>
+            <p:ph type="title"/>
+          </p:nvPr>
+        </p:nvSpPr>
+        <p:spPr/>
+        <p:txBody>
+          <a:bodyPr>
+            <a:normAutofit fontScale="90000"/>
+          </a:bodyPr>
+          <a:lstStyle/>
+          <a:p>
+            <a:r>
+              <a:rPr lang="en-US" b="1" dirty="0">
+                <a:hlinkClick r:id="rId2"/>
+              </a:rPr>
+              <a:t>SQL Queries With PhpMyAdmin (Aggregate Functions)-Part:29</a:t>
+            </a:r>
+            <a:endParaRPr lang="en-US" dirty="0"/>
+          </a:p>
+        </p:txBody>
+      </p:sp>
+      <p:sp>
+        <p:nvSpPr>
+          <p:cNvPr id="3" name="Content Placeholder 2"/>
+          <p:cNvSpPr>
+            <a:spLocks noGrp="1"/>
+          </p:cNvSpPr>
+          <p:nvPr>
+            <p:ph idx="1"/>
+          </p:nvPr>
+        </p:nvSpPr>
+        <p:spPr/>
+        <p:txBody>
+          <a:bodyPr/>
+          <a:lstStyle/>
+          <a:p>
+            <a:r>
+              <a:rPr lang="en-US" dirty="0"/>
+              <a:t>SELECT AVG(age) FROM customer</a:t>
+            </a:r>
+            <a:r>
+              <a:rPr lang="en-US" dirty="0" smtClean="0"/>
+              <a:t>;</a:t>
+            </a:r>
+          </a:p>
+          <a:p>
+            <a:r>
+              <a:rPr lang="en-US" dirty="0"/>
+              <a:t>SELECT COUNT(age) FROM customer</a:t>
+            </a:r>
+            <a:r>
+              <a:rPr lang="en-US" dirty="0" smtClean="0"/>
+              <a:t>;</a:t>
+            </a:r>
+          </a:p>
+          <a:p>
+            <a:r>
+              <a:rPr lang="en-US" dirty="0"/>
+              <a:t>SELECT MAX(age) FROM customer</a:t>
+            </a:r>
+            <a:r>
+              <a:rPr lang="en-US" dirty="0" smtClean="0"/>
+              <a:t>;</a:t>
+            </a:r>
+          </a:p>
+          <a:p>
+            <a:r>
+              <a:rPr lang="en-US" dirty="0"/>
+              <a:t>SELECT MIN(age) FROM customer</a:t>
+            </a:r>
+            <a:r>
+              <a:rPr lang="en-US" dirty="0" smtClean="0"/>
+              <a:t>;</a:t>
+            </a:r>
+          </a:p>
+          <a:p>
+            <a:r>
+              <a:rPr lang="en-US" dirty="0"/>
+              <a:t>SELECT SUM(age) FROM customer;</a:t>
+            </a:r>
+          </a:p>
+        </p:txBody>
+      </p:sp>
+    </p:spTree>
+    <p:extLst>
+      <p:ext uri="{BB962C8B-B14F-4D97-AF65-F5344CB8AC3E}">
+        <p14:creationId xmlns:p14="http://schemas.microsoft.com/office/powerpoint/2010/main" val="2862705166"/>
+      </p:ext>
+    </p:extLst>
+  </p:cSld>
+  <p:clrMapOvr>
+    <a:masterClrMapping/>
+  </p:clrMapOvr>
+</p:sld>
+</file>
+
+<file path=ppt/slides/slide36.xml><?xml version="1.0" encoding="utf-8"?>
+<p:sld xmlns:a="http://schemas.openxmlformats.org/drawingml/2006/main" xmlns:r="http://schemas.openxmlformats.org/officeDocument/2006/relationships" xmlns:p="http://schemas.openxmlformats.org/presentationml/2006/main">
+  <p:cSld>
+    <p:spTree>
+      <p:nvGrpSpPr>
+        <p:cNvPr id="1" name=""/>
+        <p:cNvGrpSpPr/>
+        <p:nvPr/>
+      </p:nvGrpSpPr>
+      <p:grpSpPr>
+        <a:xfrm>
+          <a:off x="0" y="0"/>
+          <a:ext cx="0" cy="0"/>
+          <a:chOff x="0" y="0"/>
+          <a:chExt cx="0" cy="0"/>
+        </a:xfrm>
+      </p:grpSpPr>
+      <p:sp>
+        <p:nvSpPr>
+          <p:cNvPr id="2" name="Title 1"/>
+          <p:cNvSpPr>
+            <a:spLocks noGrp="1"/>
+          </p:cNvSpPr>
+          <p:nvPr>
+            <p:ph type="title"/>
+          </p:nvPr>
+        </p:nvSpPr>
+        <p:spPr/>
+        <p:txBody>
+          <a:bodyPr>
+            <a:normAutofit fontScale="90000"/>
+          </a:bodyPr>
+          <a:lstStyle/>
+          <a:p>
+            <a:r>
+              <a:rPr lang="en-US" b="1" dirty="0">
+                <a:hlinkClick r:id="rId2"/>
+              </a:rPr>
+              <a:t>SQL Queries With PhpMyAdmin (GROUP BY Statement)-Part:30</a:t>
+            </a:r>
+            <a:endParaRPr lang="en-US" dirty="0"/>
+          </a:p>
+        </p:txBody>
+      </p:sp>
+      <p:sp>
+        <p:nvSpPr>
+          <p:cNvPr id="3" name="Content Placeholder 2"/>
+          <p:cNvSpPr>
+            <a:spLocks noGrp="1"/>
+          </p:cNvSpPr>
+          <p:nvPr>
+            <p:ph idx="1"/>
+          </p:nvPr>
+        </p:nvSpPr>
+        <p:spPr/>
+        <p:txBody>
+          <a:bodyPr/>
+          <a:lstStyle/>
+          <a:p>
+            <a:r>
+              <a:rPr lang="en-US" dirty="0"/>
+              <a:t>SELECT age, COUNT(age)</a:t>
+            </a:r>
+          </a:p>
+          <a:p>
+            <a:r>
+              <a:rPr lang="en-US" dirty="0"/>
+              <a:t>FROM customer</a:t>
+            </a:r>
+          </a:p>
+          <a:p>
+            <a:r>
+              <a:rPr lang="en-US" dirty="0"/>
+              <a:t>WHERE age &gt;30</a:t>
+            </a:r>
+          </a:p>
+          <a:p>
+            <a:r>
+              <a:rPr lang="en-US" dirty="0"/>
+              <a:t>GROUP BY age;</a:t>
+            </a:r>
+          </a:p>
+        </p:txBody>
+      </p:sp>
+    </p:spTree>
+    <p:extLst>
+      <p:ext uri="{BB962C8B-B14F-4D97-AF65-F5344CB8AC3E}">
+        <p14:creationId xmlns:p14="http://schemas.microsoft.com/office/powerpoint/2010/main" val="1358344055"/>
+      </p:ext>
+    </p:extLst>
+  </p:cSld>
+  <p:clrMapOvr>
+    <a:masterClrMapping/>
+  </p:clrMapOvr>
+</p:sld>
+</file>
+
+<file path=ppt/slides/slide37.xml><?xml version="1.0" encoding="utf-8"?>
+<p:sld xmlns:a="http://schemas.openxmlformats.org/drawingml/2006/main" xmlns:r="http://schemas.openxmlformats.org/officeDocument/2006/relationships" xmlns:p="http://schemas.openxmlformats.org/presentationml/2006/main">
+  <p:cSld>
+    <p:spTree>
+      <p:nvGrpSpPr>
+        <p:cNvPr id="1" name=""/>
+        <p:cNvGrpSpPr/>
+        <p:nvPr/>
+      </p:nvGrpSpPr>
+      <p:grpSpPr>
+        <a:xfrm>
+          <a:off x="0" y="0"/>
+          <a:ext cx="0" cy="0"/>
+          <a:chOff x="0" y="0"/>
+          <a:chExt cx="0" cy="0"/>
+        </a:xfrm>
+      </p:grpSpPr>
+      <p:sp>
+        <p:nvSpPr>
+          <p:cNvPr id="2" name="Title 1"/>
+          <p:cNvSpPr>
+            <a:spLocks noGrp="1"/>
+          </p:cNvSpPr>
+          <p:nvPr>
+            <p:ph type="title"/>
+          </p:nvPr>
+        </p:nvSpPr>
+        <p:spPr/>
+        <p:txBody>
+          <a:bodyPr>
+            <a:normAutofit fontScale="90000"/>
+          </a:bodyPr>
+          <a:lstStyle/>
+          <a:p>
+            <a:r>
+              <a:rPr lang="en-US" b="1" dirty="0">
+                <a:hlinkClick r:id="rId2"/>
+              </a:rPr>
+              <a:t>SQL Queries With PhpMyAdmin (GROUP BY Statement)-Part:30</a:t>
+            </a:r>
+            <a:endParaRPr lang="en-US" dirty="0"/>
+          </a:p>
+        </p:txBody>
+      </p:sp>
+      <p:sp>
+        <p:nvSpPr>
+          <p:cNvPr id="3" name="Content Placeholder 2"/>
+          <p:cNvSpPr>
+            <a:spLocks noGrp="1"/>
+          </p:cNvSpPr>
+          <p:nvPr>
+            <p:ph idx="1"/>
+          </p:nvPr>
+        </p:nvSpPr>
+        <p:spPr/>
+        <p:txBody>
+          <a:bodyPr/>
+          <a:lstStyle/>
+          <a:p>
+            <a:r>
+              <a:rPr lang="en-US" dirty="0"/>
+              <a:t>SELECT age, COUNT(age)</a:t>
+            </a:r>
+          </a:p>
+          <a:p>
+            <a:r>
+              <a:rPr lang="en-US" dirty="0"/>
+              <a:t>FROM customer</a:t>
+            </a:r>
+          </a:p>
+          <a:p>
+            <a:r>
+              <a:rPr lang="en-US" dirty="0"/>
+              <a:t>GROUP BY age;</a:t>
+            </a:r>
+          </a:p>
+        </p:txBody>
+      </p:sp>
+    </p:spTree>
+    <p:extLst>
+      <p:ext uri="{BB962C8B-B14F-4D97-AF65-F5344CB8AC3E}">
+        <p14:creationId xmlns:p14="http://schemas.microsoft.com/office/powerpoint/2010/main" val="3903680275"/>
+      </p:ext>
+    </p:extLst>
+  </p:cSld>
+  <p:clrMapOvr>
+    <a:masterClrMapping/>
+  </p:clrMapOvr>
+</p:sld>
+</file>
+
+<file path=ppt/slides/slide38.xml><?xml version="1.0" encoding="utf-8"?>
+<p:sld xmlns:a="http://schemas.openxmlformats.org/drawingml/2006/main" xmlns:r="http://schemas.openxmlformats.org/officeDocument/2006/relationships" xmlns:p="http://schemas.openxmlformats.org/presentationml/2006/main">
+  <p:cSld>
+    <p:spTree>
+      <p:nvGrpSpPr>
+        <p:cNvPr id="1" name=""/>
+        <p:cNvGrpSpPr/>
+        <p:nvPr/>
+      </p:nvGrpSpPr>
+      <p:grpSpPr>
+        <a:xfrm>
+          <a:off x="0" y="0"/>
+          <a:ext cx="0" cy="0"/>
+          <a:chOff x="0" y="0"/>
+          <a:chExt cx="0" cy="0"/>
+        </a:xfrm>
+      </p:grpSpPr>
+      <p:sp>
+        <p:nvSpPr>
+          <p:cNvPr id="2" name="Title 1"/>
+          <p:cNvSpPr>
+            <a:spLocks noGrp="1"/>
+          </p:cNvSpPr>
+          <p:nvPr>
+            <p:ph type="title"/>
+          </p:nvPr>
+        </p:nvSpPr>
+        <p:spPr/>
+        <p:txBody>
+          <a:bodyPr>
+            <a:normAutofit fontScale="90000"/>
+          </a:bodyPr>
+          <a:lstStyle/>
+          <a:p>
+            <a:r>
+              <a:rPr lang="en-US" b="1">
+                <a:hlinkClick r:id="rId2"/>
+              </a:rPr>
+              <a:t>SQL Queries With PhpMyAdmin (HAVING Clause)-Part:31</a:t>
+            </a:r>
+            <a:endParaRPr lang="en-US"/>
+          </a:p>
+        </p:txBody>
+      </p:sp>
+      <p:sp>
+        <p:nvSpPr>
+          <p:cNvPr id="3" name="Content Placeholder 2"/>
+          <p:cNvSpPr>
+            <a:spLocks noGrp="1"/>
+          </p:cNvSpPr>
+          <p:nvPr>
+            <p:ph idx="1"/>
+          </p:nvPr>
+        </p:nvSpPr>
+        <p:spPr/>
+        <p:txBody>
+          <a:bodyPr/>
+          <a:lstStyle/>
+          <a:p>
+            <a:r>
+              <a:rPr lang="en-US" dirty="0"/>
+              <a:t>SELECT age, COUNT(age)</a:t>
+            </a:r>
+          </a:p>
+          <a:p>
+            <a:r>
+              <a:rPr lang="en-US" dirty="0"/>
+              <a:t>FROM customer</a:t>
+            </a:r>
+          </a:p>
+          <a:p>
+            <a:r>
+              <a:rPr lang="en-US" dirty="0"/>
+              <a:t>GROUP BY age</a:t>
+            </a:r>
+          </a:p>
+          <a:p>
+            <a:r>
+              <a:rPr lang="en-US" dirty="0"/>
+              <a:t>HAVING COUNT(age) &gt;=2; </a:t>
+            </a:r>
+          </a:p>
+          <a:p>
+            <a:endParaRPr lang="en-US" dirty="0"/>
+          </a:p>
+        </p:txBody>
+      </p:sp>
+    </p:spTree>
+    <p:extLst>
+      <p:ext uri="{BB962C8B-B14F-4D97-AF65-F5344CB8AC3E}">
+        <p14:creationId xmlns:p14="http://schemas.microsoft.com/office/powerpoint/2010/main" val="2150355129"/>
+      </p:ext>
+    </p:extLst>
+  </p:cSld>
+  <p:clrMapOvr>
+    <a:masterClrMapping/>
+  </p:clrMapOvr>
+</p:sld>
+</file>
+
+<file path=ppt/slides/slide39.xml><?xml version="1.0" encoding="utf-8"?>
+<p:sld xmlns:a="http://schemas.openxmlformats.org/drawingml/2006/main" xmlns:r="http://schemas.openxmlformats.org/officeDocument/2006/relationships" xmlns:p="http://schemas.openxmlformats.org/presentationml/2006/main">
+  <p:cSld>
+    <p:spTree>
+      <p:nvGrpSpPr>
+        <p:cNvPr id="1" name=""/>
+        <p:cNvGrpSpPr/>
+        <p:nvPr/>
+      </p:nvGrpSpPr>
+      <p:grpSpPr>
+        <a:xfrm>
+          <a:off x="0" y="0"/>
+          <a:ext cx="0" cy="0"/>
+          <a:chOff x="0" y="0"/>
+          <a:chExt cx="0" cy="0"/>
+        </a:xfrm>
+      </p:grpSpPr>
+      <p:sp>
+        <p:nvSpPr>
+          <p:cNvPr id="2" name="Title 1"/>
+          <p:cNvSpPr>
+            <a:spLocks noGrp="1"/>
+          </p:cNvSpPr>
+          <p:nvPr>
+            <p:ph type="title"/>
+          </p:nvPr>
+        </p:nvSpPr>
+        <p:spPr/>
+        <p:txBody>
+          <a:bodyPr>
+            <a:normAutofit fontScale="90000"/>
+          </a:bodyPr>
+          <a:lstStyle/>
+          <a:p>
+            <a:r>
+              <a:rPr lang="en-US" b="1" dirty="0">
+                <a:hlinkClick r:id="rId2"/>
+              </a:rPr>
+              <a:t>SQL Queries With PhpMyAdmin (CREATE VIEW)-Part:32</a:t>
+            </a:r>
+            <a:endParaRPr lang="en-US" dirty="0"/>
+          </a:p>
+        </p:txBody>
+      </p:sp>
+      <p:sp>
+        <p:nvSpPr>
+          <p:cNvPr id="3" name="Content Placeholder 2"/>
+          <p:cNvSpPr>
+            <a:spLocks noGrp="1"/>
+          </p:cNvSpPr>
+          <p:nvPr>
+            <p:ph idx="1"/>
+          </p:nvPr>
+        </p:nvSpPr>
+        <p:spPr/>
+        <p:txBody>
+          <a:bodyPr/>
+          <a:lstStyle/>
+          <a:p>
+            <a:r>
+              <a:rPr lang="en-US" dirty="0"/>
+              <a:t>CREATE VIEW </a:t>
+            </a:r>
+            <a:r>
+              <a:rPr lang="en-US" dirty="0" err="1"/>
+              <a:t>customer_view</a:t>
+            </a:r>
+            <a:r>
+              <a:rPr lang="en-US" dirty="0"/>
+              <a:t> </a:t>
+            </a:r>
+            <a:r>
+              <a:rPr lang="en-US" dirty="0" smtClean="0"/>
+              <a:t>AS</a:t>
+            </a:r>
+          </a:p>
+          <a:p>
+            <a:r>
+              <a:rPr lang="en-US" dirty="0" smtClean="0"/>
+              <a:t>SELECT </a:t>
+            </a:r>
+            <a:r>
+              <a:rPr lang="en-US" dirty="0" err="1"/>
+              <a:t>id,firstName,lastName</a:t>
+            </a:r>
+            <a:endParaRPr lang="en-US" dirty="0"/>
+          </a:p>
+          <a:p>
+            <a:r>
+              <a:rPr lang="en-US" dirty="0" smtClean="0"/>
+              <a:t>FROM </a:t>
+            </a:r>
+            <a:r>
+              <a:rPr lang="en-US" dirty="0"/>
+              <a:t>customer</a:t>
+            </a:r>
+          </a:p>
+          <a:p>
+            <a:r>
+              <a:rPr lang="en-US" dirty="0" smtClean="0"/>
+              <a:t>WHERE </a:t>
+            </a:r>
+            <a:r>
+              <a:rPr lang="en-US" dirty="0" err="1"/>
+              <a:t>firstName</a:t>
+            </a:r>
+            <a:r>
+              <a:rPr lang="en-US" dirty="0"/>
+              <a:t> IS NOT NULL</a:t>
+            </a:r>
+            <a:r>
+              <a:rPr lang="en-US" dirty="0" smtClean="0"/>
+              <a:t>;</a:t>
+            </a:r>
+          </a:p>
+          <a:p>
+            <a:endParaRPr lang="en-US" dirty="0" smtClean="0"/>
+          </a:p>
+          <a:p>
+            <a:r>
+              <a:rPr lang="en-US" dirty="0"/>
+              <a:t>SELECT * FROM </a:t>
+            </a:r>
+            <a:r>
+              <a:rPr lang="en-US" dirty="0" err="1"/>
+              <a:t>customer_view</a:t>
+            </a:r>
+            <a:r>
+              <a:rPr lang="en-US" dirty="0"/>
+              <a:t>;</a:t>
+            </a:r>
+          </a:p>
+        </p:txBody>
+      </p:sp>
+    </p:spTree>
+    <p:extLst>
+      <p:ext uri="{BB962C8B-B14F-4D97-AF65-F5344CB8AC3E}">
+        <p14:creationId xmlns:p14="http://schemas.microsoft.com/office/powerpoint/2010/main" val="409684296"/>
       </p:ext>
     </p:extLst>
   </p:cSld>
@@ -3396,29 +7664,129 @@
         </p:nvSpPr>
         <p:spPr/>
         <p:txBody>
+          <a:bodyPr>
+            <a:normAutofit/>
+          </a:bodyPr>
+          <a:lstStyle/>
+          <a:p>
+            <a:r>
+              <a:rPr lang="en-US" dirty="0" smtClean="0"/>
+              <a:t>For two or more</a:t>
+            </a:r>
+            <a:endParaRPr lang="en-US" dirty="0"/>
+          </a:p>
+        </p:txBody>
+      </p:sp>
+      <p:sp>
+        <p:nvSpPr>
+          <p:cNvPr id="3" name="Content Placeholder 2"/>
+          <p:cNvSpPr>
+            <a:spLocks noGrp="1"/>
+          </p:cNvSpPr>
+          <p:nvPr>
+            <p:ph idx="1"/>
+          </p:nvPr>
+        </p:nvSpPr>
+        <p:spPr/>
+        <p:txBody>
           <a:bodyPr/>
           <a:lstStyle/>
           <a:p>
-            <a:endParaRPr lang="en-US"/>
-          </a:p>
-        </p:txBody>
-      </p:sp>
-      <p:sp>
-        <p:nvSpPr>
-          <p:cNvPr id="3" name="Content Placeholder 2"/>
-          <p:cNvSpPr>
-            <a:spLocks noGrp="1"/>
-          </p:cNvSpPr>
-          <p:nvPr>
-            <p:ph idx="1"/>
-          </p:nvPr>
-        </p:nvSpPr>
-        <p:spPr/>
-        <p:txBody>
-          <a:bodyPr/>
-          <a:lstStyle/>
-          <a:p>
-            <a:endParaRPr lang="en-US"/>
+            <a:r>
+              <a:rPr lang="en-US" dirty="0"/>
+              <a:t>INSERT INTO </a:t>
+            </a:r>
+            <a:r>
+              <a:rPr lang="en-US" dirty="0" smtClean="0"/>
+              <a:t>customer(</a:t>
+            </a:r>
+            <a:r>
+              <a:rPr lang="en-US" dirty="0" err="1" smtClean="0"/>
+              <a:t>firstName</a:t>
+            </a:r>
+            <a:r>
+              <a:rPr lang="en-US" dirty="0"/>
+              <a:t>, </a:t>
+            </a:r>
+            <a:r>
+              <a:rPr lang="en-US" dirty="0" err="1"/>
+              <a:t>lastName</a:t>
+            </a:r>
+            <a:r>
+              <a:rPr lang="en-US" dirty="0"/>
+              <a:t>, address, email, city, division, </a:t>
+            </a:r>
+            <a:r>
+              <a:rPr lang="en-US" dirty="0" err="1"/>
+              <a:t>zipcode</a:t>
+            </a:r>
+            <a:r>
+              <a:rPr lang="en-US" dirty="0"/>
+              <a:t>) VALUES</a:t>
+            </a:r>
+          </a:p>
+          <a:p>
+            <a:r>
+              <a:rPr lang="en-US" dirty="0"/>
+              <a:t>('</a:t>
+            </a:r>
+            <a:r>
+              <a:rPr lang="en-US" dirty="0" err="1"/>
+              <a:t>Delowar</a:t>
+            </a:r>
+            <a:r>
+              <a:rPr lang="en-US" dirty="0"/>
+              <a:t> </a:t>
+            </a:r>
+            <a:r>
+              <a:rPr lang="en-US" dirty="0" err="1"/>
+              <a:t>Jahan</a:t>
+            </a:r>
+            <a:r>
+              <a:rPr lang="en-US" dirty="0"/>
+              <a:t>','</a:t>
+            </a:r>
+            <a:r>
+              <a:rPr lang="en-US" dirty="0" err="1"/>
+              <a:t>Imran','House</a:t>
+            </a:r>
+            <a:r>
+              <a:rPr lang="en-US" dirty="0"/>
+              <a:t> 5, l','imran@gmail.com','Dhaka','Dhaka','1236'),</a:t>
+            </a:r>
+          </a:p>
+          <a:p>
+            <a:r>
+              <a:rPr lang="en-US" dirty="0"/>
+              <a:t>('</a:t>
+            </a:r>
+            <a:r>
+              <a:rPr lang="en-US" dirty="0" err="1"/>
+              <a:t>Delowar</a:t>
+            </a:r>
+            <a:r>
+              <a:rPr lang="en-US" dirty="0"/>
+              <a:t> </a:t>
+            </a:r>
+            <a:r>
+              <a:rPr lang="en-US" dirty="0" err="1"/>
+              <a:t>Jahan</a:t>
+            </a:r>
+            <a:r>
+              <a:rPr lang="en-US" dirty="0"/>
+              <a:t>','</a:t>
+            </a:r>
+            <a:r>
+              <a:rPr lang="en-US" dirty="0" err="1"/>
+              <a:t>Imran','House</a:t>
+            </a:r>
+            <a:r>
+              <a:rPr lang="en-US" dirty="0"/>
+              <a:t> 5, l','imran@gmail.com','Dhaka','Dhaka','1236');</a:t>
+            </a:r>
+          </a:p>
+          <a:p>
+            <a:endParaRPr lang="en-US" dirty="0"/>
           </a:p>
         </p:txBody>
       </p:sp>
@@ -3432,6 +7800,2073 @@
   <p:clrMapOvr>
     <a:masterClrMapping/>
   </p:clrMapOvr>
+  <p:timing>
+    <p:tnLst>
+      <p:par>
+        <p:cTn id="1" dur="indefinite" restart="never" nodeType="tmRoot"/>
+      </p:par>
+    </p:tnLst>
+  </p:timing>
+</p:sld>
+</file>
+
+<file path=ppt/slides/slide40.xml><?xml version="1.0" encoding="utf-8"?>
+<p:sld xmlns:a="http://schemas.openxmlformats.org/drawingml/2006/main" xmlns:r="http://schemas.openxmlformats.org/officeDocument/2006/relationships" xmlns:p="http://schemas.openxmlformats.org/presentationml/2006/main">
+  <p:cSld>
+    <p:spTree>
+      <p:nvGrpSpPr>
+        <p:cNvPr id="1" name=""/>
+        <p:cNvGrpSpPr/>
+        <p:nvPr/>
+      </p:nvGrpSpPr>
+      <p:grpSpPr>
+        <a:xfrm>
+          <a:off x="0" y="0"/>
+          <a:ext cx="0" cy="0"/>
+          <a:chOff x="0" y="0"/>
+          <a:chExt cx="0" cy="0"/>
+        </a:xfrm>
+      </p:grpSpPr>
+      <p:sp>
+        <p:nvSpPr>
+          <p:cNvPr id="2" name="Title 1"/>
+          <p:cNvSpPr>
+            <a:spLocks noGrp="1"/>
+          </p:cNvSpPr>
+          <p:nvPr>
+            <p:ph type="title"/>
+          </p:nvPr>
+        </p:nvSpPr>
+        <p:spPr/>
+        <p:txBody>
+          <a:bodyPr>
+            <a:normAutofit fontScale="90000"/>
+          </a:bodyPr>
+          <a:lstStyle/>
+          <a:p>
+            <a:r>
+              <a:rPr lang="en-US" b="1" dirty="0">
+                <a:hlinkClick r:id="rId2"/>
+              </a:rPr>
+              <a:t>SQL Queries With PhpMyAdmin (Insert Data into a VIEW)-Part:33</a:t>
+            </a:r>
+            <a:endParaRPr lang="en-US" dirty="0"/>
+          </a:p>
+        </p:txBody>
+      </p:sp>
+      <p:sp>
+        <p:nvSpPr>
+          <p:cNvPr id="3" name="Content Placeholder 2"/>
+          <p:cNvSpPr>
+            <a:spLocks noGrp="1"/>
+          </p:cNvSpPr>
+          <p:nvPr>
+            <p:ph idx="1"/>
+          </p:nvPr>
+        </p:nvSpPr>
+        <p:spPr/>
+        <p:txBody>
+          <a:bodyPr/>
+          <a:lstStyle/>
+          <a:p>
+            <a:r>
+              <a:rPr lang="en-US" dirty="0"/>
+              <a:t>INSERT INTO </a:t>
+            </a:r>
+            <a:r>
+              <a:rPr lang="en-US" dirty="0" err="1"/>
+              <a:t>customer_view</a:t>
+            </a:r>
+            <a:endParaRPr lang="en-US" dirty="0"/>
+          </a:p>
+          <a:p>
+            <a:r>
+              <a:rPr lang="en-US" dirty="0"/>
+              <a:t>VALUES('10', '</a:t>
+            </a:r>
+            <a:r>
+              <a:rPr lang="en-US" dirty="0" err="1"/>
+              <a:t>Healal</a:t>
+            </a:r>
+            <a:r>
+              <a:rPr lang="en-US" dirty="0"/>
+              <a:t>', 'Khan</a:t>
+            </a:r>
+            <a:r>
+              <a:rPr lang="en-US" dirty="0" smtClean="0"/>
+              <a:t>');</a:t>
+            </a:r>
+          </a:p>
+          <a:p>
+            <a:endParaRPr lang="en-US" dirty="0" smtClean="0"/>
+          </a:p>
+          <a:p>
+            <a:r>
+              <a:rPr lang="en-US" dirty="0"/>
+              <a:t>SELECT * FROM </a:t>
+            </a:r>
+            <a:r>
+              <a:rPr lang="en-US" dirty="0" err="1"/>
+              <a:t>customer_view</a:t>
+            </a:r>
+            <a:r>
+              <a:rPr lang="en-US" dirty="0" smtClean="0"/>
+              <a:t>;</a:t>
+            </a:r>
+          </a:p>
+          <a:p>
+            <a:endParaRPr lang="en-US" dirty="0"/>
+          </a:p>
+          <a:p>
+            <a:r>
+              <a:rPr lang="en-US" dirty="0"/>
+              <a:t>INSERT INTO </a:t>
+            </a:r>
+            <a:r>
+              <a:rPr lang="en-US" dirty="0" err="1"/>
+              <a:t>customer_view</a:t>
+            </a:r>
+            <a:endParaRPr lang="en-US" dirty="0"/>
+          </a:p>
+          <a:p>
+            <a:r>
+              <a:rPr lang="en-US" dirty="0"/>
+              <a:t>VALUES('11', NULL, 'Khan');</a:t>
+            </a:r>
+          </a:p>
+          <a:p>
+            <a:endParaRPr lang="en-US" dirty="0"/>
+          </a:p>
+        </p:txBody>
+      </p:sp>
+    </p:spTree>
+    <p:extLst>
+      <p:ext uri="{BB962C8B-B14F-4D97-AF65-F5344CB8AC3E}">
+        <p14:creationId xmlns:p14="http://schemas.microsoft.com/office/powerpoint/2010/main" val="3558437268"/>
+      </p:ext>
+    </p:extLst>
+  </p:cSld>
+  <p:clrMapOvr>
+    <a:masterClrMapping/>
+  </p:clrMapOvr>
+</p:sld>
+</file>
+
+<file path=ppt/slides/slide41.xml><?xml version="1.0" encoding="utf-8"?>
+<p:sld xmlns:a="http://schemas.openxmlformats.org/drawingml/2006/main" xmlns:r="http://schemas.openxmlformats.org/officeDocument/2006/relationships" xmlns:p="http://schemas.openxmlformats.org/presentationml/2006/main">
+  <p:cSld>
+    <p:spTree>
+      <p:nvGrpSpPr>
+        <p:cNvPr id="1" name=""/>
+        <p:cNvGrpSpPr/>
+        <p:nvPr/>
+      </p:nvGrpSpPr>
+      <p:grpSpPr>
+        <a:xfrm>
+          <a:off x="0" y="0"/>
+          <a:ext cx="0" cy="0"/>
+          <a:chOff x="0" y="0"/>
+          <a:chExt cx="0" cy="0"/>
+        </a:xfrm>
+      </p:grpSpPr>
+      <p:sp>
+        <p:nvSpPr>
+          <p:cNvPr id="2" name="Title 1"/>
+          <p:cNvSpPr>
+            <a:spLocks noGrp="1"/>
+          </p:cNvSpPr>
+          <p:nvPr>
+            <p:ph type="title"/>
+          </p:nvPr>
+        </p:nvSpPr>
+        <p:spPr/>
+        <p:txBody>
+          <a:bodyPr>
+            <a:normAutofit fontScale="90000"/>
+          </a:bodyPr>
+          <a:lstStyle/>
+          <a:p>
+            <a:r>
+              <a:rPr lang="en-US" b="1" dirty="0">
+                <a:hlinkClick r:id="rId2"/>
+              </a:rPr>
+              <a:t>SQL Queries With PhpMyAdmin (Insert Data into a VIEW)-Part:33</a:t>
+            </a:r>
+            <a:endParaRPr lang="en-US" dirty="0"/>
+          </a:p>
+        </p:txBody>
+      </p:sp>
+      <p:sp>
+        <p:nvSpPr>
+          <p:cNvPr id="3" name="Content Placeholder 2"/>
+          <p:cNvSpPr>
+            <a:spLocks noGrp="1"/>
+          </p:cNvSpPr>
+          <p:nvPr>
+            <p:ph idx="1"/>
+          </p:nvPr>
+        </p:nvSpPr>
+        <p:spPr/>
+        <p:txBody>
+          <a:bodyPr/>
+          <a:lstStyle/>
+          <a:p>
+            <a:r>
+              <a:rPr lang="en-US" dirty="0"/>
+              <a:t>SELECT * FROM </a:t>
+            </a:r>
+            <a:r>
+              <a:rPr lang="en-US" dirty="0" err="1"/>
+              <a:t>customer_view</a:t>
+            </a:r>
+            <a:r>
+              <a:rPr lang="en-US" dirty="0"/>
+              <a:t>;</a:t>
+            </a:r>
+          </a:p>
+          <a:p>
+            <a:endParaRPr lang="en-US" dirty="0" smtClean="0"/>
+          </a:p>
+          <a:p>
+            <a:r>
+              <a:rPr lang="en-US" dirty="0" smtClean="0"/>
+              <a:t>INSERT </a:t>
+            </a:r>
+            <a:r>
+              <a:rPr lang="en-US" dirty="0"/>
+              <a:t>INTO </a:t>
+            </a:r>
+            <a:r>
+              <a:rPr lang="en-US" dirty="0" err="1"/>
+              <a:t>customer_view</a:t>
+            </a:r>
+            <a:endParaRPr lang="en-US" dirty="0"/>
+          </a:p>
+          <a:p>
+            <a:r>
+              <a:rPr lang="en-US" dirty="0"/>
+              <a:t>VALUES('12', '</a:t>
+            </a:r>
+            <a:r>
+              <a:rPr lang="en-US" dirty="0" err="1"/>
+              <a:t>Jabed</a:t>
+            </a:r>
+            <a:r>
+              <a:rPr lang="en-US" dirty="0"/>
+              <a:t>', NULL</a:t>
+            </a:r>
+            <a:r>
+              <a:rPr lang="en-US" dirty="0" smtClean="0"/>
+              <a:t>);</a:t>
+            </a:r>
+          </a:p>
+          <a:p>
+            <a:endParaRPr lang="en-US" dirty="0"/>
+          </a:p>
+          <a:p>
+            <a:r>
+              <a:rPr lang="en-US" dirty="0"/>
+              <a:t>SELECT * FROM </a:t>
+            </a:r>
+            <a:r>
+              <a:rPr lang="en-US" dirty="0" err="1"/>
+              <a:t>customer_view</a:t>
+            </a:r>
+            <a:r>
+              <a:rPr lang="en-US" dirty="0" smtClean="0"/>
+              <a:t>;</a:t>
+            </a:r>
+            <a:endParaRPr lang="en-US" dirty="0"/>
+          </a:p>
+          <a:p>
+            <a:endParaRPr lang="en-US" dirty="0"/>
+          </a:p>
+        </p:txBody>
+      </p:sp>
+    </p:spTree>
+    <p:extLst>
+      <p:ext uri="{BB962C8B-B14F-4D97-AF65-F5344CB8AC3E}">
+        <p14:creationId xmlns:p14="http://schemas.microsoft.com/office/powerpoint/2010/main" val="2820137068"/>
+      </p:ext>
+    </p:extLst>
+  </p:cSld>
+  <p:clrMapOvr>
+    <a:masterClrMapping/>
+  </p:clrMapOvr>
+</p:sld>
+</file>
+
+<file path=ppt/slides/slide42.xml><?xml version="1.0" encoding="utf-8"?>
+<p:sld xmlns:a="http://schemas.openxmlformats.org/drawingml/2006/main" xmlns:r="http://schemas.openxmlformats.org/officeDocument/2006/relationships" xmlns:p="http://schemas.openxmlformats.org/presentationml/2006/main">
+  <p:cSld>
+    <p:spTree>
+      <p:nvGrpSpPr>
+        <p:cNvPr id="1" name=""/>
+        <p:cNvGrpSpPr/>
+        <p:nvPr/>
+      </p:nvGrpSpPr>
+      <p:grpSpPr>
+        <a:xfrm>
+          <a:off x="0" y="0"/>
+          <a:ext cx="0" cy="0"/>
+          <a:chOff x="0" y="0"/>
+          <a:chExt cx="0" cy="0"/>
+        </a:xfrm>
+      </p:grpSpPr>
+      <p:sp>
+        <p:nvSpPr>
+          <p:cNvPr id="2" name="Title 1"/>
+          <p:cNvSpPr>
+            <a:spLocks noGrp="1"/>
+          </p:cNvSpPr>
+          <p:nvPr>
+            <p:ph type="title"/>
+          </p:nvPr>
+        </p:nvSpPr>
+        <p:spPr/>
+        <p:txBody>
+          <a:bodyPr>
+            <a:normAutofit fontScale="90000"/>
+          </a:bodyPr>
+          <a:lstStyle/>
+          <a:p>
+            <a:r>
+              <a:rPr lang="en-US" b="1" dirty="0">
+                <a:hlinkClick r:id="rId2"/>
+              </a:rPr>
+              <a:t>SQL Queries With PhpMyAdmin (WITH CHECK OPTION)-Part:34</a:t>
+            </a:r>
+            <a:endParaRPr lang="en-US" dirty="0"/>
+          </a:p>
+        </p:txBody>
+      </p:sp>
+      <p:sp>
+        <p:nvSpPr>
+          <p:cNvPr id="3" name="Content Placeholder 2"/>
+          <p:cNvSpPr>
+            <a:spLocks noGrp="1"/>
+          </p:cNvSpPr>
+          <p:nvPr>
+            <p:ph idx="1"/>
+          </p:nvPr>
+        </p:nvSpPr>
+        <p:spPr/>
+        <p:txBody>
+          <a:bodyPr/>
+          <a:lstStyle/>
+          <a:p>
+            <a:r>
+              <a:rPr lang="en-US" dirty="0"/>
+              <a:t>CREATE VIEW </a:t>
+            </a:r>
+            <a:r>
+              <a:rPr lang="en-US" dirty="0" err="1"/>
+              <a:t>customer_view_new</a:t>
+            </a:r>
+            <a:r>
+              <a:rPr lang="en-US" dirty="0"/>
+              <a:t> AS</a:t>
+            </a:r>
+          </a:p>
+          <a:p>
+            <a:r>
+              <a:rPr lang="en-US" dirty="0"/>
+              <a:t>SELECT </a:t>
+            </a:r>
+            <a:r>
+              <a:rPr lang="en-US" dirty="0" err="1"/>
+              <a:t>id,firstName,lastName</a:t>
+            </a:r>
+            <a:endParaRPr lang="en-US" dirty="0"/>
+          </a:p>
+          <a:p>
+            <a:r>
+              <a:rPr lang="en-US" dirty="0"/>
+              <a:t>FROM customer</a:t>
+            </a:r>
+          </a:p>
+          <a:p>
+            <a:r>
+              <a:rPr lang="en-US" dirty="0"/>
+              <a:t>WHERE </a:t>
+            </a:r>
+            <a:r>
+              <a:rPr lang="en-US" dirty="0" err="1"/>
+              <a:t>firstName</a:t>
+            </a:r>
+            <a:r>
+              <a:rPr lang="en-US" dirty="0"/>
+              <a:t> IS NOT NULL</a:t>
+            </a:r>
+          </a:p>
+          <a:p>
+            <a:r>
+              <a:rPr lang="en-US" dirty="0"/>
+              <a:t>WITH CHECK OPTION;</a:t>
+            </a:r>
+          </a:p>
+        </p:txBody>
+      </p:sp>
+    </p:spTree>
+    <p:extLst>
+      <p:ext uri="{BB962C8B-B14F-4D97-AF65-F5344CB8AC3E}">
+        <p14:creationId xmlns:p14="http://schemas.microsoft.com/office/powerpoint/2010/main" val="2265400482"/>
+      </p:ext>
+    </p:extLst>
+  </p:cSld>
+  <p:clrMapOvr>
+    <a:masterClrMapping/>
+  </p:clrMapOvr>
+</p:sld>
+</file>
+
+<file path=ppt/slides/slide43.xml><?xml version="1.0" encoding="utf-8"?>
+<p:sld xmlns:a="http://schemas.openxmlformats.org/drawingml/2006/main" xmlns:r="http://schemas.openxmlformats.org/officeDocument/2006/relationships" xmlns:p="http://schemas.openxmlformats.org/presentationml/2006/main">
+  <p:cSld>
+    <p:spTree>
+      <p:nvGrpSpPr>
+        <p:cNvPr id="1" name=""/>
+        <p:cNvGrpSpPr/>
+        <p:nvPr/>
+      </p:nvGrpSpPr>
+      <p:grpSpPr>
+        <a:xfrm>
+          <a:off x="0" y="0"/>
+          <a:ext cx="0" cy="0"/>
+          <a:chOff x="0" y="0"/>
+          <a:chExt cx="0" cy="0"/>
+        </a:xfrm>
+      </p:grpSpPr>
+      <p:sp>
+        <p:nvSpPr>
+          <p:cNvPr id="2" name="Title 1"/>
+          <p:cNvSpPr>
+            <a:spLocks noGrp="1"/>
+          </p:cNvSpPr>
+          <p:nvPr>
+            <p:ph type="title"/>
+          </p:nvPr>
+        </p:nvSpPr>
+        <p:spPr/>
+        <p:txBody>
+          <a:bodyPr>
+            <a:normAutofit fontScale="90000"/>
+          </a:bodyPr>
+          <a:lstStyle/>
+          <a:p>
+            <a:r>
+              <a:rPr lang="en-US" b="1" dirty="0">
+                <a:hlinkClick r:id="rId2"/>
+              </a:rPr>
+              <a:t>SQL Queries With PhpMyAdmin (WITH CHECK OPTION)-Part:34</a:t>
+            </a:r>
+            <a:endParaRPr lang="en-US" dirty="0"/>
+          </a:p>
+        </p:txBody>
+      </p:sp>
+      <p:sp>
+        <p:nvSpPr>
+          <p:cNvPr id="3" name="Content Placeholder 2"/>
+          <p:cNvSpPr>
+            <a:spLocks noGrp="1"/>
+          </p:cNvSpPr>
+          <p:nvPr>
+            <p:ph idx="1"/>
+          </p:nvPr>
+        </p:nvSpPr>
+        <p:spPr/>
+        <p:txBody>
+          <a:bodyPr/>
+          <a:lstStyle/>
+          <a:p>
+            <a:r>
+              <a:rPr lang="en-US" dirty="0"/>
+              <a:t>INNER INTO </a:t>
+            </a:r>
+            <a:r>
+              <a:rPr lang="en-US" dirty="0" err="1"/>
+              <a:t>customer_view_new</a:t>
+            </a:r>
+            <a:endParaRPr lang="en-US" dirty="0"/>
+          </a:p>
+          <a:p>
+            <a:r>
+              <a:rPr lang="en-US" dirty="0"/>
+              <a:t>VALUES('13', NULL, 'Amin</a:t>
+            </a:r>
+            <a:r>
+              <a:rPr lang="en-US" dirty="0" smtClean="0"/>
+              <a:t>');</a:t>
+            </a:r>
+          </a:p>
+          <a:p>
+            <a:endParaRPr lang="en-US" dirty="0"/>
+          </a:p>
+          <a:p>
+            <a:r>
+              <a:rPr lang="en-US" dirty="0"/>
+              <a:t>INSERT INTO </a:t>
+            </a:r>
+            <a:r>
+              <a:rPr lang="en-US" dirty="0" err="1"/>
+              <a:t>customer_view_new</a:t>
+            </a:r>
+            <a:endParaRPr lang="en-US" dirty="0"/>
+          </a:p>
+          <a:p>
+            <a:r>
+              <a:rPr lang="en-US" dirty="0"/>
+              <a:t>VALUES('13', 'Al', 'Amin');</a:t>
+            </a:r>
+          </a:p>
+        </p:txBody>
+      </p:sp>
+    </p:spTree>
+    <p:extLst>
+      <p:ext uri="{BB962C8B-B14F-4D97-AF65-F5344CB8AC3E}">
+        <p14:creationId xmlns:p14="http://schemas.microsoft.com/office/powerpoint/2010/main" val="1616576953"/>
+      </p:ext>
+    </p:extLst>
+  </p:cSld>
+  <p:clrMapOvr>
+    <a:masterClrMapping/>
+  </p:clrMapOvr>
+</p:sld>
+</file>
+
+<file path=ppt/slides/slide44.xml><?xml version="1.0" encoding="utf-8"?>
+<p:sld xmlns:a="http://schemas.openxmlformats.org/drawingml/2006/main" xmlns:r="http://schemas.openxmlformats.org/officeDocument/2006/relationships" xmlns:p="http://schemas.openxmlformats.org/presentationml/2006/main">
+  <p:cSld>
+    <p:spTree>
+      <p:nvGrpSpPr>
+        <p:cNvPr id="1" name=""/>
+        <p:cNvGrpSpPr/>
+        <p:nvPr/>
+      </p:nvGrpSpPr>
+      <p:grpSpPr>
+        <a:xfrm>
+          <a:off x="0" y="0"/>
+          <a:ext cx="0" cy="0"/>
+          <a:chOff x="0" y="0"/>
+          <a:chExt cx="0" cy="0"/>
+        </a:xfrm>
+      </p:grpSpPr>
+      <p:sp>
+        <p:nvSpPr>
+          <p:cNvPr id="2" name="Title 1"/>
+          <p:cNvSpPr>
+            <a:spLocks noGrp="1"/>
+          </p:cNvSpPr>
+          <p:nvPr>
+            <p:ph type="title"/>
+          </p:nvPr>
+        </p:nvSpPr>
+        <p:spPr/>
+        <p:txBody>
+          <a:bodyPr>
+            <a:normAutofit fontScale="90000"/>
+          </a:bodyPr>
+          <a:lstStyle/>
+          <a:p>
+            <a:r>
+              <a:rPr lang="en-US" b="1" dirty="0">
+                <a:hlinkClick r:id="rId2"/>
+              </a:rPr>
+              <a:t>SQL Queries With PhpMyAdmin (UPDATE, DELETE, DROP VIEW)-Part:35</a:t>
+            </a:r>
+            <a:endParaRPr lang="en-US" dirty="0"/>
+          </a:p>
+        </p:txBody>
+      </p:sp>
+      <p:sp>
+        <p:nvSpPr>
+          <p:cNvPr id="3" name="Content Placeholder 2"/>
+          <p:cNvSpPr>
+            <a:spLocks noGrp="1"/>
+          </p:cNvSpPr>
+          <p:nvPr>
+            <p:ph idx="1"/>
+          </p:nvPr>
+        </p:nvSpPr>
+        <p:spPr/>
+        <p:txBody>
+          <a:bodyPr>
+            <a:normAutofit fontScale="92500" lnSpcReduction="20000"/>
+          </a:bodyPr>
+          <a:lstStyle/>
+          <a:p>
+            <a:r>
+              <a:rPr lang="en-US" dirty="0"/>
+              <a:t>UPDATE </a:t>
+            </a:r>
+            <a:r>
+              <a:rPr lang="en-US" dirty="0" err="1"/>
+              <a:t>customer_view</a:t>
+            </a:r>
+            <a:endParaRPr lang="en-US" dirty="0"/>
+          </a:p>
+          <a:p>
+            <a:r>
+              <a:rPr lang="en-US" dirty="0"/>
+              <a:t> SET </a:t>
+            </a:r>
+            <a:r>
+              <a:rPr lang="en-US" dirty="0" err="1"/>
+              <a:t>firstName</a:t>
+            </a:r>
+            <a:r>
+              <a:rPr lang="en-US" dirty="0"/>
+              <a:t> = 'Kamal'</a:t>
+            </a:r>
+          </a:p>
+          <a:p>
+            <a:r>
+              <a:rPr lang="en-US" dirty="0"/>
+              <a:t>  WHERE id = 10</a:t>
+            </a:r>
+            <a:r>
+              <a:rPr lang="en-US" dirty="0" smtClean="0"/>
+              <a:t>;</a:t>
+            </a:r>
+          </a:p>
+          <a:p>
+            <a:endParaRPr lang="en-US" dirty="0"/>
+          </a:p>
+          <a:p>
+            <a:r>
+              <a:rPr lang="en-US" dirty="0"/>
+              <a:t>DELETE FROM </a:t>
+            </a:r>
+            <a:r>
+              <a:rPr lang="en-US" dirty="0" err="1"/>
+              <a:t>customer_view</a:t>
+            </a:r>
+            <a:endParaRPr lang="en-US" dirty="0"/>
+          </a:p>
+          <a:p>
+            <a:r>
+              <a:rPr lang="en-US" dirty="0"/>
+              <a:t>WHERE id = 13</a:t>
+            </a:r>
+            <a:r>
+              <a:rPr lang="en-US" dirty="0" smtClean="0"/>
+              <a:t>;</a:t>
+            </a:r>
+          </a:p>
+          <a:p>
+            <a:endParaRPr lang="en-US" dirty="0"/>
+          </a:p>
+          <a:p>
+            <a:r>
+              <a:rPr lang="en-US" dirty="0"/>
+              <a:t>DROP VIEW </a:t>
+            </a:r>
+            <a:r>
+              <a:rPr lang="en-US" dirty="0" err="1"/>
+              <a:t>customer_view_new</a:t>
+            </a:r>
+            <a:r>
+              <a:rPr lang="en-US" dirty="0" smtClean="0"/>
+              <a:t>;</a:t>
+            </a:r>
+          </a:p>
+          <a:p>
+            <a:r>
+              <a:rPr lang="en-US" dirty="0"/>
+              <a:t>DROP VIEW </a:t>
+            </a:r>
+            <a:r>
+              <a:rPr lang="en-US" dirty="0" err="1"/>
+              <a:t>customer_view</a:t>
+            </a:r>
+            <a:r>
+              <a:rPr lang="en-US" dirty="0"/>
+              <a:t>;</a:t>
+            </a:r>
+          </a:p>
+        </p:txBody>
+      </p:sp>
+    </p:spTree>
+    <p:extLst>
+      <p:ext uri="{BB962C8B-B14F-4D97-AF65-F5344CB8AC3E}">
+        <p14:creationId xmlns:p14="http://schemas.microsoft.com/office/powerpoint/2010/main" val="2865376395"/>
+      </p:ext>
+    </p:extLst>
+  </p:cSld>
+  <p:clrMapOvr>
+    <a:masterClrMapping/>
+  </p:clrMapOvr>
+</p:sld>
+</file>
+
+<file path=ppt/slides/slide45.xml><?xml version="1.0" encoding="utf-8"?>
+<p:sld xmlns:a="http://schemas.openxmlformats.org/drawingml/2006/main" xmlns:r="http://schemas.openxmlformats.org/officeDocument/2006/relationships" xmlns:p="http://schemas.openxmlformats.org/presentationml/2006/main">
+  <p:cSld>
+    <p:spTree>
+      <p:nvGrpSpPr>
+        <p:cNvPr id="1" name=""/>
+        <p:cNvGrpSpPr/>
+        <p:nvPr/>
+      </p:nvGrpSpPr>
+      <p:grpSpPr>
+        <a:xfrm>
+          <a:off x="0" y="0"/>
+          <a:ext cx="0" cy="0"/>
+          <a:chOff x="0" y="0"/>
+          <a:chExt cx="0" cy="0"/>
+        </a:xfrm>
+      </p:grpSpPr>
+      <p:sp>
+        <p:nvSpPr>
+          <p:cNvPr id="2" name="Title 1"/>
+          <p:cNvSpPr>
+            <a:spLocks noGrp="1"/>
+          </p:cNvSpPr>
+          <p:nvPr>
+            <p:ph type="title"/>
+          </p:nvPr>
+        </p:nvSpPr>
+        <p:spPr/>
+        <p:txBody>
+          <a:bodyPr>
+            <a:normAutofit fontScale="90000"/>
+          </a:bodyPr>
+          <a:lstStyle/>
+          <a:p>
+            <a:r>
+              <a:rPr lang="en-US" b="1" dirty="0">
+                <a:hlinkClick r:id="rId2"/>
+              </a:rPr>
+              <a:t>SQL Queries With PhpMyAdmin (UCASE &amp; LCASE Functions)-Part:36</a:t>
+            </a:r>
+            <a:endParaRPr lang="en-US" dirty="0"/>
+          </a:p>
+        </p:txBody>
+      </p:sp>
+      <p:sp>
+        <p:nvSpPr>
+          <p:cNvPr id="3" name="Content Placeholder 2"/>
+          <p:cNvSpPr>
+            <a:spLocks noGrp="1"/>
+          </p:cNvSpPr>
+          <p:nvPr>
+            <p:ph idx="1"/>
+          </p:nvPr>
+        </p:nvSpPr>
+        <p:spPr/>
+        <p:txBody>
+          <a:bodyPr/>
+          <a:lstStyle/>
+          <a:p>
+            <a:r>
+              <a:rPr lang="en-US" dirty="0"/>
+              <a:t>SELECT UCASE(</a:t>
+            </a:r>
+            <a:r>
+              <a:rPr lang="en-US" dirty="0" err="1"/>
+              <a:t>firstName</a:t>
+            </a:r>
+            <a:r>
+              <a:rPr lang="en-US" dirty="0"/>
+              <a:t>) FROM customer</a:t>
+            </a:r>
+            <a:r>
+              <a:rPr lang="en-US" dirty="0" smtClean="0"/>
+              <a:t>;</a:t>
+            </a:r>
+          </a:p>
+          <a:p>
+            <a:r>
+              <a:rPr lang="en-US" dirty="0"/>
+              <a:t>SELECT UCASE(</a:t>
+            </a:r>
+            <a:r>
+              <a:rPr lang="en-US" dirty="0" err="1"/>
+              <a:t>firstName</a:t>
+            </a:r>
+            <a:r>
+              <a:rPr lang="en-US" dirty="0"/>
+              <a:t>), </a:t>
+            </a:r>
+            <a:r>
+              <a:rPr lang="en-US" dirty="0" err="1"/>
+              <a:t>lastName</a:t>
+            </a:r>
+            <a:r>
+              <a:rPr lang="en-US" dirty="0"/>
+              <a:t> FROM customer</a:t>
+            </a:r>
+            <a:r>
+              <a:rPr lang="en-US" dirty="0" smtClean="0"/>
+              <a:t>;</a:t>
+            </a:r>
+          </a:p>
+          <a:p>
+            <a:r>
+              <a:rPr lang="en-US" dirty="0"/>
+              <a:t>SELECT LCASE(</a:t>
+            </a:r>
+            <a:r>
+              <a:rPr lang="en-US" dirty="0" err="1"/>
+              <a:t>firstName</a:t>
+            </a:r>
+            <a:r>
+              <a:rPr lang="en-US" dirty="0"/>
+              <a:t>), UCASE(</a:t>
+            </a:r>
+            <a:r>
+              <a:rPr lang="en-US" dirty="0" err="1"/>
+              <a:t>lastName</a:t>
+            </a:r>
+            <a:r>
+              <a:rPr lang="en-US" dirty="0"/>
+              <a:t>), address FROM customer;</a:t>
+            </a:r>
+          </a:p>
+        </p:txBody>
+      </p:sp>
+    </p:spTree>
+    <p:extLst>
+      <p:ext uri="{BB962C8B-B14F-4D97-AF65-F5344CB8AC3E}">
+        <p14:creationId xmlns:p14="http://schemas.microsoft.com/office/powerpoint/2010/main" val="4092593148"/>
+      </p:ext>
+    </p:extLst>
+  </p:cSld>
+  <p:clrMapOvr>
+    <a:masterClrMapping/>
+  </p:clrMapOvr>
+</p:sld>
+</file>
+
+<file path=ppt/slides/slide46.xml><?xml version="1.0" encoding="utf-8"?>
+<p:sld xmlns:a="http://schemas.openxmlformats.org/drawingml/2006/main" xmlns:r="http://schemas.openxmlformats.org/officeDocument/2006/relationships" xmlns:p="http://schemas.openxmlformats.org/presentationml/2006/main">
+  <p:cSld>
+    <p:spTree>
+      <p:nvGrpSpPr>
+        <p:cNvPr id="1" name=""/>
+        <p:cNvGrpSpPr/>
+        <p:nvPr/>
+      </p:nvGrpSpPr>
+      <p:grpSpPr>
+        <a:xfrm>
+          <a:off x="0" y="0"/>
+          <a:ext cx="0" cy="0"/>
+          <a:chOff x="0" y="0"/>
+          <a:chExt cx="0" cy="0"/>
+        </a:xfrm>
+      </p:grpSpPr>
+      <p:sp>
+        <p:nvSpPr>
+          <p:cNvPr id="2" name="Title 1"/>
+          <p:cNvSpPr>
+            <a:spLocks noGrp="1"/>
+          </p:cNvSpPr>
+          <p:nvPr>
+            <p:ph type="title"/>
+          </p:nvPr>
+        </p:nvSpPr>
+        <p:spPr/>
+        <p:txBody>
+          <a:bodyPr>
+            <a:normAutofit fontScale="90000"/>
+          </a:bodyPr>
+          <a:lstStyle/>
+          <a:p>
+            <a:r>
+              <a:rPr lang="en-US" b="1" dirty="0">
+                <a:hlinkClick r:id="rId2"/>
+              </a:rPr>
+              <a:t>SQL Queries With PhpMyAdmin (MID, LENGTH, ROUND Functions)-Part:37</a:t>
+            </a:r>
+            <a:endParaRPr lang="en-US" dirty="0"/>
+          </a:p>
+        </p:txBody>
+      </p:sp>
+      <p:sp>
+        <p:nvSpPr>
+          <p:cNvPr id="3" name="Content Placeholder 2"/>
+          <p:cNvSpPr>
+            <a:spLocks noGrp="1"/>
+          </p:cNvSpPr>
+          <p:nvPr>
+            <p:ph idx="1"/>
+          </p:nvPr>
+        </p:nvSpPr>
+        <p:spPr/>
+        <p:txBody>
+          <a:bodyPr/>
+          <a:lstStyle/>
+          <a:p>
+            <a:r>
+              <a:rPr lang="en-US" dirty="0"/>
+              <a:t>SELECT MID(city, 1, 3) AS </a:t>
+            </a:r>
+            <a:r>
+              <a:rPr lang="en-US" dirty="0" err="1"/>
+              <a:t>ShortCity</a:t>
+            </a:r>
+            <a:endParaRPr lang="en-US" dirty="0"/>
+          </a:p>
+          <a:p>
+            <a:r>
+              <a:rPr lang="en-US" dirty="0"/>
+              <a:t>FROM customer</a:t>
+            </a:r>
+            <a:r>
+              <a:rPr lang="en-US" dirty="0" smtClean="0"/>
+              <a:t>;</a:t>
+            </a:r>
+          </a:p>
+          <a:p>
+            <a:endParaRPr lang="en-US" dirty="0" smtClean="0"/>
+          </a:p>
+          <a:p>
+            <a:r>
+              <a:rPr lang="en-US" dirty="0"/>
+              <a:t>SELECT </a:t>
+            </a:r>
+            <a:r>
+              <a:rPr lang="en-US" dirty="0" err="1"/>
+              <a:t>firstName</a:t>
+            </a:r>
+            <a:r>
+              <a:rPr lang="en-US" dirty="0"/>
+              <a:t>, LENGTH(address) AS </a:t>
+            </a:r>
+            <a:r>
+              <a:rPr lang="en-US" dirty="0" err="1"/>
+              <a:t>LengthofAddress</a:t>
+            </a:r>
+            <a:endParaRPr lang="en-US" dirty="0"/>
+          </a:p>
+          <a:p>
+            <a:r>
+              <a:rPr lang="en-US" dirty="0"/>
+              <a:t>FROM customer;</a:t>
+            </a:r>
+          </a:p>
+        </p:txBody>
+      </p:sp>
+    </p:spTree>
+    <p:extLst>
+      <p:ext uri="{BB962C8B-B14F-4D97-AF65-F5344CB8AC3E}">
+        <p14:creationId xmlns:p14="http://schemas.microsoft.com/office/powerpoint/2010/main" val="3085086377"/>
+      </p:ext>
+    </p:extLst>
+  </p:cSld>
+  <p:clrMapOvr>
+    <a:masterClrMapping/>
+  </p:clrMapOvr>
+</p:sld>
+</file>
+
+<file path=ppt/slides/slide47.xml><?xml version="1.0" encoding="utf-8"?>
+<p:sld xmlns:a="http://schemas.openxmlformats.org/drawingml/2006/main" xmlns:r="http://schemas.openxmlformats.org/officeDocument/2006/relationships" xmlns:p="http://schemas.openxmlformats.org/presentationml/2006/main">
+  <p:cSld>
+    <p:spTree>
+      <p:nvGrpSpPr>
+        <p:cNvPr id="1" name=""/>
+        <p:cNvGrpSpPr/>
+        <p:nvPr/>
+      </p:nvGrpSpPr>
+      <p:grpSpPr>
+        <a:xfrm>
+          <a:off x="0" y="0"/>
+          <a:ext cx="0" cy="0"/>
+          <a:chOff x="0" y="0"/>
+          <a:chExt cx="0" cy="0"/>
+        </a:xfrm>
+      </p:grpSpPr>
+      <p:sp>
+        <p:nvSpPr>
+          <p:cNvPr id="2" name="Title 1"/>
+          <p:cNvSpPr>
+            <a:spLocks noGrp="1"/>
+          </p:cNvSpPr>
+          <p:nvPr>
+            <p:ph type="title"/>
+          </p:nvPr>
+        </p:nvSpPr>
+        <p:spPr/>
+        <p:txBody>
+          <a:bodyPr>
+            <a:normAutofit fontScale="90000"/>
+          </a:bodyPr>
+          <a:lstStyle/>
+          <a:p>
+            <a:r>
+              <a:rPr lang="en-US" b="1" dirty="0">
+                <a:hlinkClick r:id="rId2"/>
+              </a:rPr>
+              <a:t>SQL Queries With PhpMyAdmin (MID, LENGTH, ROUND Functions)-Part:37</a:t>
+            </a:r>
+            <a:endParaRPr lang="en-US" dirty="0"/>
+          </a:p>
+        </p:txBody>
+      </p:sp>
+      <p:sp>
+        <p:nvSpPr>
+          <p:cNvPr id="3" name="Content Placeholder 2"/>
+          <p:cNvSpPr>
+            <a:spLocks noGrp="1"/>
+          </p:cNvSpPr>
+          <p:nvPr>
+            <p:ph idx="1"/>
+          </p:nvPr>
+        </p:nvSpPr>
+        <p:spPr/>
+        <p:txBody>
+          <a:bodyPr/>
+          <a:lstStyle/>
+          <a:p>
+            <a:r>
+              <a:rPr lang="en-US" dirty="0"/>
+              <a:t>SELECT </a:t>
+            </a:r>
+            <a:r>
+              <a:rPr lang="en-US" dirty="0" err="1"/>
+              <a:t>firstName</a:t>
+            </a:r>
+            <a:r>
+              <a:rPr lang="en-US" dirty="0"/>
+              <a:t>, ROUND(salary,0)</a:t>
+            </a:r>
+          </a:p>
+          <a:p>
+            <a:r>
+              <a:rPr lang="en-US" dirty="0"/>
+              <a:t>FROM customer</a:t>
+            </a:r>
+            <a:r>
+              <a:rPr lang="en-US" dirty="0" smtClean="0"/>
+              <a:t>;</a:t>
+            </a:r>
+          </a:p>
+          <a:p>
+            <a:endParaRPr lang="en-US" dirty="0"/>
+          </a:p>
+          <a:p>
+            <a:r>
+              <a:rPr lang="en-US" dirty="0"/>
+              <a:t>SELECT </a:t>
+            </a:r>
+            <a:r>
+              <a:rPr lang="en-US" dirty="0" err="1"/>
+              <a:t>firstName</a:t>
+            </a:r>
+            <a:r>
+              <a:rPr lang="en-US" dirty="0"/>
+              <a:t>, ROUND(salary,0) AS </a:t>
+            </a:r>
+            <a:r>
+              <a:rPr lang="en-US" dirty="0" err="1"/>
+              <a:t>RoundSalary</a:t>
+            </a:r>
+            <a:endParaRPr lang="en-US" dirty="0"/>
+          </a:p>
+          <a:p>
+            <a:r>
+              <a:rPr lang="en-US" dirty="0"/>
+              <a:t>FROM customer;</a:t>
+            </a:r>
+          </a:p>
+        </p:txBody>
+      </p:sp>
+    </p:spTree>
+    <p:extLst>
+      <p:ext uri="{BB962C8B-B14F-4D97-AF65-F5344CB8AC3E}">
+        <p14:creationId xmlns:p14="http://schemas.microsoft.com/office/powerpoint/2010/main" val="2044123904"/>
+      </p:ext>
+    </p:extLst>
+  </p:cSld>
+  <p:clrMapOvr>
+    <a:masterClrMapping/>
+  </p:clrMapOvr>
+</p:sld>
+</file>
+
+<file path=ppt/slides/slide48.xml><?xml version="1.0" encoding="utf-8"?>
+<p:sld xmlns:a="http://schemas.openxmlformats.org/drawingml/2006/main" xmlns:r="http://schemas.openxmlformats.org/officeDocument/2006/relationships" xmlns:p="http://schemas.openxmlformats.org/presentationml/2006/main">
+  <p:cSld>
+    <p:spTree>
+      <p:nvGrpSpPr>
+        <p:cNvPr id="1" name=""/>
+        <p:cNvGrpSpPr/>
+        <p:nvPr/>
+      </p:nvGrpSpPr>
+      <p:grpSpPr>
+        <a:xfrm>
+          <a:off x="0" y="0"/>
+          <a:ext cx="0" cy="0"/>
+          <a:chOff x="0" y="0"/>
+          <a:chExt cx="0" cy="0"/>
+        </a:xfrm>
+      </p:grpSpPr>
+      <p:sp>
+        <p:nvSpPr>
+          <p:cNvPr id="2" name="Title 1"/>
+          <p:cNvSpPr>
+            <a:spLocks noGrp="1"/>
+          </p:cNvSpPr>
+          <p:nvPr>
+            <p:ph type="title"/>
+          </p:nvPr>
+        </p:nvSpPr>
+        <p:spPr/>
+        <p:txBody>
+          <a:bodyPr>
+            <a:normAutofit fontScale="90000"/>
+          </a:bodyPr>
+          <a:lstStyle/>
+          <a:p>
+            <a:r>
+              <a:rPr lang="en-US" b="1" dirty="0">
+                <a:hlinkClick r:id="rId2"/>
+              </a:rPr>
+              <a:t>SQL Queries With PhpMyAdmin (NOW Function)-Part:38</a:t>
+            </a:r>
+            <a:endParaRPr lang="en-US" dirty="0"/>
+          </a:p>
+        </p:txBody>
+      </p:sp>
+      <p:sp>
+        <p:nvSpPr>
+          <p:cNvPr id="3" name="Content Placeholder 2"/>
+          <p:cNvSpPr>
+            <a:spLocks noGrp="1"/>
+          </p:cNvSpPr>
+          <p:nvPr>
+            <p:ph idx="1"/>
+          </p:nvPr>
+        </p:nvSpPr>
+        <p:spPr/>
+        <p:txBody>
+          <a:bodyPr/>
+          <a:lstStyle/>
+          <a:p>
+            <a:r>
+              <a:rPr lang="en-US" dirty="0"/>
+              <a:t>SELECT name, price, Now() AS Date</a:t>
+            </a:r>
+          </a:p>
+          <a:p>
+            <a:r>
+              <a:rPr lang="en-US" dirty="0"/>
+              <a:t>FROM products;</a:t>
+            </a:r>
+            <a:endParaRPr lang="en-US" dirty="0"/>
+          </a:p>
+        </p:txBody>
+      </p:sp>
+    </p:spTree>
+    <p:extLst>
+      <p:ext uri="{BB962C8B-B14F-4D97-AF65-F5344CB8AC3E}">
+        <p14:creationId xmlns:p14="http://schemas.microsoft.com/office/powerpoint/2010/main" val="164200479"/>
+      </p:ext>
+    </p:extLst>
+  </p:cSld>
+  <p:clrMapOvr>
+    <a:masterClrMapping/>
+  </p:clrMapOvr>
+</p:sld>
+</file>
+
+<file path=ppt/slides/slide49.xml><?xml version="1.0" encoding="utf-8"?>
+<p:sld xmlns:a="http://schemas.openxmlformats.org/drawingml/2006/main" xmlns:r="http://schemas.openxmlformats.org/officeDocument/2006/relationships" xmlns:p="http://schemas.openxmlformats.org/presentationml/2006/main">
+  <p:cSld>
+    <p:spTree>
+      <p:nvGrpSpPr>
+        <p:cNvPr id="1" name=""/>
+        <p:cNvGrpSpPr/>
+        <p:nvPr/>
+      </p:nvGrpSpPr>
+      <p:grpSpPr>
+        <a:xfrm>
+          <a:off x="0" y="0"/>
+          <a:ext cx="0" cy="0"/>
+          <a:chOff x="0" y="0"/>
+          <a:chExt cx="0" cy="0"/>
+        </a:xfrm>
+      </p:grpSpPr>
+      <p:sp>
+        <p:nvSpPr>
+          <p:cNvPr id="2" name="Title 1"/>
+          <p:cNvSpPr>
+            <a:spLocks noGrp="1"/>
+          </p:cNvSpPr>
+          <p:nvPr>
+            <p:ph type="title"/>
+          </p:nvPr>
+        </p:nvSpPr>
+        <p:spPr/>
+        <p:txBody>
+          <a:bodyPr>
+            <a:normAutofit fontScale="90000"/>
+          </a:bodyPr>
+          <a:lstStyle/>
+          <a:p>
+            <a:r>
+              <a:rPr lang="en-US" b="1" dirty="0">
+                <a:hlinkClick r:id="rId2"/>
+              </a:rPr>
+              <a:t>SQL Queries With PhpMyAdmin (GUI Mode Operation)-Part:39</a:t>
+            </a:r>
+            <a:endParaRPr lang="en-US" dirty="0"/>
+          </a:p>
+        </p:txBody>
+      </p:sp>
+      <p:sp>
+        <p:nvSpPr>
+          <p:cNvPr id="3" name="Content Placeholder 2"/>
+          <p:cNvSpPr>
+            <a:spLocks noGrp="1"/>
+          </p:cNvSpPr>
+          <p:nvPr>
+            <p:ph idx="1"/>
+          </p:nvPr>
+        </p:nvSpPr>
+        <p:spPr/>
+        <p:txBody>
+          <a:bodyPr/>
+          <a:lstStyle/>
+          <a:p>
+            <a:endParaRPr lang="en-US"/>
+          </a:p>
+        </p:txBody>
+      </p:sp>
+    </p:spTree>
+    <p:extLst>
+      <p:ext uri="{BB962C8B-B14F-4D97-AF65-F5344CB8AC3E}">
+        <p14:creationId xmlns:p14="http://schemas.microsoft.com/office/powerpoint/2010/main" val="224072028"/>
+      </p:ext>
+    </p:extLst>
+  </p:cSld>
+  <p:clrMapOvr>
+    <a:masterClrMapping/>
+  </p:clrMapOvr>
+</p:sld>
+</file>
+
+<file path=ppt/slides/slide5.xml><?xml version="1.0" encoding="utf-8"?>
+<p:sld xmlns:a="http://schemas.openxmlformats.org/drawingml/2006/main" xmlns:r="http://schemas.openxmlformats.org/officeDocument/2006/relationships" xmlns:p="http://schemas.openxmlformats.org/presentationml/2006/main">
+  <p:cSld>
+    <p:spTree>
+      <p:nvGrpSpPr>
+        <p:cNvPr id="1" name=""/>
+        <p:cNvGrpSpPr/>
+        <p:nvPr/>
+      </p:nvGrpSpPr>
+      <p:grpSpPr>
+        <a:xfrm>
+          <a:off x="0" y="0"/>
+          <a:ext cx="0" cy="0"/>
+          <a:chOff x="0" y="0"/>
+          <a:chExt cx="0" cy="0"/>
+        </a:xfrm>
+      </p:grpSpPr>
+      <p:sp>
+        <p:nvSpPr>
+          <p:cNvPr id="2" name="Title 1"/>
+          <p:cNvSpPr>
+            <a:spLocks noGrp="1"/>
+          </p:cNvSpPr>
+          <p:nvPr>
+            <p:ph type="title"/>
+          </p:nvPr>
+        </p:nvSpPr>
+        <p:spPr/>
+        <p:txBody>
+          <a:bodyPr>
+            <a:normAutofit fontScale="90000"/>
+          </a:bodyPr>
+          <a:lstStyle/>
+          <a:p>
+            <a:r>
+              <a:rPr lang="en-US" dirty="0">
+                <a:hlinkClick r:id="rId2"/>
+              </a:rPr>
+              <a:t>SQL Queries With PhpMyAdmin (Update Data)-Part:05</a:t>
+            </a:r>
+            <a:endParaRPr lang="en-US" dirty="0"/>
+          </a:p>
+        </p:txBody>
+      </p:sp>
+      <p:sp>
+        <p:nvSpPr>
+          <p:cNvPr id="3" name="Content Placeholder 2"/>
+          <p:cNvSpPr>
+            <a:spLocks noGrp="1"/>
+          </p:cNvSpPr>
+          <p:nvPr>
+            <p:ph idx="1"/>
+          </p:nvPr>
+        </p:nvSpPr>
+        <p:spPr/>
+        <p:txBody>
+          <a:bodyPr/>
+          <a:lstStyle/>
+          <a:p>
+            <a:r>
+              <a:rPr lang="en-US" dirty="0"/>
+              <a:t>UPDATE customer</a:t>
+            </a:r>
+          </a:p>
+          <a:p>
+            <a:r>
+              <a:rPr lang="en-US" dirty="0"/>
+              <a:t>SET email = 'zamancsediue44@gmail.com'</a:t>
+            </a:r>
+          </a:p>
+          <a:p>
+            <a:r>
+              <a:rPr lang="en-US" dirty="0"/>
+              <a:t>WHERE id = 2;</a:t>
+            </a:r>
+          </a:p>
+        </p:txBody>
+      </p:sp>
+    </p:spTree>
+    <p:extLst>
+      <p:ext uri="{BB962C8B-B14F-4D97-AF65-F5344CB8AC3E}">
+        <p14:creationId xmlns:p14="http://schemas.microsoft.com/office/powerpoint/2010/main" val="2235092345"/>
+      </p:ext>
+    </p:extLst>
+  </p:cSld>
+  <p:clrMapOvr>
+    <a:masterClrMapping/>
+  </p:clrMapOvr>
+  <p:timing>
+    <p:tnLst>
+      <p:par>
+        <p:cTn id="1" dur="indefinite" restart="never" nodeType="tmRoot"/>
+      </p:par>
+    </p:tnLst>
+  </p:timing>
+</p:sld>
+</file>
+
+<file path=ppt/slides/slide50.xml><?xml version="1.0" encoding="utf-8"?>
+<p:sld xmlns:a="http://schemas.openxmlformats.org/drawingml/2006/main" xmlns:r="http://schemas.openxmlformats.org/officeDocument/2006/relationships" xmlns:p="http://schemas.openxmlformats.org/presentationml/2006/main">
+  <p:cSld>
+    <p:spTree>
+      <p:nvGrpSpPr>
+        <p:cNvPr id="1" name=""/>
+        <p:cNvGrpSpPr/>
+        <p:nvPr/>
+      </p:nvGrpSpPr>
+      <p:grpSpPr>
+        <a:xfrm>
+          <a:off x="0" y="0"/>
+          <a:ext cx="0" cy="0"/>
+          <a:chOff x="0" y="0"/>
+          <a:chExt cx="0" cy="0"/>
+        </a:xfrm>
+      </p:grpSpPr>
+      <p:sp>
+        <p:nvSpPr>
+          <p:cNvPr id="2" name="Title 1"/>
+          <p:cNvSpPr>
+            <a:spLocks noGrp="1"/>
+          </p:cNvSpPr>
+          <p:nvPr>
+            <p:ph type="title"/>
+          </p:nvPr>
+        </p:nvSpPr>
+        <p:spPr/>
+        <p:txBody>
+          <a:bodyPr>
+            <a:normAutofit fontScale="90000"/>
+          </a:bodyPr>
+          <a:lstStyle/>
+          <a:p>
+            <a:r>
+              <a:rPr lang="en-US" b="1" dirty="0">
+                <a:hlinkClick r:id="rId2"/>
+              </a:rPr>
+              <a:t>SQL Queries With PhpMyAdmin (DATABASE Backup)-Part:40</a:t>
+            </a:r>
+            <a:endParaRPr lang="en-US" dirty="0"/>
+          </a:p>
+        </p:txBody>
+      </p:sp>
+      <p:sp>
+        <p:nvSpPr>
+          <p:cNvPr id="3" name="Content Placeholder 2"/>
+          <p:cNvSpPr>
+            <a:spLocks noGrp="1"/>
+          </p:cNvSpPr>
+          <p:nvPr>
+            <p:ph idx="1"/>
+          </p:nvPr>
+        </p:nvSpPr>
+        <p:spPr/>
+        <p:txBody>
+          <a:bodyPr/>
+          <a:lstStyle/>
+          <a:p>
+            <a:endParaRPr lang="en-US"/>
+          </a:p>
+        </p:txBody>
+      </p:sp>
+    </p:spTree>
+    <p:extLst>
+      <p:ext uri="{BB962C8B-B14F-4D97-AF65-F5344CB8AC3E}">
+        <p14:creationId xmlns:p14="http://schemas.microsoft.com/office/powerpoint/2010/main" val="340361024"/>
+      </p:ext>
+    </p:extLst>
+  </p:cSld>
+  <p:clrMapOvr>
+    <a:masterClrMapping/>
+  </p:clrMapOvr>
+</p:sld>
+</file>
+
+<file path=ppt/slides/slide6.xml><?xml version="1.0" encoding="utf-8"?>
+<p:sld xmlns:a="http://schemas.openxmlformats.org/drawingml/2006/main" xmlns:r="http://schemas.openxmlformats.org/officeDocument/2006/relationships" xmlns:p="http://schemas.openxmlformats.org/presentationml/2006/main">
+  <p:cSld>
+    <p:spTree>
+      <p:nvGrpSpPr>
+        <p:cNvPr id="1" name=""/>
+        <p:cNvGrpSpPr/>
+        <p:nvPr/>
+      </p:nvGrpSpPr>
+      <p:grpSpPr>
+        <a:xfrm>
+          <a:off x="0" y="0"/>
+          <a:ext cx="0" cy="0"/>
+          <a:chOff x="0" y="0"/>
+          <a:chExt cx="0" cy="0"/>
+        </a:xfrm>
+      </p:grpSpPr>
+      <p:sp>
+        <p:nvSpPr>
+          <p:cNvPr id="2" name="Title 1"/>
+          <p:cNvSpPr>
+            <a:spLocks noGrp="1"/>
+          </p:cNvSpPr>
+          <p:nvPr>
+            <p:ph type="title"/>
+          </p:nvPr>
+        </p:nvSpPr>
+        <p:spPr>
+          <a:xfrm>
+            <a:off x="457200" y="304800"/>
+            <a:ext cx="8229600" cy="1143000"/>
+          </a:xfrm>
+        </p:spPr>
+        <p:txBody>
+          <a:bodyPr>
+            <a:normAutofit fontScale="90000"/>
+          </a:bodyPr>
+          <a:lstStyle/>
+          <a:p>
+            <a:pPr fontAlgn="ctr"/>
+            <a:r>
+              <a:rPr lang="en-US" dirty="0" smtClean="0">
+                <a:hlinkClick r:id="rId2"/>
+              </a:rPr>
+              <a:t>SQL </a:t>
+            </a:r>
+            <a:r>
+              <a:rPr lang="en-US" dirty="0">
+                <a:hlinkClick r:id="rId2"/>
+              </a:rPr>
+              <a:t>Queries With PhpMyAdmin (Delete Data)-Part:06</a:t>
+            </a:r>
+            <a:r>
+              <a:rPr lang="en-US" dirty="0"/>
+              <a:t/>
+            </a:r>
+            <a:br>
+              <a:rPr lang="en-US" dirty="0"/>
+            </a:br>
+            <a:endParaRPr lang="en-US" dirty="0"/>
+          </a:p>
+        </p:txBody>
+      </p:sp>
+      <p:sp>
+        <p:nvSpPr>
+          <p:cNvPr id="3" name="Content Placeholder 2"/>
+          <p:cNvSpPr>
+            <a:spLocks noGrp="1"/>
+          </p:cNvSpPr>
+          <p:nvPr>
+            <p:ph idx="1"/>
+          </p:nvPr>
+        </p:nvSpPr>
+        <p:spPr/>
+        <p:txBody>
+          <a:bodyPr/>
+          <a:lstStyle/>
+          <a:p>
+            <a:r>
+              <a:rPr lang="en-US" dirty="0"/>
+              <a:t>DELETE FROM customer</a:t>
+            </a:r>
+          </a:p>
+          <a:p>
+            <a:r>
+              <a:rPr lang="en-US"/>
+              <a:t>WHERE id = 10;</a:t>
+            </a:r>
+          </a:p>
+        </p:txBody>
+      </p:sp>
+    </p:spTree>
+    <p:extLst>
+      <p:ext uri="{BB962C8B-B14F-4D97-AF65-F5344CB8AC3E}">
+        <p14:creationId xmlns:p14="http://schemas.microsoft.com/office/powerpoint/2010/main" val="2751821929"/>
+      </p:ext>
+    </p:extLst>
+  </p:cSld>
+  <p:clrMapOvr>
+    <a:masterClrMapping/>
+  </p:clrMapOvr>
+  <p:timing>
+    <p:tnLst>
+      <p:par>
+        <p:cTn id="1" dur="indefinite" restart="never" nodeType="tmRoot"/>
+      </p:par>
+    </p:tnLst>
+  </p:timing>
+</p:sld>
+</file>
+
+<file path=ppt/slides/slide7.xml><?xml version="1.0" encoding="utf-8"?>
+<p:sld xmlns:a="http://schemas.openxmlformats.org/drawingml/2006/main" xmlns:r="http://schemas.openxmlformats.org/officeDocument/2006/relationships" xmlns:p="http://schemas.openxmlformats.org/presentationml/2006/main">
+  <p:cSld>
+    <p:spTree>
+      <p:nvGrpSpPr>
+        <p:cNvPr id="1" name=""/>
+        <p:cNvGrpSpPr/>
+        <p:nvPr/>
+      </p:nvGrpSpPr>
+      <p:grpSpPr>
+        <a:xfrm>
+          <a:off x="0" y="0"/>
+          <a:ext cx="0" cy="0"/>
+          <a:chOff x="0" y="0"/>
+          <a:chExt cx="0" cy="0"/>
+        </a:xfrm>
+      </p:grpSpPr>
+      <p:sp>
+        <p:nvSpPr>
+          <p:cNvPr id="2" name="Title 1"/>
+          <p:cNvSpPr>
+            <a:spLocks noGrp="1"/>
+          </p:cNvSpPr>
+          <p:nvPr>
+            <p:ph type="title"/>
+          </p:nvPr>
+        </p:nvSpPr>
+        <p:spPr/>
+        <p:txBody>
+          <a:bodyPr>
+            <a:normAutofit fontScale="90000"/>
+          </a:bodyPr>
+          <a:lstStyle/>
+          <a:p>
+            <a:pPr fontAlgn="ctr"/>
+            <a:r>
+              <a:rPr lang="en-US" dirty="0" smtClean="0">
+                <a:hlinkClick r:id="rId2"/>
+              </a:rPr>
+              <a:t>SQL </a:t>
+            </a:r>
+            <a:r>
+              <a:rPr lang="en-US" dirty="0">
+                <a:hlinkClick r:id="rId2"/>
+              </a:rPr>
+              <a:t>Queries With PhpMyAdmin (Alter Table)-Part:07</a:t>
+            </a:r>
+            <a:r>
+              <a:rPr lang="en-US" dirty="0"/>
+              <a:t/>
+            </a:r>
+            <a:br>
+              <a:rPr lang="en-US" dirty="0"/>
+            </a:br>
+            <a:endParaRPr lang="en-US" dirty="0"/>
+          </a:p>
+        </p:txBody>
+      </p:sp>
+      <p:sp>
+        <p:nvSpPr>
+          <p:cNvPr id="3" name="Content Placeholder 2"/>
+          <p:cNvSpPr>
+            <a:spLocks noGrp="1"/>
+          </p:cNvSpPr>
+          <p:nvPr>
+            <p:ph idx="1"/>
+          </p:nvPr>
+        </p:nvSpPr>
+        <p:spPr/>
+        <p:txBody>
+          <a:bodyPr/>
+          <a:lstStyle/>
+          <a:p>
+            <a:r>
+              <a:rPr lang="en-US" dirty="0"/>
+              <a:t>ALTER TABLE customer ADD </a:t>
+            </a:r>
+            <a:r>
+              <a:rPr lang="en-US" dirty="0" err="1"/>
+              <a:t>newCol</a:t>
+            </a:r>
+            <a:r>
+              <a:rPr lang="en-US" dirty="0"/>
+              <a:t> VARCHAR(255</a:t>
+            </a:r>
+            <a:r>
+              <a:rPr lang="en-US" dirty="0" smtClean="0"/>
+              <a:t>);</a:t>
+            </a:r>
+          </a:p>
+          <a:p>
+            <a:r>
+              <a:rPr lang="en-US" dirty="0"/>
+              <a:t>ALTER TABLE </a:t>
+            </a:r>
+            <a:r>
+              <a:rPr lang="en-US" dirty="0" smtClean="0"/>
+              <a:t>customer MODIFY </a:t>
+            </a:r>
+            <a:r>
+              <a:rPr lang="en-US" dirty="0"/>
+              <a:t>COLUMN </a:t>
+            </a:r>
+            <a:r>
+              <a:rPr lang="en-US" dirty="0" err="1"/>
+              <a:t>newCol</a:t>
+            </a:r>
+            <a:r>
+              <a:rPr lang="en-US" dirty="0"/>
+              <a:t> INT(11</a:t>
+            </a:r>
+            <a:r>
+              <a:rPr lang="en-US" dirty="0" smtClean="0"/>
+              <a:t>);</a:t>
+            </a:r>
+          </a:p>
+          <a:p>
+            <a:r>
+              <a:rPr lang="en-US" dirty="0"/>
+              <a:t>ALTER TABLE </a:t>
+            </a:r>
+            <a:r>
+              <a:rPr lang="en-US" dirty="0" smtClean="0"/>
+              <a:t>customer DROP </a:t>
+            </a:r>
+            <a:r>
+              <a:rPr lang="en-US" dirty="0"/>
+              <a:t>COLUMN </a:t>
+            </a:r>
+            <a:r>
+              <a:rPr lang="en-US" dirty="0" err="1"/>
+              <a:t>newCol</a:t>
+            </a:r>
+            <a:r>
+              <a:rPr lang="en-US" dirty="0"/>
+              <a:t>;</a:t>
+            </a:r>
+          </a:p>
+        </p:txBody>
+      </p:sp>
+    </p:spTree>
+    <p:extLst>
+      <p:ext uri="{BB962C8B-B14F-4D97-AF65-F5344CB8AC3E}">
+        <p14:creationId xmlns:p14="http://schemas.microsoft.com/office/powerpoint/2010/main" val="1193606993"/>
+      </p:ext>
+    </p:extLst>
+  </p:cSld>
+  <p:clrMapOvr>
+    <a:masterClrMapping/>
+  </p:clrMapOvr>
+  <p:timing>
+    <p:tnLst>
+      <p:par>
+        <p:cTn id="1" dur="indefinite" restart="never" nodeType="tmRoot"/>
+      </p:par>
+    </p:tnLst>
+  </p:timing>
+</p:sld>
+</file>
+
+<file path=ppt/slides/slide8.xml><?xml version="1.0" encoding="utf-8"?>
+<p:sld xmlns:a="http://schemas.openxmlformats.org/drawingml/2006/main" xmlns:r="http://schemas.openxmlformats.org/officeDocument/2006/relationships" xmlns:p="http://schemas.openxmlformats.org/presentationml/2006/main">
+  <p:cSld>
+    <p:spTree>
+      <p:nvGrpSpPr>
+        <p:cNvPr id="1" name=""/>
+        <p:cNvGrpSpPr/>
+        <p:nvPr/>
+      </p:nvGrpSpPr>
+      <p:grpSpPr>
+        <a:xfrm>
+          <a:off x="0" y="0"/>
+          <a:ext cx="0" cy="0"/>
+          <a:chOff x="0" y="0"/>
+          <a:chExt cx="0" cy="0"/>
+        </a:xfrm>
+      </p:grpSpPr>
+      <p:sp>
+        <p:nvSpPr>
+          <p:cNvPr id="2" name="Title 1"/>
+          <p:cNvSpPr>
+            <a:spLocks noGrp="1"/>
+          </p:cNvSpPr>
+          <p:nvPr>
+            <p:ph type="title"/>
+          </p:nvPr>
+        </p:nvSpPr>
+        <p:spPr/>
+        <p:txBody>
+          <a:bodyPr>
+            <a:normAutofit fontScale="90000"/>
+          </a:bodyPr>
+          <a:lstStyle/>
+          <a:p>
+            <a:pPr fontAlgn="ctr"/>
+            <a:r>
+              <a:rPr lang="en-US" dirty="0"/>
+              <a:t/>
+            </a:r>
+            <a:br>
+              <a:rPr lang="en-US" dirty="0"/>
+            </a:br>
+            <a:r>
+              <a:rPr lang="en-US" dirty="0"/>
+              <a:t>8/45</a:t>
+            </a:r>
+            <a:br>
+              <a:rPr lang="en-US" dirty="0"/>
+            </a:br>
+            <a:r>
+              <a:rPr lang="en-US" dirty="0">
+                <a:hlinkClick r:id="rId2"/>
+              </a:rPr>
+              <a:t>SQL Queries With PhpMyAdmin (Select Data)-Part:08</a:t>
+            </a:r>
+            <a:r>
+              <a:rPr lang="en-US" dirty="0"/>
+              <a:t/>
+            </a:r>
+            <a:br>
+              <a:rPr lang="en-US" dirty="0"/>
+            </a:br>
+            <a:endParaRPr lang="en-US" dirty="0"/>
+          </a:p>
+        </p:txBody>
+      </p:sp>
+      <p:sp>
+        <p:nvSpPr>
+          <p:cNvPr id="3" name="Content Placeholder 2"/>
+          <p:cNvSpPr>
+            <a:spLocks noGrp="1"/>
+          </p:cNvSpPr>
+          <p:nvPr>
+            <p:ph idx="1"/>
+          </p:nvPr>
+        </p:nvSpPr>
+        <p:spPr/>
+        <p:txBody>
+          <a:bodyPr>
+            <a:normAutofit fontScale="85000" lnSpcReduction="20000"/>
+          </a:bodyPr>
+          <a:lstStyle/>
+          <a:p>
+            <a:r>
+              <a:rPr lang="en-US" dirty="0"/>
+              <a:t>SELECT * FROM customer</a:t>
+            </a:r>
+            <a:r>
+              <a:rPr lang="en-US" dirty="0" smtClean="0"/>
+              <a:t>;</a:t>
+            </a:r>
+          </a:p>
+          <a:p>
+            <a:r>
+              <a:rPr lang="en-US" dirty="0" smtClean="0"/>
+              <a:t>SELECT </a:t>
+            </a:r>
+            <a:r>
+              <a:rPr lang="en-US" dirty="0"/>
+              <a:t>* FROM customer LIMIT 3</a:t>
+            </a:r>
+            <a:r>
+              <a:rPr lang="en-US" dirty="0" smtClean="0"/>
+              <a:t>;</a:t>
+            </a:r>
+          </a:p>
+          <a:p>
+            <a:r>
+              <a:rPr lang="en-US" dirty="0"/>
+              <a:t>SELECT * FROM customer LIMIT 3,4</a:t>
+            </a:r>
+            <a:r>
+              <a:rPr lang="en-US" dirty="0" smtClean="0"/>
+              <a:t>;	</a:t>
+            </a:r>
+          </a:p>
+          <a:p>
+            <a:r>
+              <a:rPr lang="en-US" dirty="0"/>
+              <a:t>SELECT </a:t>
+            </a:r>
+            <a:r>
+              <a:rPr lang="en-US" dirty="0" err="1" smtClean="0"/>
+              <a:t>firstName</a:t>
+            </a:r>
+            <a:r>
+              <a:rPr lang="en-US" dirty="0"/>
+              <a:t>, </a:t>
+            </a:r>
+            <a:r>
+              <a:rPr lang="en-US" dirty="0" err="1"/>
+              <a:t>lastName</a:t>
+            </a:r>
+            <a:r>
+              <a:rPr lang="en-US" dirty="0"/>
+              <a:t> FROM customer</a:t>
+            </a:r>
+            <a:r>
+              <a:rPr lang="en-US" dirty="0" smtClean="0"/>
+              <a:t>;</a:t>
+            </a:r>
+          </a:p>
+          <a:p>
+            <a:r>
+              <a:rPr lang="en-US" dirty="0"/>
+              <a:t>SELECT * FROM customer WHERE id=7</a:t>
+            </a:r>
+            <a:r>
+              <a:rPr lang="en-US" dirty="0" smtClean="0"/>
+              <a:t>;</a:t>
+            </a:r>
+          </a:p>
+          <a:p>
+            <a:r>
+              <a:rPr lang="en-US" dirty="0"/>
+              <a:t>SELECT * FROM customer ORDER BY </a:t>
+            </a:r>
+            <a:r>
+              <a:rPr lang="en-US" dirty="0" err="1"/>
+              <a:t>lastName</a:t>
+            </a:r>
+            <a:r>
+              <a:rPr lang="en-US" dirty="0" smtClean="0"/>
+              <a:t>;</a:t>
+            </a:r>
+          </a:p>
+          <a:p>
+            <a:r>
+              <a:rPr lang="en-US" dirty="0"/>
+              <a:t>SELECT * FROM customer ORDER BY </a:t>
+            </a:r>
+            <a:r>
+              <a:rPr lang="en-US" dirty="0" err="1"/>
+              <a:t>lastName</a:t>
+            </a:r>
+            <a:r>
+              <a:rPr lang="en-US" dirty="0"/>
+              <a:t> DESC</a:t>
+            </a:r>
+            <a:r>
+              <a:rPr lang="en-US" dirty="0" smtClean="0"/>
+              <a:t>;</a:t>
+            </a:r>
+          </a:p>
+          <a:p>
+            <a:r>
+              <a:rPr lang="en-US" dirty="0"/>
+              <a:t>SELECT * FROM customer ORDER BY </a:t>
+            </a:r>
+            <a:r>
+              <a:rPr lang="en-US" dirty="0" err="1"/>
+              <a:t>lastName</a:t>
+            </a:r>
+            <a:r>
+              <a:rPr lang="en-US" dirty="0"/>
+              <a:t> ASC</a:t>
+            </a:r>
+            <a:r>
+              <a:rPr lang="en-US" dirty="0" smtClean="0"/>
+              <a:t>;</a:t>
+            </a:r>
+          </a:p>
+          <a:p>
+            <a:r>
+              <a:rPr lang="en-US" dirty="0"/>
+              <a:t>SELECT city FROM customer</a:t>
+            </a:r>
+            <a:r>
+              <a:rPr lang="en-US" dirty="0" smtClean="0"/>
+              <a:t>;</a:t>
+            </a:r>
+          </a:p>
+          <a:p>
+            <a:r>
+              <a:rPr lang="en-US" dirty="0"/>
+              <a:t>SELECT DISTINCT city FROM customer;</a:t>
+            </a:r>
+            <a:endParaRPr lang="en-US" dirty="0" smtClean="0"/>
+          </a:p>
+          <a:p>
+            <a:endParaRPr lang="en-US" dirty="0"/>
+          </a:p>
+        </p:txBody>
+      </p:sp>
+    </p:spTree>
+    <p:extLst>
+      <p:ext uri="{BB962C8B-B14F-4D97-AF65-F5344CB8AC3E}">
+        <p14:creationId xmlns:p14="http://schemas.microsoft.com/office/powerpoint/2010/main" val="3415333416"/>
+      </p:ext>
+    </p:extLst>
+  </p:cSld>
+  <p:clrMapOvr>
+    <a:masterClrMapping/>
+  </p:clrMapOvr>
+  <p:timing>
+    <p:tnLst>
+      <p:par>
+        <p:cTn id="1" dur="indefinite" restart="never" nodeType="tmRoot"/>
+      </p:par>
+    </p:tnLst>
+  </p:timing>
+</p:sld>
+</file>
+
+<file path=ppt/slides/slide9.xml><?xml version="1.0" encoding="utf-8"?>
+<p:sld xmlns:a="http://schemas.openxmlformats.org/drawingml/2006/main" xmlns:r="http://schemas.openxmlformats.org/officeDocument/2006/relationships" xmlns:p="http://schemas.openxmlformats.org/presentationml/2006/main">
+  <p:cSld>
+    <p:spTree>
+      <p:nvGrpSpPr>
+        <p:cNvPr id="1" name=""/>
+        <p:cNvGrpSpPr/>
+        <p:nvPr/>
+      </p:nvGrpSpPr>
+      <p:grpSpPr>
+        <a:xfrm>
+          <a:off x="0" y="0"/>
+          <a:ext cx="0" cy="0"/>
+          <a:chOff x="0" y="0"/>
+          <a:chExt cx="0" cy="0"/>
+        </a:xfrm>
+      </p:grpSpPr>
+      <p:sp>
+        <p:nvSpPr>
+          <p:cNvPr id="2" name="Title 1"/>
+          <p:cNvSpPr>
+            <a:spLocks noGrp="1"/>
+          </p:cNvSpPr>
+          <p:nvPr>
+            <p:ph type="title"/>
+          </p:nvPr>
+        </p:nvSpPr>
+        <p:spPr/>
+        <p:txBody>
+          <a:bodyPr>
+            <a:normAutofit fontScale="90000"/>
+          </a:bodyPr>
+          <a:lstStyle/>
+          <a:p>
+            <a:pPr fontAlgn="ctr"/>
+            <a:r>
+              <a:rPr lang="en-US" dirty="0"/>
+              <a:t/>
+            </a:r>
+            <a:br>
+              <a:rPr lang="en-US" dirty="0"/>
+            </a:br>
+            <a:r>
+              <a:rPr lang="en-US" dirty="0"/>
+              <a:t>10/45</a:t>
+            </a:r>
+            <a:br>
+              <a:rPr lang="en-US" dirty="0"/>
+            </a:br>
+            <a:r>
+              <a:rPr lang="en-US" dirty="0">
+                <a:hlinkClick r:id="rId2"/>
+              </a:rPr>
+              <a:t>SQL Queries With PhpMyAdmin (Between Operator)-Part:10</a:t>
+            </a:r>
+            <a:r>
+              <a:rPr lang="en-US" dirty="0"/>
+              <a:t/>
+            </a:r>
+            <a:br>
+              <a:rPr lang="en-US" dirty="0"/>
+            </a:br>
+            <a:endParaRPr lang="en-US" dirty="0"/>
+          </a:p>
+        </p:txBody>
+      </p:sp>
+      <p:sp>
+        <p:nvSpPr>
+          <p:cNvPr id="3" name="Content Placeholder 2"/>
+          <p:cNvSpPr>
+            <a:spLocks noGrp="1"/>
+          </p:cNvSpPr>
+          <p:nvPr>
+            <p:ph idx="1"/>
+          </p:nvPr>
+        </p:nvSpPr>
+        <p:spPr/>
+        <p:txBody>
+          <a:bodyPr/>
+          <a:lstStyle/>
+          <a:p>
+            <a:r>
+              <a:rPr lang="en-US" dirty="0"/>
+              <a:t>ALTER TABLE </a:t>
+            </a:r>
+            <a:r>
+              <a:rPr lang="en-US" dirty="0" smtClean="0"/>
+              <a:t>customer ADD </a:t>
+            </a:r>
+            <a:r>
+              <a:rPr lang="en-US" dirty="0"/>
+              <a:t>COLUMN age INT</a:t>
+            </a:r>
+            <a:r>
+              <a:rPr lang="en-US" dirty="0" smtClean="0"/>
+              <a:t>;</a:t>
+            </a:r>
+          </a:p>
+          <a:p>
+            <a:r>
+              <a:rPr lang="en-US" dirty="0"/>
+              <a:t>SELECT * FROM </a:t>
+            </a:r>
+            <a:r>
+              <a:rPr lang="en-US" dirty="0" smtClean="0"/>
+              <a:t>customer WHERE age BETWEEN </a:t>
+            </a:r>
+            <a:r>
+              <a:rPr lang="en-US" dirty="0"/>
+              <a:t>20 AND 30;</a:t>
+            </a:r>
+          </a:p>
+        </p:txBody>
+      </p:sp>
+    </p:spTree>
+    <p:extLst>
+      <p:ext uri="{BB962C8B-B14F-4D97-AF65-F5344CB8AC3E}">
+        <p14:creationId xmlns:p14="http://schemas.microsoft.com/office/powerpoint/2010/main" val="742430793"/>
+      </p:ext>
+    </p:extLst>
+  </p:cSld>
+  <p:clrMapOvr>
+    <a:masterClrMapping/>
+  </p:clrMapOvr>
+  <p:timing>
+    <p:tnLst>
+      <p:par>
+        <p:cTn id="1" dur="indefinite" restart="never" nodeType="tmRoot"/>
+      </p:par>
+    </p:tnLst>
+  </p:timing>
 </p:sld>
 </file>
 
